--- a/Python/Projet 4 - Soutenance _ Rester livres.pptx
+++ b/Python/Projet 4 - Soutenance _ Rester livres.pptx
@@ -1472,7 +1472,7 @@
       </p:grpSpPr>
       <p:sp>
         <p:nvSpPr>
-          <p:cNvPr id="204" name="Google Shape;204;g9b59803da8_0_33:notes"/>
+          <p:cNvPr id="204" name="Google Shape;204;g9b59803da8_0_67:notes"/>
           <p:cNvSpPr/>
           <p:nvPr>
             <p:ph idx="2" type="sldImg"/>
@@ -1507,7 +1507,7 @@
       </p:sp>
       <p:sp>
         <p:nvSpPr>
-          <p:cNvPr id="205" name="Google Shape;205;g9b59803da8_0_33:notes"/>
+          <p:cNvPr id="205" name="Google Shape;205;g9b59803da8_0_67:notes"/>
           <p:cNvSpPr txBox="1"/>
           <p:nvPr>
             <p:ph idx="1" type="body"/>
@@ -1535,6 +1535,11 @@
               <a:spcAft>
                 <a:spcPts val="0"/>
               </a:spcAft>
+              <a:buClr>
+                <a:schemeClr val="dk1"/>
+              </a:buClr>
+              <a:buSzPts val="1100"/>
+              <a:buFont typeface="Arial"/>
               <a:buNone/>
             </a:pPr>
             <a:r>
@@ -1543,7 +1548,7 @@
                   <a:schemeClr val="dk1"/>
                 </a:solidFill>
                 <a:highlight>
-                  <a:srgbClr val="FFFFFF"/>
+                  <a:schemeClr val="lt1"/>
                 </a:highlight>
               </a:rPr>
               <a:t>Nous observons que la distribution est plutôt similaire. Une légère différence f/m pour les personnes de 40-50 ans.</a:t>
@@ -1810,7 +1815,7 @@
       </p:grpSpPr>
       <p:sp>
         <p:nvSpPr>
-          <p:cNvPr id="230" name="Google Shape;230;g9b59803da8_0_67:notes"/>
+          <p:cNvPr id="230" name="Google Shape;230;g9b59803da8_0_78:notes"/>
           <p:cNvSpPr/>
           <p:nvPr>
             <p:ph idx="2" type="sldImg"/>
@@ -1845,7 +1850,7 @@
       </p:sp>
       <p:sp>
         <p:nvSpPr>
-          <p:cNvPr id="231" name="Google Shape;231;g9b59803da8_0_67:notes"/>
+          <p:cNvPr id="231" name="Google Shape;231;g9b59803da8_0_78:notes"/>
           <p:cNvSpPr txBox="1"/>
           <p:nvPr>
             <p:ph idx="1" type="body"/>
@@ -2008,7 +2013,7 @@
       </p:grpSpPr>
       <p:sp>
         <p:nvSpPr>
-          <p:cNvPr id="238" name="Google Shape;238;g9b59803da8_0_78:notes"/>
+          <p:cNvPr id="238" name="Google Shape;238;ga00a6e06cc_0_0:notes"/>
           <p:cNvSpPr/>
           <p:nvPr>
             <p:ph idx="2" type="sldImg"/>
@@ -2043,7 +2048,7 @@
       </p:sp>
       <p:sp>
         <p:nvSpPr>
-          <p:cNvPr id="239" name="Google Shape;239;g9b59803da8_0_78:notes"/>
+          <p:cNvPr id="239" name="Google Shape;239;ga00a6e06cc_0_0:notes"/>
           <p:cNvSpPr txBox="1"/>
           <p:nvPr>
             <p:ph idx="1" type="body"/>
@@ -2093,7 +2098,7 @@
   <p:cSld>
     <p:spTree>
       <p:nvGrpSpPr>
-        <p:cNvPr id="245" name="Shape 245"/>
+        <p:cNvPr id="250" name="Shape 250"/>
         <p:cNvGrpSpPr/>
         <p:nvPr/>
       </p:nvGrpSpPr>
@@ -2107,7 +2112,7 @@
       </p:grpSpPr>
       <p:sp>
         <p:nvSpPr>
-          <p:cNvPr id="246" name="Google Shape;246;ga00a6e06cc_0_0:notes"/>
+          <p:cNvPr id="251" name="Google Shape;251;g984ee6ef28_0_70:notes"/>
           <p:cNvSpPr/>
           <p:nvPr>
             <p:ph idx="2" type="sldImg"/>
@@ -2142,7 +2147,7 @@
       </p:sp>
       <p:sp>
         <p:nvSpPr>
-          <p:cNvPr id="247" name="Google Shape;247;ga00a6e06cc_0_0:notes"/>
+          <p:cNvPr id="252" name="Google Shape;252;g984ee6ef28_0_70:notes"/>
           <p:cNvSpPr txBox="1"/>
           <p:nvPr>
             <p:ph idx="1" type="body"/>
@@ -2165,7 +2170,7 @@
           <a:p>
             <a:pPr indent="0" lvl="0" marL="0" rtl="0" algn="l">
               <a:spcBef>
-                <a:spcPts val="1100"/>
+                <a:spcPts val="0"/>
               </a:spcBef>
               <a:spcAft>
                 <a:spcPts val="0"/>
@@ -2173,7 +2178,28 @@
               <a:buNone/>
             </a:pPr>
             <a:r>
-              <a:t/>
+              <a:rPr lang="fr"/>
+              <a:t>3287 produits / prix moyen 21.86 / 25% </a:t>
+            </a:r>
+            <a:r>
+              <a:rPr lang="fr">
+                <a:solidFill>
+                  <a:schemeClr val="dk1"/>
+                </a:solidFill>
+              </a:rPr>
+              <a:t>à</a:t>
+            </a:r>
+            <a:r>
+              <a:rPr lang="fr"/>
+              <a:t> 6.99 / 75% </a:t>
+            </a:r>
+            <a:r>
+              <a:rPr lang="fr">
+                <a:solidFill>
+                  <a:schemeClr val="dk1"/>
+                </a:solidFill>
+              </a:rPr>
+              <a:t>à 22.99 / </a:t>
             </a:r>
             <a:endParaRPr/>
           </a:p>
@@ -2206,7 +2232,7 @@
       </p:grpSpPr>
       <p:sp>
         <p:nvSpPr>
-          <p:cNvPr id="259" name="Google Shape;259;g984ee6ef28_0_70:notes"/>
+          <p:cNvPr id="259" name="Google Shape;259;g9b59803da8_0_91:notes"/>
           <p:cNvSpPr/>
           <p:nvPr>
             <p:ph idx="2" type="sldImg"/>
@@ -2241,7 +2267,7 @@
       </p:sp>
       <p:sp>
         <p:nvSpPr>
-          <p:cNvPr id="260" name="Google Shape;260;g984ee6ef28_0_70:notes"/>
+          <p:cNvPr id="260" name="Google Shape;260;g9b59803da8_0_91:notes"/>
           <p:cNvSpPr txBox="1"/>
           <p:nvPr>
             <p:ph idx="1" type="body"/>
@@ -2272,28 +2298,7 @@
               <a:buNone/>
             </a:pPr>
             <a:r>
-              <a:rPr lang="fr"/>
-              <a:t>3287 produits / prix moyen 21.86 / 25% </a:t>
-            </a:r>
-            <a:r>
-              <a:rPr lang="fr">
-                <a:solidFill>
-                  <a:schemeClr val="dk1"/>
-                </a:solidFill>
-              </a:rPr>
-              <a:t>à</a:t>
-            </a:r>
-            <a:r>
-              <a:rPr lang="fr"/>
-              <a:t> 6.99 / 75% </a:t>
-            </a:r>
-            <a:r>
-              <a:rPr lang="fr">
-                <a:solidFill>
-                  <a:schemeClr val="dk1"/>
-                </a:solidFill>
-              </a:rPr>
-              <a:t>à 22.99 / </a:t>
+              <a:t/>
             </a:r>
             <a:endParaRPr/>
           </a:p>
@@ -2312,7 +2317,7 @@
   <p:cSld>
     <p:spTree>
       <p:nvGrpSpPr>
-        <p:cNvPr id="266" name="Shape 266"/>
+        <p:cNvPr id="267" name="Shape 267"/>
         <p:cNvGrpSpPr/>
         <p:nvPr/>
       </p:nvGrpSpPr>
@@ -2326,7 +2331,7 @@
       </p:grpSpPr>
       <p:sp>
         <p:nvSpPr>
-          <p:cNvPr id="267" name="Google Shape;267;g9b59803da8_0_91:notes"/>
+          <p:cNvPr id="268" name="Google Shape;268;g9b59803da8_0_103:notes"/>
           <p:cNvSpPr/>
           <p:nvPr>
             <p:ph idx="2" type="sldImg"/>
@@ -2361,7 +2366,7 @@
       </p:sp>
       <p:sp>
         <p:nvSpPr>
-          <p:cNvPr id="268" name="Google Shape;268;g9b59803da8_0_91:notes"/>
+          <p:cNvPr id="269" name="Google Shape;269;g9b59803da8_0_103:notes"/>
           <p:cNvSpPr txBox="1"/>
           <p:nvPr>
             <p:ph idx="1" type="body"/>
@@ -2411,7 +2416,7 @@
   <p:cSld>
     <p:spTree>
       <p:nvGrpSpPr>
-        <p:cNvPr id="275" name="Shape 275"/>
+        <p:cNvPr id="276" name="Shape 276"/>
         <p:cNvGrpSpPr/>
         <p:nvPr/>
       </p:nvGrpSpPr>
@@ -2425,7 +2430,7 @@
       </p:grpSpPr>
       <p:sp>
         <p:nvSpPr>
-          <p:cNvPr id="276" name="Google Shape;276;g9b59803da8_0_103:notes"/>
+          <p:cNvPr id="277" name="Google Shape;277;g9b59803da8_0_113:notes"/>
           <p:cNvSpPr/>
           <p:nvPr>
             <p:ph idx="2" type="sldImg"/>
@@ -2460,7 +2465,7 @@
       </p:sp>
       <p:sp>
         <p:nvSpPr>
-          <p:cNvPr id="277" name="Google Shape;277;g9b59803da8_0_103:notes"/>
+          <p:cNvPr id="278" name="Google Shape;278;g9b59803da8_0_113:notes"/>
           <p:cNvSpPr txBox="1"/>
           <p:nvPr>
             <p:ph idx="1" type="body"/>
@@ -2510,7 +2515,7 @@
   <p:cSld>
     <p:spTree>
       <p:nvGrpSpPr>
-        <p:cNvPr id="283" name="Shape 283"/>
+        <p:cNvPr id="285" name="Shape 285"/>
         <p:cNvGrpSpPr/>
         <p:nvPr/>
       </p:nvGrpSpPr>
@@ -2524,7 +2529,7 @@
       </p:grpSpPr>
       <p:sp>
         <p:nvSpPr>
-          <p:cNvPr id="284" name="Google Shape;284;g9b59803da8_0_113:notes"/>
+          <p:cNvPr id="286" name="Google Shape;286;g9df45e3ffb_0_0:notes"/>
           <p:cNvSpPr/>
           <p:nvPr>
             <p:ph idx="2" type="sldImg"/>
@@ -2559,7 +2564,7 @@
       </p:sp>
       <p:sp>
         <p:nvSpPr>
-          <p:cNvPr id="285" name="Google Shape;285;g9b59803da8_0_113:notes"/>
+          <p:cNvPr id="287" name="Google Shape;287;g9df45e3ffb_0_0:notes"/>
           <p:cNvSpPr txBox="1"/>
           <p:nvPr>
             <p:ph idx="1" type="body"/>
@@ -2609,7 +2614,7 @@
   <p:cSld>
     <p:spTree>
       <p:nvGrpSpPr>
-        <p:cNvPr id="291" name="Shape 291"/>
+        <p:cNvPr id="293" name="Shape 293"/>
         <p:cNvGrpSpPr/>
         <p:nvPr/>
       </p:nvGrpSpPr>
@@ -2623,7 +2628,7 @@
       </p:grpSpPr>
       <p:sp>
         <p:nvSpPr>
-          <p:cNvPr id="292" name="Google Shape;292;g9df45e3ffb_0_0:notes"/>
+          <p:cNvPr id="294" name="Google Shape;294;g9df45e3ffb_0_9:notes"/>
           <p:cNvSpPr/>
           <p:nvPr>
             <p:ph idx="2" type="sldImg"/>
@@ -2658,7 +2663,7 @@
       </p:sp>
       <p:sp>
         <p:nvSpPr>
-          <p:cNvPr id="293" name="Google Shape;293;g9df45e3ffb_0_0:notes"/>
+          <p:cNvPr id="295" name="Google Shape;295;g9df45e3ffb_0_9:notes"/>
           <p:cNvSpPr txBox="1"/>
           <p:nvPr>
             <p:ph idx="1" type="body"/>
@@ -2689,7 +2694,19 @@
               <a:buNone/>
             </a:pPr>
             <a:r>
-              <a:t/>
+              <a:rPr lang="fr"/>
+              <a:t>coef de spearman = </a:t>
+            </a:r>
+            <a:r>
+              <a:rPr lang="fr" sz="1050">
+                <a:solidFill>
+                  <a:schemeClr val="dk1"/>
+                </a:solidFill>
+                <a:highlight>
+                  <a:srgbClr val="FFFFFF"/>
+                </a:highlight>
+              </a:rPr>
+              <a:t>-0.04621180032301249</a:t>
             </a:r>
             <a:endParaRPr/>
           </a:p>
@@ -2708,7 +2725,7 @@
   <p:cSld>
     <p:spTree>
       <p:nvGrpSpPr>
-        <p:cNvPr id="299" name="Shape 299"/>
+        <p:cNvPr id="301" name="Shape 301"/>
         <p:cNvGrpSpPr/>
         <p:nvPr/>
       </p:nvGrpSpPr>
@@ -2722,7 +2739,7 @@
       </p:grpSpPr>
       <p:sp>
         <p:nvSpPr>
-          <p:cNvPr id="300" name="Google Shape;300;g9df45e3ffb_0_9:notes"/>
+          <p:cNvPr id="302" name="Google Shape;302;ga00a6e06cc_0_17:notes"/>
           <p:cNvSpPr/>
           <p:nvPr>
             <p:ph idx="2" type="sldImg"/>
@@ -2757,7 +2774,7 @@
       </p:sp>
       <p:sp>
         <p:nvSpPr>
-          <p:cNvPr id="301" name="Google Shape;301;g9df45e3ffb_0_9:notes"/>
+          <p:cNvPr id="303" name="Google Shape;303;ga00a6e06cc_0_17:notes"/>
           <p:cNvSpPr txBox="1"/>
           <p:nvPr>
             <p:ph idx="1" type="body"/>
@@ -2788,19 +2805,7 @@
               <a:buNone/>
             </a:pPr>
             <a:r>
-              <a:rPr lang="fr"/>
-              <a:t>coef de spearman = </a:t>
-            </a:r>
-            <a:r>
-              <a:rPr lang="fr" sz="1050">
-                <a:solidFill>
-                  <a:schemeClr val="dk1"/>
-                </a:solidFill>
-                <a:highlight>
-                  <a:srgbClr val="FFFFFF"/>
-                </a:highlight>
-              </a:rPr>
-              <a:t>-0.04621180032301249</a:t>
+              <a:t/>
             </a:r>
             <a:endParaRPr/>
           </a:p>
@@ -2819,7 +2824,7 @@
   <p:cSld>
     <p:spTree>
       <p:nvGrpSpPr>
-        <p:cNvPr id="307" name="Shape 307"/>
+        <p:cNvPr id="313" name="Shape 313"/>
         <p:cNvGrpSpPr/>
         <p:nvPr/>
       </p:nvGrpSpPr>
@@ -2833,7 +2838,7 @@
       </p:grpSpPr>
       <p:sp>
         <p:nvSpPr>
-          <p:cNvPr id="308" name="Google Shape;308;ga00a6e06cc_0_17:notes"/>
+          <p:cNvPr id="314" name="Google Shape;314;ga00a10babc_0_1:notes"/>
           <p:cNvSpPr/>
           <p:nvPr>
             <p:ph idx="2" type="sldImg"/>
@@ -2868,7 +2873,7 @@
       </p:sp>
       <p:sp>
         <p:nvSpPr>
-          <p:cNvPr id="309" name="Google Shape;309;ga00a6e06cc_0_17:notes"/>
+          <p:cNvPr id="315" name="Google Shape;315;ga00a10babc_0_1:notes"/>
           <p:cNvSpPr txBox="1"/>
           <p:nvPr>
             <p:ph idx="1" type="body"/>
@@ -2899,7 +2904,78 @@
               <a:buNone/>
             </a:pPr>
             <a:r>
-              <a:t/>
+              <a:rPr lang="fr" sz="1050">
+                <a:solidFill>
+                  <a:schemeClr val="dk1"/>
+                </a:solidFill>
+                <a:highlight>
+                  <a:srgbClr val="FFFFFF"/>
+                </a:highlight>
+              </a:rPr>
+              <a:t>coef de pearson:  -0.18094920787890612</a:t>
+            </a:r>
+            <a:endParaRPr sz="1050">
+              <a:solidFill>
+                <a:schemeClr val="dk1"/>
+              </a:solidFill>
+              <a:highlight>
+                <a:srgbClr val="FFFFFF"/>
+              </a:highlight>
+            </a:endParaRPr>
+          </a:p>
+          <a:p>
+            <a:pPr indent="0" lvl="0" marL="0" rtl="0" algn="l">
+              <a:spcBef>
+                <a:spcPts val="0"/>
+              </a:spcBef>
+              <a:spcAft>
+                <a:spcPts val="0"/>
+              </a:spcAft>
+              <a:buNone/>
+            </a:pPr>
+            <a:r>
+              <a:rPr lang="fr" sz="1050">
+                <a:solidFill>
+                  <a:schemeClr val="dk1"/>
+                </a:solidFill>
+                <a:highlight>
+                  <a:srgbClr val="FFFFFF"/>
+                </a:highlight>
+              </a:rPr>
+              <a:t>coef de spearman:  -0.18108505211992548</a:t>
+            </a:r>
+            <a:endParaRPr sz="1050">
+              <a:solidFill>
+                <a:schemeClr val="dk1"/>
+              </a:solidFill>
+              <a:highlight>
+                <a:srgbClr val="FFFFFF"/>
+              </a:highlight>
+            </a:endParaRPr>
+          </a:p>
+          <a:p>
+            <a:pPr indent="0" lvl="0" marL="0" rtl="0" algn="l">
+              <a:lnSpc>
+                <a:spcPct val="115000"/>
+              </a:lnSpc>
+              <a:spcBef>
+                <a:spcPts val="0"/>
+              </a:spcBef>
+              <a:spcAft>
+                <a:spcPts val="0"/>
+              </a:spcAft>
+              <a:buNone/>
+            </a:pPr>
+            <a:r>
+              <a:rPr lang="fr" sz="1050">
+                <a:solidFill>
+                  <a:schemeClr val="dk1"/>
+                </a:solidFill>
+                <a:highlight>
+                  <a:srgbClr val="FFFFFF"/>
+                </a:highlight>
+              </a:rPr>
+              <a:t>covariance:  -1323.1123909335893</a:t>
             </a:r>
             <a:endParaRPr/>
           </a:p>
@@ -2918,7 +2994,7 @@
   <p:cSld>
     <p:spTree>
       <p:nvGrpSpPr>
-        <p:cNvPr id="319" name="Shape 319"/>
+        <p:cNvPr id="322" name="Shape 322"/>
         <p:cNvGrpSpPr/>
         <p:nvPr/>
       </p:nvGrpSpPr>
@@ -2932,7 +3008,7 @@
       </p:grpSpPr>
       <p:sp>
         <p:nvSpPr>
-          <p:cNvPr id="320" name="Google Shape;320;ga00a10babc_0_1:notes"/>
+          <p:cNvPr id="323" name="Google Shape;323;ga00a10babc_0_16:notes"/>
           <p:cNvSpPr/>
           <p:nvPr>
             <p:ph idx="2" type="sldImg"/>
@@ -2967,7 +3043,7 @@
       </p:sp>
       <p:sp>
         <p:nvSpPr>
-          <p:cNvPr id="321" name="Google Shape;321;ga00a10babc_0_1:notes"/>
+          <p:cNvPr id="324" name="Google Shape;324;ga00a10babc_0_16:notes"/>
           <p:cNvSpPr txBox="1"/>
           <p:nvPr>
             <p:ph idx="1" type="body"/>
@@ -2989,66 +3065,6 @@
           <a:lstStyle/>
           <a:p>
             <a:pPr indent="0" lvl="0" marL="0" rtl="0" algn="l">
-              <a:spcBef>
-                <a:spcPts val="0"/>
-              </a:spcBef>
-              <a:spcAft>
-                <a:spcPts val="0"/>
-              </a:spcAft>
-              <a:buNone/>
-            </a:pPr>
-            <a:r>
-              <a:rPr lang="fr" sz="1050">
-                <a:solidFill>
-                  <a:schemeClr val="dk1"/>
-                </a:solidFill>
-                <a:highlight>
-                  <a:srgbClr val="FFFFFF"/>
-                </a:highlight>
-              </a:rPr>
-              <a:t>coef de pearson:  -0.18094920787890612</a:t>
-            </a:r>
-            <a:endParaRPr sz="1050">
-              <a:solidFill>
-                <a:schemeClr val="dk1"/>
-              </a:solidFill>
-              <a:highlight>
-                <a:srgbClr val="FFFFFF"/>
-              </a:highlight>
-            </a:endParaRPr>
-          </a:p>
-          <a:p>
-            <a:pPr indent="0" lvl="0" marL="0" rtl="0" algn="l">
-              <a:spcBef>
-                <a:spcPts val="0"/>
-              </a:spcBef>
-              <a:spcAft>
-                <a:spcPts val="0"/>
-              </a:spcAft>
-              <a:buNone/>
-            </a:pPr>
-            <a:r>
-              <a:rPr lang="fr" sz="1050">
-                <a:solidFill>
-                  <a:schemeClr val="dk1"/>
-                </a:solidFill>
-                <a:highlight>
-                  <a:srgbClr val="FFFFFF"/>
-                </a:highlight>
-              </a:rPr>
-              <a:t>coef de spearman:  -0.18108505211992548</a:t>
-            </a:r>
-            <a:endParaRPr sz="1050">
-              <a:solidFill>
-                <a:schemeClr val="dk1"/>
-              </a:solidFill>
-              <a:highlight>
-                <a:srgbClr val="FFFFFF"/>
-              </a:highlight>
-            </a:endParaRPr>
-          </a:p>
-          <a:p>
-            <a:pPr indent="0" lvl="0" marL="0" rtl="0" algn="l">
               <a:lnSpc>
                 <a:spcPct val="115000"/>
               </a:lnSpc>
@@ -3061,15 +3077,7 @@
               <a:buNone/>
             </a:pPr>
             <a:r>
-              <a:rPr lang="fr" sz="1050">
-                <a:solidFill>
-                  <a:schemeClr val="dk1"/>
-                </a:solidFill>
-                <a:highlight>
-                  <a:srgbClr val="FFFFFF"/>
-                </a:highlight>
-              </a:rPr>
-              <a:t>covariance:  -1323.1123909335893</a:t>
+              <a:t/>
             </a:r>
             <a:endParaRPr/>
           </a:p>
@@ -3212,7 +3220,7 @@
   <p:cSld>
     <p:spTree>
       <p:nvGrpSpPr>
-        <p:cNvPr id="328" name="Shape 328"/>
+        <p:cNvPr id="331" name="Shape 331"/>
         <p:cNvGrpSpPr/>
         <p:nvPr/>
       </p:nvGrpSpPr>
@@ -3226,7 +3234,7 @@
       </p:grpSpPr>
       <p:sp>
         <p:nvSpPr>
-          <p:cNvPr id="329" name="Google Shape;329;ga00a10babc_0_16:notes"/>
+          <p:cNvPr id="332" name="Google Shape;332;ga00a10babc_0_26:notes"/>
           <p:cNvSpPr/>
           <p:nvPr>
             <p:ph idx="2" type="sldImg"/>
@@ -3261,7 +3269,7 @@
       </p:sp>
       <p:sp>
         <p:nvSpPr>
-          <p:cNvPr id="330" name="Google Shape;330;ga00a10babc_0_16:notes"/>
+          <p:cNvPr id="333" name="Google Shape;333;ga00a10babc_0_26:notes"/>
           <p:cNvSpPr txBox="1"/>
           <p:nvPr>
             <p:ph idx="1" type="body"/>
@@ -3314,7 +3322,7 @@
   <p:cSld>
     <p:spTree>
       <p:nvGrpSpPr>
-        <p:cNvPr id="337" name="Shape 337"/>
+        <p:cNvPr id="340" name="Shape 340"/>
         <p:cNvGrpSpPr/>
         <p:nvPr/>
       </p:nvGrpSpPr>
@@ -3328,7 +3336,7 @@
       </p:grpSpPr>
       <p:sp>
         <p:nvSpPr>
-          <p:cNvPr id="338" name="Google Shape;338;ga00a10babc_0_26:notes"/>
+          <p:cNvPr id="341" name="Google Shape;341;ga00a10babc_0_36:notes"/>
           <p:cNvSpPr/>
           <p:nvPr>
             <p:ph idx="2" type="sldImg"/>
@@ -3363,7 +3371,7 @@
       </p:sp>
       <p:sp>
         <p:nvSpPr>
-          <p:cNvPr id="339" name="Google Shape;339;ga00a10babc_0_26:notes"/>
+          <p:cNvPr id="342" name="Google Shape;342;ga00a10babc_0_36:notes"/>
           <p:cNvSpPr txBox="1"/>
           <p:nvPr>
             <p:ph idx="1" type="body"/>
@@ -3416,7 +3424,7 @@
   <p:cSld>
     <p:spTree>
       <p:nvGrpSpPr>
-        <p:cNvPr id="346" name="Shape 346"/>
+        <p:cNvPr id="349" name="Shape 349"/>
         <p:cNvGrpSpPr/>
         <p:nvPr/>
       </p:nvGrpSpPr>
@@ -3430,7 +3438,7 @@
       </p:grpSpPr>
       <p:sp>
         <p:nvSpPr>
-          <p:cNvPr id="347" name="Google Shape;347;ga00a10babc_0_36:notes"/>
+          <p:cNvPr id="350" name="Google Shape;350;ga00a10babc_0_46:notes"/>
           <p:cNvSpPr/>
           <p:nvPr>
             <p:ph idx="2" type="sldImg"/>
@@ -3465,7 +3473,7 @@
       </p:sp>
       <p:sp>
         <p:nvSpPr>
-          <p:cNvPr id="348" name="Google Shape;348;ga00a10babc_0_36:notes"/>
+          <p:cNvPr id="351" name="Google Shape;351;ga00a10babc_0_46:notes"/>
           <p:cNvSpPr txBox="1"/>
           <p:nvPr>
             <p:ph idx="1" type="body"/>
@@ -3518,7 +3526,7 @@
   <p:cSld>
     <p:spTree>
       <p:nvGrpSpPr>
-        <p:cNvPr id="355" name="Shape 355"/>
+        <p:cNvPr id="358" name="Shape 358"/>
         <p:cNvGrpSpPr/>
         <p:nvPr/>
       </p:nvGrpSpPr>
@@ -3532,7 +3540,7 @@
       </p:grpSpPr>
       <p:sp>
         <p:nvSpPr>
-          <p:cNvPr id="356" name="Google Shape;356;ga00a10babc_0_46:notes"/>
+          <p:cNvPr id="359" name="Google Shape;359;ga00a10babc_0_64:notes"/>
           <p:cNvSpPr/>
           <p:nvPr>
             <p:ph idx="2" type="sldImg"/>
@@ -3567,7 +3575,7 @@
       </p:sp>
       <p:sp>
         <p:nvSpPr>
-          <p:cNvPr id="357" name="Google Shape;357;ga00a10babc_0_46:notes"/>
+          <p:cNvPr id="360" name="Google Shape;360;ga00a10babc_0_64:notes"/>
           <p:cNvSpPr txBox="1"/>
           <p:nvPr>
             <p:ph idx="1" type="body"/>
@@ -3620,7 +3628,7 @@
   <p:cSld>
     <p:spTree>
       <p:nvGrpSpPr>
-        <p:cNvPr id="364" name="Shape 364"/>
+        <p:cNvPr id="367" name="Shape 367"/>
         <p:cNvGrpSpPr/>
         <p:nvPr/>
       </p:nvGrpSpPr>
@@ -3634,7 +3642,7 @@
       </p:grpSpPr>
       <p:sp>
         <p:nvSpPr>
-          <p:cNvPr id="365" name="Google Shape;365;ga00a10babc_0_64:notes"/>
+          <p:cNvPr id="368" name="Google Shape;368;ga00a10babc_0_74:notes"/>
           <p:cNvSpPr/>
           <p:nvPr>
             <p:ph idx="2" type="sldImg"/>
@@ -3669,7 +3677,7 @@
       </p:sp>
       <p:sp>
         <p:nvSpPr>
-          <p:cNvPr id="366" name="Google Shape;366;ga00a10babc_0_64:notes"/>
+          <p:cNvPr id="369" name="Google Shape;369;ga00a10babc_0_74:notes"/>
           <p:cNvSpPr txBox="1"/>
           <p:nvPr>
             <p:ph idx="1" type="body"/>
@@ -3703,7 +3711,15 @@
               <a:buNone/>
             </a:pPr>
             <a:r>
-              <a:t/>
+              <a:rPr lang="fr" sz="1050">
+                <a:solidFill>
+                  <a:schemeClr val="dk1"/>
+                </a:solidFill>
+                <a:highlight>
+                  <a:srgbClr val="FFFFFF"/>
+                </a:highlight>
+              </a:rPr>
+              <a:t>eta squared = 0.26</a:t>
             </a:r>
             <a:endParaRPr/>
           </a:p>
@@ -3722,7 +3738,7 @@
   <p:cSld>
     <p:spTree>
       <p:nvGrpSpPr>
-        <p:cNvPr id="373" name="Shape 373"/>
+        <p:cNvPr id="378" name="Shape 378"/>
         <p:cNvGrpSpPr/>
         <p:nvPr/>
       </p:nvGrpSpPr>
@@ -3736,7 +3752,7 @@
       </p:grpSpPr>
       <p:sp>
         <p:nvSpPr>
-          <p:cNvPr id="374" name="Google Shape;374;ga00a10babc_0_74:notes"/>
+          <p:cNvPr id="379" name="Google Shape;379;ga2a526235c_0_5:notes"/>
           <p:cNvSpPr/>
           <p:nvPr>
             <p:ph idx="2" type="sldImg"/>
@@ -3771,7 +3787,7 @@
       </p:sp>
       <p:sp>
         <p:nvSpPr>
-          <p:cNvPr id="375" name="Google Shape;375;ga00a10babc_0_74:notes"/>
+          <p:cNvPr id="380" name="Google Shape;380;ga2a526235c_0_5:notes"/>
           <p:cNvSpPr txBox="1"/>
           <p:nvPr>
             <p:ph idx="1" type="body"/>
@@ -11074,8 +11090,8 @@
         </p:nvSpPr>
         <p:spPr>
           <a:xfrm>
-            <a:off x="5261575" y="2740975"/>
-            <a:ext cx="2804100" cy="420600"/>
+            <a:off x="5763200" y="2516200"/>
+            <a:ext cx="2900100" cy="819000"/>
           </a:xfrm>
           <a:prstGeom prst="rect">
             <a:avLst/>
@@ -11101,14 +11117,51 @@
               <a:buNone/>
             </a:pPr>
             <a:r>
+              <a:rPr b="1" lang="fr" u="sng">
+                <a:latin typeface="Georgia"/>
+                <a:ea typeface="Georgia"/>
+                <a:cs typeface="Georgia"/>
+                <a:sym typeface="Georgia"/>
+              </a:rPr>
+              <a:t>Distribution</a:t>
+            </a:r>
+            <a:r>
+              <a:rPr b="1" lang="fr" u="sng">
+                <a:latin typeface="Georgia"/>
+                <a:ea typeface="Georgia"/>
+                <a:cs typeface="Georgia"/>
+                <a:sym typeface="Georgia"/>
+              </a:rPr>
+              <a:t> d’achat</a:t>
+            </a:r>
+            <a:r>
               <a:rPr b="1" lang="fr">
                 <a:latin typeface="Georgia"/>
                 <a:ea typeface="Georgia"/>
                 <a:cs typeface="Georgia"/>
                 <a:sym typeface="Georgia"/>
               </a:rPr>
-              <a:t>Distribution </a:t>
-            </a:r>
+              <a:t> :</a:t>
+            </a:r>
+            <a:endParaRPr b="1">
+              <a:latin typeface="Georgia"/>
+              <a:ea typeface="Georgia"/>
+              <a:cs typeface="Georgia"/>
+              <a:sym typeface="Georgia"/>
+            </a:endParaRPr>
+          </a:p>
+          <a:p>
+            <a:pPr indent="-317500" lvl="0" marL="457200" rtl="0" algn="l">
+              <a:spcBef>
+                <a:spcPts val="0"/>
+              </a:spcBef>
+              <a:spcAft>
+                <a:spcPts val="0"/>
+              </a:spcAft>
+              <a:buSzPts val="1400"/>
+              <a:buFont typeface="Georgia"/>
+              <a:buChar char="●"/>
+            </a:pPr>
             <a:r>
               <a:rPr b="1" lang="fr">
                 <a:latin typeface="Georgia"/>
@@ -11116,8 +11169,27 @@
                 <a:cs typeface="Georgia"/>
                 <a:sym typeface="Georgia"/>
               </a:rPr>
-              <a:t>Âges</a:t>
-            </a:r>
+              <a:t>Fréquente</a:t>
+            </a:r>
+            <a:endParaRPr b="1">
+              <a:latin typeface="Georgia"/>
+              <a:ea typeface="Georgia"/>
+              <a:cs typeface="Georgia"/>
+              <a:sym typeface="Georgia"/>
+            </a:endParaRPr>
+          </a:p>
+          <a:p>
+            <a:pPr indent="-317500" lvl="0" marL="457200" rtl="0" algn="l">
+              <a:spcBef>
+                <a:spcPts val="0"/>
+              </a:spcBef>
+              <a:spcAft>
+                <a:spcPts val="0"/>
+              </a:spcAft>
+              <a:buSzPts val="1400"/>
+              <a:buFont typeface="Georgia"/>
+              <a:buChar char="●"/>
+            </a:pPr>
             <a:r>
               <a:rPr b="1" lang="fr">
                 <a:latin typeface="Georgia"/>
@@ -11125,7 +11197,7 @@
                 <a:cs typeface="Georgia"/>
                 <a:sym typeface="Georgia"/>
               </a:rPr>
-              <a:t> similaires</a:t>
+              <a:t>Similaire</a:t>
             </a:r>
             <a:endParaRPr b="1">
               <a:latin typeface="Georgia"/>
@@ -11152,8 +11224,8 @@
         </p:blipFill>
         <p:spPr>
           <a:xfrm>
-            <a:off x="226200" y="1337038"/>
-            <a:ext cx="4956776" cy="3076070"/>
+            <a:off x="240950" y="1280425"/>
+            <a:ext cx="5229800" cy="3242307"/>
           </a:xfrm>
           <a:prstGeom prst="rect">
             <a:avLst/>
@@ -11787,8 +11859,8 @@
         </p:nvSpPr>
         <p:spPr>
           <a:xfrm>
-            <a:off x="5763200" y="2516200"/>
-            <a:ext cx="2900100" cy="819000"/>
+            <a:off x="4695600" y="2627875"/>
+            <a:ext cx="2863200" cy="494400"/>
           </a:xfrm>
           <a:prstGeom prst="rect">
             <a:avLst/>
@@ -11814,87 +11886,13 @@
               <a:buNone/>
             </a:pPr>
             <a:r>
-              <a:rPr b="1" lang="fr" u="sng">
-                <a:latin typeface="Georgia"/>
-                <a:ea typeface="Georgia"/>
-                <a:cs typeface="Georgia"/>
-                <a:sym typeface="Georgia"/>
-              </a:rPr>
-              <a:t>Distribution</a:t>
-            </a:r>
-            <a:r>
-              <a:rPr b="1" lang="fr" u="sng">
-                <a:latin typeface="Georgia"/>
-                <a:ea typeface="Georgia"/>
-                <a:cs typeface="Georgia"/>
-                <a:sym typeface="Georgia"/>
-              </a:rPr>
-              <a:t> d’achat</a:t>
-            </a:r>
-            <a:r>
               <a:rPr b="1" lang="fr">
                 <a:latin typeface="Georgia"/>
                 <a:ea typeface="Georgia"/>
                 <a:cs typeface="Georgia"/>
                 <a:sym typeface="Georgia"/>
               </a:rPr>
-              <a:t> :</a:t>
-            </a:r>
-            <a:endParaRPr b="1">
-              <a:latin typeface="Georgia"/>
-              <a:ea typeface="Georgia"/>
-              <a:cs typeface="Georgia"/>
-              <a:sym typeface="Georgia"/>
-            </a:endParaRPr>
-          </a:p>
-          <a:p>
-            <a:pPr indent="-317500" lvl="0" marL="457200" rtl="0" algn="l">
-              <a:spcBef>
-                <a:spcPts val="0"/>
-              </a:spcBef>
-              <a:spcAft>
-                <a:spcPts val="0"/>
-              </a:spcAft>
-              <a:buSzPts val="1400"/>
-              <a:buFont typeface="Georgia"/>
-              <a:buChar char="●"/>
-            </a:pPr>
-            <a:r>
-              <a:rPr b="1" lang="fr">
-                <a:latin typeface="Georgia"/>
-                <a:ea typeface="Georgia"/>
-                <a:cs typeface="Georgia"/>
-                <a:sym typeface="Georgia"/>
-              </a:rPr>
-              <a:t>Fréquente</a:t>
-            </a:r>
-            <a:endParaRPr b="1">
-              <a:latin typeface="Georgia"/>
-              <a:ea typeface="Georgia"/>
-              <a:cs typeface="Georgia"/>
-              <a:sym typeface="Georgia"/>
-            </a:endParaRPr>
-          </a:p>
-          <a:p>
-            <a:pPr indent="-317500" lvl="0" marL="457200" rtl="0" algn="l">
-              <a:spcBef>
-                <a:spcPts val="0"/>
-              </a:spcBef>
-              <a:spcAft>
-                <a:spcPts val="0"/>
-              </a:spcAft>
-              <a:buSzPts val="1400"/>
-              <a:buFont typeface="Georgia"/>
-              <a:buChar char="●"/>
-            </a:pPr>
-            <a:r>
-              <a:rPr b="1" lang="fr">
-                <a:latin typeface="Georgia"/>
-                <a:ea typeface="Georgia"/>
-                <a:cs typeface="Georgia"/>
-                <a:sym typeface="Georgia"/>
-              </a:rPr>
-              <a:t>Similaire</a:t>
+              <a:t>Montant du panier similaire entre homme et femme</a:t>
             </a:r>
             <a:endParaRPr b="1">
               <a:latin typeface="Georgia"/>
@@ -11921,8 +11919,8 @@
         </p:blipFill>
         <p:spPr>
           <a:xfrm>
-            <a:off x="240950" y="1280425"/>
-            <a:ext cx="5229800" cy="3242307"/>
+            <a:off x="263075" y="1236863"/>
+            <a:ext cx="4086000" cy="3276437"/>
           </a:xfrm>
           <a:prstGeom prst="rect">
             <a:avLst/>
@@ -12420,7 +12418,7 @@
                 <a:cs typeface="Georgia"/>
                 <a:sym typeface="Georgia"/>
               </a:rPr>
-              <a:t>Analyse Descriptive : Clients</a:t>
+              <a:t>Analyse Descriptive : Client Type</a:t>
             </a:r>
             <a:endParaRPr sz="2800">
               <a:solidFill>
@@ -12470,8 +12468,8 @@
         </p:nvSpPr>
         <p:spPr>
           <a:xfrm>
-            <a:off x="4695600" y="2627875"/>
-            <a:ext cx="2863200" cy="494400"/>
+            <a:off x="417375" y="1824975"/>
+            <a:ext cx="1143900" cy="317400"/>
           </a:xfrm>
           <a:prstGeom prst="rect">
             <a:avLst/>
@@ -12497,13 +12495,463 @@
               <a:buNone/>
             </a:pPr>
             <a:r>
+              <a:rPr b="1" lang="fr" u="sng">
+                <a:latin typeface="Georgia"/>
+                <a:ea typeface="Georgia"/>
+                <a:cs typeface="Georgia"/>
+                <a:sym typeface="Georgia"/>
+              </a:rPr>
+              <a:t>Sexe</a:t>
+            </a:r>
+            <a:r>
               <a:rPr b="1" lang="fr">
                 <a:latin typeface="Georgia"/>
                 <a:ea typeface="Georgia"/>
                 <a:cs typeface="Georgia"/>
                 <a:sym typeface="Georgia"/>
               </a:rPr>
-              <a:t>Montant du panier similaire entre homme et femme</a:t>
+              <a:t> : </a:t>
+            </a:r>
+            <a:r>
+              <a:rPr b="1" lang="fr">
+                <a:solidFill>
+                  <a:srgbClr val="FF0000"/>
+                </a:solidFill>
+                <a:latin typeface="Georgia"/>
+                <a:ea typeface="Georgia"/>
+                <a:cs typeface="Georgia"/>
+                <a:sym typeface="Georgia"/>
+              </a:rPr>
+              <a:t>H/F</a:t>
+            </a:r>
+            <a:endParaRPr b="1">
+              <a:solidFill>
+                <a:srgbClr val="FF0000"/>
+              </a:solidFill>
+              <a:latin typeface="Georgia"/>
+              <a:ea typeface="Georgia"/>
+              <a:cs typeface="Georgia"/>
+              <a:sym typeface="Georgia"/>
+            </a:endParaRPr>
+          </a:p>
+        </p:txBody>
+      </p:sp>
+      <p:sp>
+        <p:nvSpPr>
+          <p:cNvPr id="244" name="Google Shape;244;p32"/>
+          <p:cNvSpPr txBox="1"/>
+          <p:nvPr/>
+        </p:nvSpPr>
+        <p:spPr>
+          <a:xfrm>
+            <a:off x="417375" y="2261675"/>
+            <a:ext cx="1712100" cy="317400"/>
+          </a:xfrm>
+          <a:prstGeom prst="rect">
+            <a:avLst/>
+          </a:prstGeom>
+          <a:noFill/>
+          <a:ln>
+            <a:noFill/>
+          </a:ln>
+        </p:spPr>
+        <p:txBody>
+          <a:bodyPr anchorCtr="0" anchor="t" bIns="91425" lIns="91425" spcFirstLastPara="1" rIns="91425" wrap="square" tIns="91425">
+            <a:noAutofit/>
+          </a:bodyPr>
+          <a:lstStyle/>
+          <a:p>
+            <a:pPr indent="0" lvl="0" marL="0" rtl="0" algn="l">
+              <a:spcBef>
+                <a:spcPts val="0"/>
+              </a:spcBef>
+              <a:spcAft>
+                <a:spcPts val="0"/>
+              </a:spcAft>
+              <a:buNone/>
+            </a:pPr>
+            <a:r>
+              <a:rPr b="1" lang="fr" u="sng">
+                <a:latin typeface="Georgia"/>
+                <a:ea typeface="Georgia"/>
+                <a:cs typeface="Georgia"/>
+                <a:sym typeface="Georgia"/>
+              </a:rPr>
+              <a:t>Âge</a:t>
+            </a:r>
+            <a:r>
+              <a:rPr b="1" lang="fr">
+                <a:latin typeface="Georgia"/>
+                <a:ea typeface="Georgia"/>
+                <a:cs typeface="Georgia"/>
+                <a:sym typeface="Georgia"/>
+              </a:rPr>
+              <a:t> : </a:t>
+            </a:r>
+            <a:r>
+              <a:rPr b="1" lang="fr">
+                <a:solidFill>
+                  <a:srgbClr val="FF0000"/>
+                </a:solidFill>
+                <a:latin typeface="Georgia"/>
+                <a:ea typeface="Georgia"/>
+                <a:cs typeface="Georgia"/>
+                <a:sym typeface="Georgia"/>
+              </a:rPr>
+              <a:t>28 - 54 ans</a:t>
+            </a:r>
+            <a:endParaRPr b="1">
+              <a:solidFill>
+                <a:srgbClr val="FF0000"/>
+              </a:solidFill>
+              <a:latin typeface="Georgia"/>
+              <a:ea typeface="Georgia"/>
+              <a:cs typeface="Georgia"/>
+              <a:sym typeface="Georgia"/>
+            </a:endParaRPr>
+          </a:p>
+        </p:txBody>
+      </p:sp>
+      <p:sp>
+        <p:nvSpPr>
+          <p:cNvPr id="245" name="Google Shape;245;p32"/>
+          <p:cNvSpPr txBox="1"/>
+          <p:nvPr/>
+        </p:nvSpPr>
+        <p:spPr>
+          <a:xfrm>
+            <a:off x="417375" y="2698375"/>
+            <a:ext cx="2863200" cy="398400"/>
+          </a:xfrm>
+          <a:prstGeom prst="rect">
+            <a:avLst/>
+          </a:prstGeom>
+          <a:noFill/>
+          <a:ln>
+            <a:noFill/>
+          </a:ln>
+        </p:spPr>
+        <p:txBody>
+          <a:bodyPr anchorCtr="0" anchor="t" bIns="91425" lIns="91425" spcFirstLastPara="1" rIns="91425" wrap="square" tIns="91425">
+            <a:noAutofit/>
+          </a:bodyPr>
+          <a:lstStyle/>
+          <a:p>
+            <a:pPr indent="0" lvl="0" marL="0" rtl="0" algn="l">
+              <a:spcBef>
+                <a:spcPts val="0"/>
+              </a:spcBef>
+              <a:spcAft>
+                <a:spcPts val="0"/>
+              </a:spcAft>
+              <a:buNone/>
+            </a:pPr>
+            <a:r>
+              <a:rPr b="1" lang="fr" u="sng">
+                <a:latin typeface="Georgia"/>
+                <a:ea typeface="Georgia"/>
+                <a:cs typeface="Georgia"/>
+                <a:sym typeface="Georgia"/>
+              </a:rPr>
+              <a:t>CA annuel</a:t>
+            </a:r>
+            <a:r>
+              <a:rPr b="1" lang="fr">
+                <a:latin typeface="Georgia"/>
+                <a:ea typeface="Georgia"/>
+                <a:cs typeface="Georgia"/>
+                <a:sym typeface="Georgia"/>
+              </a:rPr>
+              <a:t> : </a:t>
+            </a:r>
+            <a:r>
+              <a:rPr b="1" lang="fr">
+                <a:solidFill>
+                  <a:srgbClr val="FF0000"/>
+                </a:solidFill>
+                <a:latin typeface="Georgia"/>
+                <a:ea typeface="Georgia"/>
+                <a:cs typeface="Georgia"/>
+                <a:sym typeface="Georgia"/>
+              </a:rPr>
+              <a:t>260.94 - 822.36</a:t>
+            </a:r>
+            <a:endParaRPr b="1">
+              <a:solidFill>
+                <a:srgbClr val="FF0000"/>
+              </a:solidFill>
+              <a:latin typeface="Georgia"/>
+              <a:ea typeface="Georgia"/>
+              <a:cs typeface="Georgia"/>
+              <a:sym typeface="Georgia"/>
+            </a:endParaRPr>
+          </a:p>
+        </p:txBody>
+      </p:sp>
+      <p:sp>
+        <p:nvSpPr>
+          <p:cNvPr id="246" name="Google Shape;246;p32"/>
+          <p:cNvSpPr txBox="1"/>
+          <p:nvPr/>
+        </p:nvSpPr>
+        <p:spPr>
+          <a:xfrm>
+            <a:off x="417375" y="3195313"/>
+            <a:ext cx="4206300" cy="383700"/>
+          </a:xfrm>
+          <a:prstGeom prst="rect">
+            <a:avLst/>
+          </a:prstGeom>
+          <a:noFill/>
+          <a:ln>
+            <a:noFill/>
+          </a:ln>
+        </p:spPr>
+        <p:txBody>
+          <a:bodyPr anchorCtr="0" anchor="t" bIns="91425" lIns="91425" spcFirstLastPara="1" rIns="91425" wrap="square" tIns="91425">
+            <a:noAutofit/>
+          </a:bodyPr>
+          <a:lstStyle/>
+          <a:p>
+            <a:pPr indent="0" lvl="0" marL="0" rtl="0" algn="l">
+              <a:spcBef>
+                <a:spcPts val="0"/>
+              </a:spcBef>
+              <a:spcAft>
+                <a:spcPts val="0"/>
+              </a:spcAft>
+              <a:buNone/>
+            </a:pPr>
+            <a:r>
+              <a:rPr b="1" lang="fr" u="sng">
+                <a:latin typeface="Georgia"/>
+                <a:ea typeface="Georgia"/>
+                <a:cs typeface="Georgia"/>
+                <a:sym typeface="Georgia"/>
+              </a:rPr>
+              <a:t>Fréquence</a:t>
+            </a:r>
+            <a:r>
+              <a:rPr b="1" lang="fr" u="sng">
+                <a:latin typeface="Georgia"/>
+                <a:ea typeface="Georgia"/>
+                <a:cs typeface="Georgia"/>
+                <a:sym typeface="Georgia"/>
+              </a:rPr>
+              <a:t> d’achat</a:t>
+            </a:r>
+            <a:r>
+              <a:rPr b="1" lang="fr">
+                <a:latin typeface="Georgia"/>
+                <a:ea typeface="Georgia"/>
+                <a:cs typeface="Georgia"/>
+                <a:sym typeface="Georgia"/>
+              </a:rPr>
+              <a:t> : </a:t>
+            </a:r>
+            <a:r>
+              <a:rPr b="1" lang="fr">
+                <a:solidFill>
+                  <a:srgbClr val="FF0000"/>
+                </a:solidFill>
+                <a:latin typeface="Georgia"/>
+                <a:ea typeface="Georgia"/>
+                <a:cs typeface="Georgia"/>
+                <a:sym typeface="Georgia"/>
+              </a:rPr>
+              <a:t>13 - 44 produits par an</a:t>
+            </a:r>
+            <a:endParaRPr b="1">
+              <a:solidFill>
+                <a:srgbClr val="FF0000"/>
+              </a:solidFill>
+              <a:latin typeface="Georgia"/>
+              <a:ea typeface="Georgia"/>
+              <a:cs typeface="Georgia"/>
+              <a:sym typeface="Georgia"/>
+            </a:endParaRPr>
+          </a:p>
+        </p:txBody>
+      </p:sp>
+      <p:sp>
+        <p:nvSpPr>
+          <p:cNvPr id="247" name="Google Shape;247;p32"/>
+          <p:cNvSpPr txBox="1"/>
+          <p:nvPr/>
+        </p:nvSpPr>
+        <p:spPr>
+          <a:xfrm>
+            <a:off x="417375" y="3677575"/>
+            <a:ext cx="2981400" cy="398400"/>
+          </a:xfrm>
+          <a:prstGeom prst="rect">
+            <a:avLst/>
+          </a:prstGeom>
+          <a:noFill/>
+          <a:ln>
+            <a:noFill/>
+          </a:ln>
+        </p:spPr>
+        <p:txBody>
+          <a:bodyPr anchorCtr="0" anchor="t" bIns="91425" lIns="91425" spcFirstLastPara="1" rIns="91425" wrap="square" tIns="91425">
+            <a:noAutofit/>
+          </a:bodyPr>
+          <a:lstStyle/>
+          <a:p>
+            <a:pPr indent="0" lvl="0" marL="0" rtl="0" algn="l">
+              <a:spcBef>
+                <a:spcPts val="0"/>
+              </a:spcBef>
+              <a:spcAft>
+                <a:spcPts val="0"/>
+              </a:spcAft>
+              <a:buNone/>
+            </a:pPr>
+            <a:r>
+              <a:rPr b="1" lang="fr">
+                <a:latin typeface="Georgia"/>
+                <a:ea typeface="Georgia"/>
+                <a:cs typeface="Georgia"/>
+                <a:sym typeface="Georgia"/>
+              </a:rPr>
+              <a:t>P</a:t>
+            </a:r>
+            <a:r>
+              <a:rPr b="1" lang="fr" u="sng">
+                <a:latin typeface="Georgia"/>
+                <a:ea typeface="Georgia"/>
+                <a:cs typeface="Georgia"/>
+                <a:sym typeface="Georgia"/>
+              </a:rPr>
+              <a:t>anier moyen</a:t>
+            </a:r>
+            <a:r>
+              <a:rPr b="1" lang="fr">
+                <a:latin typeface="Georgia"/>
+                <a:ea typeface="Georgia"/>
+                <a:cs typeface="Georgia"/>
+                <a:sym typeface="Georgia"/>
+              </a:rPr>
+              <a:t> : </a:t>
+            </a:r>
+            <a:r>
+              <a:rPr b="1" lang="fr">
+                <a:solidFill>
+                  <a:srgbClr val="FF0000"/>
+                </a:solidFill>
+                <a:latin typeface="Georgia"/>
+                <a:ea typeface="Georgia"/>
+                <a:cs typeface="Georgia"/>
+                <a:sym typeface="Georgia"/>
+              </a:rPr>
+              <a:t>15.81 - 43.27</a:t>
+            </a:r>
+            <a:endParaRPr b="1">
+              <a:solidFill>
+                <a:srgbClr val="FF0000"/>
+              </a:solidFill>
+              <a:latin typeface="Georgia"/>
+              <a:ea typeface="Georgia"/>
+              <a:cs typeface="Georgia"/>
+              <a:sym typeface="Georgia"/>
+            </a:endParaRPr>
+          </a:p>
+        </p:txBody>
+      </p:sp>
+      <p:sp>
+        <p:nvSpPr>
+          <p:cNvPr id="248" name="Google Shape;248;p32"/>
+          <p:cNvSpPr/>
+          <p:nvPr/>
+        </p:nvSpPr>
+        <p:spPr>
+          <a:xfrm>
+            <a:off x="4361275" y="2705725"/>
+            <a:ext cx="1273800" cy="383700"/>
+          </a:xfrm>
+          <a:prstGeom prst="rightArrow">
+            <a:avLst>
+              <a:gd fmla="val 50000" name="adj1"/>
+              <a:gd fmla="val 50000" name="adj2"/>
+            </a:avLst>
+          </a:prstGeom>
+          <a:solidFill>
+            <a:srgbClr val="674EA7"/>
+          </a:solidFill>
+          <a:ln cap="flat" cmpd="sng" w="9525">
+            <a:solidFill>
+              <a:schemeClr val="dk2"/>
+            </a:solidFill>
+            <a:prstDash val="solid"/>
+            <a:round/>
+            <a:headEnd len="sm" w="sm" type="none"/>
+            <a:tailEnd len="sm" w="sm" type="none"/>
+          </a:ln>
+        </p:spPr>
+        <p:txBody>
+          <a:bodyPr anchorCtr="0" anchor="ctr" bIns="91425" lIns="91425" spcFirstLastPara="1" rIns="91425" wrap="square" tIns="91425">
+            <a:noAutofit/>
+          </a:bodyPr>
+          <a:lstStyle/>
+          <a:p>
+            <a:pPr indent="0" lvl="0" marL="0" rtl="0" algn="l">
+              <a:spcBef>
+                <a:spcPts val="0"/>
+              </a:spcBef>
+              <a:spcAft>
+                <a:spcPts val="0"/>
+              </a:spcAft>
+              <a:buNone/>
+            </a:pPr>
+            <a:r>
+              <a:t/>
+            </a:r>
+            <a:endParaRPr/>
+          </a:p>
+        </p:txBody>
+      </p:sp>
+      <p:sp>
+        <p:nvSpPr>
+          <p:cNvPr id="249" name="Google Shape;249;p32"/>
+          <p:cNvSpPr txBox="1"/>
+          <p:nvPr/>
+        </p:nvSpPr>
+        <p:spPr>
+          <a:xfrm>
+            <a:off x="5947850" y="2705725"/>
+            <a:ext cx="3033000" cy="383700"/>
+          </a:xfrm>
+          <a:prstGeom prst="rect">
+            <a:avLst/>
+          </a:prstGeom>
+          <a:noFill/>
+          <a:ln>
+            <a:noFill/>
+          </a:ln>
+        </p:spPr>
+        <p:txBody>
+          <a:bodyPr anchorCtr="0" anchor="t" bIns="91425" lIns="91425" spcFirstLastPara="1" rIns="91425" wrap="square" tIns="91425">
+            <a:noAutofit/>
+          </a:bodyPr>
+          <a:lstStyle/>
+          <a:p>
+            <a:pPr indent="0" lvl="0" marL="0" rtl="0" algn="l">
+              <a:spcBef>
+                <a:spcPts val="0"/>
+              </a:spcBef>
+              <a:spcAft>
+                <a:spcPts val="0"/>
+              </a:spcAft>
+              <a:buNone/>
+            </a:pPr>
+            <a:r>
+              <a:rPr b="1" lang="fr">
+                <a:latin typeface="Georgia"/>
+                <a:ea typeface="Georgia"/>
+                <a:cs typeface="Georgia"/>
+                <a:sym typeface="Georgia"/>
+              </a:rPr>
+              <a:t>Indices selon sexe &amp; categories</a:t>
             </a:r>
             <a:endParaRPr b="1">
               <a:latin typeface="Georgia"/>
@@ -12514,34 +12962,6 @@
           </a:p>
         </p:txBody>
       </p:sp>
-      <p:pic>
-        <p:nvPicPr>
-          <p:cNvPr id="244" name="Google Shape;244;p32"/>
-          <p:cNvPicPr preferRelativeResize="0"/>
-          <p:nvPr/>
-        </p:nvPicPr>
-        <p:blipFill>
-          <a:blip r:embed="rId4">
-            <a:alphaModFix/>
-          </a:blip>
-          <a:stretch>
-            <a:fillRect/>
-          </a:stretch>
-        </p:blipFill>
-        <p:spPr>
-          <a:xfrm>
-            <a:off x="263075" y="1236863"/>
-            <a:ext cx="4086000" cy="3276437"/>
-          </a:xfrm>
-          <a:prstGeom prst="rect">
-            <a:avLst/>
-          </a:prstGeom>
-          <a:noFill/>
-          <a:ln>
-            <a:noFill/>
-          </a:ln>
-        </p:spPr>
-      </p:pic>
     </p:spTree>
   </p:cSld>
   <p:clrMapOvr>
@@ -12555,7 +12975,7 @@
   <p:cSld>
     <p:spTree>
       <p:nvGrpSpPr>
-        <p:cNvPr id="248" name="Shape 248"/>
+        <p:cNvPr id="253" name="Shape 253"/>
         <p:cNvGrpSpPr/>
         <p:nvPr/>
       </p:nvGrpSpPr>
@@ -12569,7 +12989,7 @@
       </p:grpSpPr>
       <p:sp>
         <p:nvSpPr>
-          <p:cNvPr id="249" name="Google Shape;249;p33"/>
+          <p:cNvPr id="254" name="Google Shape;254;p33"/>
           <p:cNvSpPr txBox="1"/>
           <p:nvPr/>
         </p:nvSpPr>
@@ -12611,7 +13031,7 @@
                 <a:cs typeface="Georgia"/>
                 <a:sym typeface="Georgia"/>
               </a:rPr>
-              <a:t>Analyse Descriptive : Client Type</a:t>
+              <a:t>Analyse Descriptive : Produits</a:t>
             </a:r>
             <a:endParaRPr sz="2800">
               <a:solidFill>
@@ -12627,7 +13047,7 @@
       </p:sp>
       <p:pic>
         <p:nvPicPr>
-          <p:cNvPr id="250" name="Google Shape;250;p33"/>
+          <p:cNvPr id="255" name="Google Shape;255;p33"/>
           <p:cNvPicPr preferRelativeResize="0"/>
           <p:nvPr/>
         </p:nvPicPr>
@@ -12655,14 +13075,14 @@
       </p:pic>
       <p:sp>
         <p:nvSpPr>
-          <p:cNvPr id="251" name="Google Shape;251;p33"/>
+          <p:cNvPr id="256" name="Google Shape;256;p33"/>
           <p:cNvSpPr txBox="1"/>
           <p:nvPr/>
         </p:nvSpPr>
         <p:spPr>
           <a:xfrm>
-            <a:off x="417375" y="1824975"/>
-            <a:ext cx="1143900" cy="317400"/>
+            <a:off x="5018725" y="2506425"/>
+            <a:ext cx="2928900" cy="627300"/>
           </a:xfrm>
           <a:prstGeom prst="rect">
             <a:avLst/>
@@ -12694,7 +13114,7 @@
                 <a:cs typeface="Georgia"/>
                 <a:sym typeface="Georgia"/>
               </a:rPr>
-              <a:t>Sexe</a:t>
+              <a:t>Distribution</a:t>
             </a:r>
             <a:r>
               <a:rPr b="1" lang="fr">
@@ -12703,75 +13123,27 @@
                 <a:cs typeface="Georgia"/>
                 <a:sym typeface="Georgia"/>
               </a:rPr>
-              <a:t> : </a:t>
-            </a:r>
-            <a:r>
-              <a:rPr b="1" lang="fr">
-                <a:solidFill>
-                  <a:srgbClr val="FF0000"/>
-                </a:solidFill>
-                <a:latin typeface="Georgia"/>
-                <a:ea typeface="Georgia"/>
-                <a:cs typeface="Georgia"/>
-                <a:sym typeface="Georgia"/>
-              </a:rPr>
-              <a:t>H/F</a:t>
+              <a:t> :</a:t>
             </a:r>
             <a:endParaRPr b="1">
-              <a:solidFill>
-                <a:srgbClr val="FF0000"/>
-              </a:solidFill>
               <a:latin typeface="Georgia"/>
               <a:ea typeface="Georgia"/>
               <a:cs typeface="Georgia"/>
               <a:sym typeface="Georgia"/>
             </a:endParaRPr>
           </a:p>
-        </p:txBody>
-      </p:sp>
-      <p:sp>
-        <p:nvSpPr>
-          <p:cNvPr id="252" name="Google Shape;252;p33"/>
-          <p:cNvSpPr txBox="1"/>
-          <p:nvPr/>
-        </p:nvSpPr>
-        <p:spPr>
-          <a:xfrm>
-            <a:off x="417375" y="2261675"/>
-            <a:ext cx="1712100" cy="317400"/>
-          </a:xfrm>
-          <a:prstGeom prst="rect">
-            <a:avLst/>
-          </a:prstGeom>
-          <a:noFill/>
-          <a:ln>
-            <a:noFill/>
-          </a:ln>
-        </p:spPr>
-        <p:txBody>
-          <a:bodyPr anchorCtr="0" anchor="t" bIns="91425" lIns="91425" spcFirstLastPara="1" rIns="91425" wrap="square" tIns="91425">
-            <a:noAutofit/>
-          </a:bodyPr>
-          <a:lstStyle/>
           <a:p>
-            <a:pPr indent="0" lvl="0" marL="0" rtl="0" algn="l">
-              <a:spcBef>
-                <a:spcPts val="0"/>
-              </a:spcBef>
-              <a:spcAft>
-                <a:spcPts val="0"/>
-              </a:spcAft>
-              <a:buNone/>
+            <a:pPr indent="-317500" lvl="0" marL="457200" rtl="0" algn="l">
+              <a:spcBef>
+                <a:spcPts val="0"/>
+              </a:spcBef>
+              <a:spcAft>
+                <a:spcPts val="0"/>
+              </a:spcAft>
+              <a:buSzPts val="1400"/>
+              <a:buFont typeface="Georgia"/>
+              <a:buChar char="●"/>
             </a:pPr>
-            <a:r>
-              <a:rPr b="1" lang="fr" u="sng">
-                <a:latin typeface="Georgia"/>
-                <a:ea typeface="Georgia"/>
-                <a:cs typeface="Georgia"/>
-                <a:sym typeface="Georgia"/>
-              </a:rPr>
-              <a:t>Âge</a:t>
-            </a:r>
             <a:r>
               <a:rPr b="1" lang="fr">
                 <a:latin typeface="Georgia"/>
@@ -12779,372 +13151,7 @@
                 <a:cs typeface="Georgia"/>
                 <a:sym typeface="Georgia"/>
               </a:rPr>
-              <a:t> : </a:t>
-            </a:r>
-            <a:r>
-              <a:rPr b="1" lang="fr">
-                <a:solidFill>
-                  <a:srgbClr val="FF0000"/>
-                </a:solidFill>
-                <a:latin typeface="Georgia"/>
-                <a:ea typeface="Georgia"/>
-                <a:cs typeface="Georgia"/>
-                <a:sym typeface="Georgia"/>
-              </a:rPr>
-              <a:t>28 - 54 ans</a:t>
-            </a:r>
-            <a:endParaRPr b="1">
-              <a:solidFill>
-                <a:srgbClr val="FF0000"/>
-              </a:solidFill>
-              <a:latin typeface="Georgia"/>
-              <a:ea typeface="Georgia"/>
-              <a:cs typeface="Georgia"/>
-              <a:sym typeface="Georgia"/>
-            </a:endParaRPr>
-          </a:p>
-        </p:txBody>
-      </p:sp>
-      <p:sp>
-        <p:nvSpPr>
-          <p:cNvPr id="253" name="Google Shape;253;p33"/>
-          <p:cNvSpPr txBox="1"/>
-          <p:nvPr/>
-        </p:nvSpPr>
-        <p:spPr>
-          <a:xfrm>
-            <a:off x="417375" y="2698375"/>
-            <a:ext cx="2863200" cy="398400"/>
-          </a:xfrm>
-          <a:prstGeom prst="rect">
-            <a:avLst/>
-          </a:prstGeom>
-          <a:noFill/>
-          <a:ln>
-            <a:noFill/>
-          </a:ln>
-        </p:spPr>
-        <p:txBody>
-          <a:bodyPr anchorCtr="0" anchor="t" bIns="91425" lIns="91425" spcFirstLastPara="1" rIns="91425" wrap="square" tIns="91425">
-            <a:noAutofit/>
-          </a:bodyPr>
-          <a:lstStyle/>
-          <a:p>
-            <a:pPr indent="0" lvl="0" marL="0" rtl="0" algn="l">
-              <a:spcBef>
-                <a:spcPts val="0"/>
-              </a:spcBef>
-              <a:spcAft>
-                <a:spcPts val="0"/>
-              </a:spcAft>
-              <a:buNone/>
-            </a:pPr>
-            <a:r>
-              <a:rPr b="1" lang="fr" u="sng">
-                <a:latin typeface="Georgia"/>
-                <a:ea typeface="Georgia"/>
-                <a:cs typeface="Georgia"/>
-                <a:sym typeface="Georgia"/>
-              </a:rPr>
-              <a:t>CA annuel</a:t>
-            </a:r>
-            <a:r>
-              <a:rPr b="1" lang="fr">
-                <a:latin typeface="Georgia"/>
-                <a:ea typeface="Georgia"/>
-                <a:cs typeface="Georgia"/>
-                <a:sym typeface="Georgia"/>
-              </a:rPr>
-              <a:t> : </a:t>
-            </a:r>
-            <a:r>
-              <a:rPr b="1" lang="fr">
-                <a:solidFill>
-                  <a:srgbClr val="FF0000"/>
-                </a:solidFill>
-                <a:latin typeface="Georgia"/>
-                <a:ea typeface="Georgia"/>
-                <a:cs typeface="Georgia"/>
-                <a:sym typeface="Georgia"/>
-              </a:rPr>
-              <a:t>260.94 - 822.36</a:t>
-            </a:r>
-            <a:endParaRPr b="1">
-              <a:solidFill>
-                <a:srgbClr val="FF0000"/>
-              </a:solidFill>
-              <a:latin typeface="Georgia"/>
-              <a:ea typeface="Georgia"/>
-              <a:cs typeface="Georgia"/>
-              <a:sym typeface="Georgia"/>
-            </a:endParaRPr>
-          </a:p>
-        </p:txBody>
-      </p:sp>
-      <p:sp>
-        <p:nvSpPr>
-          <p:cNvPr id="254" name="Google Shape;254;p33"/>
-          <p:cNvSpPr txBox="1"/>
-          <p:nvPr/>
-        </p:nvSpPr>
-        <p:spPr>
-          <a:xfrm>
-            <a:off x="417375" y="3195313"/>
-            <a:ext cx="4206300" cy="383700"/>
-          </a:xfrm>
-          <a:prstGeom prst="rect">
-            <a:avLst/>
-          </a:prstGeom>
-          <a:noFill/>
-          <a:ln>
-            <a:noFill/>
-          </a:ln>
-        </p:spPr>
-        <p:txBody>
-          <a:bodyPr anchorCtr="0" anchor="t" bIns="91425" lIns="91425" spcFirstLastPara="1" rIns="91425" wrap="square" tIns="91425">
-            <a:noAutofit/>
-          </a:bodyPr>
-          <a:lstStyle/>
-          <a:p>
-            <a:pPr indent="0" lvl="0" marL="0" rtl="0" algn="l">
-              <a:spcBef>
-                <a:spcPts val="0"/>
-              </a:spcBef>
-              <a:spcAft>
-                <a:spcPts val="0"/>
-              </a:spcAft>
-              <a:buNone/>
-            </a:pPr>
-            <a:r>
-              <a:rPr b="1" lang="fr" u="sng">
-                <a:latin typeface="Georgia"/>
-                <a:ea typeface="Georgia"/>
-                <a:cs typeface="Georgia"/>
-                <a:sym typeface="Georgia"/>
-              </a:rPr>
-              <a:t>Fréquence</a:t>
-            </a:r>
-            <a:r>
-              <a:rPr b="1" lang="fr" u="sng">
-                <a:latin typeface="Georgia"/>
-                <a:ea typeface="Georgia"/>
-                <a:cs typeface="Georgia"/>
-                <a:sym typeface="Georgia"/>
-              </a:rPr>
-              <a:t> d’achat</a:t>
-            </a:r>
-            <a:r>
-              <a:rPr b="1" lang="fr">
-                <a:latin typeface="Georgia"/>
-                <a:ea typeface="Georgia"/>
-                <a:cs typeface="Georgia"/>
-                <a:sym typeface="Georgia"/>
-              </a:rPr>
-              <a:t> : </a:t>
-            </a:r>
-            <a:r>
-              <a:rPr b="1" lang="fr">
-                <a:solidFill>
-                  <a:srgbClr val="FF0000"/>
-                </a:solidFill>
-                <a:latin typeface="Georgia"/>
-                <a:ea typeface="Georgia"/>
-                <a:cs typeface="Georgia"/>
-                <a:sym typeface="Georgia"/>
-              </a:rPr>
-              <a:t>13 - 44 produits par an</a:t>
-            </a:r>
-            <a:endParaRPr b="1">
-              <a:solidFill>
-                <a:srgbClr val="FF0000"/>
-              </a:solidFill>
-              <a:latin typeface="Georgia"/>
-              <a:ea typeface="Georgia"/>
-              <a:cs typeface="Georgia"/>
-              <a:sym typeface="Georgia"/>
-            </a:endParaRPr>
-          </a:p>
-        </p:txBody>
-      </p:sp>
-      <p:sp>
-        <p:nvSpPr>
-          <p:cNvPr id="255" name="Google Shape;255;p33"/>
-          <p:cNvSpPr txBox="1"/>
-          <p:nvPr/>
-        </p:nvSpPr>
-        <p:spPr>
-          <a:xfrm>
-            <a:off x="417375" y="3677575"/>
-            <a:ext cx="2981400" cy="398400"/>
-          </a:xfrm>
-          <a:prstGeom prst="rect">
-            <a:avLst/>
-          </a:prstGeom>
-          <a:noFill/>
-          <a:ln>
-            <a:noFill/>
-          </a:ln>
-        </p:spPr>
-        <p:txBody>
-          <a:bodyPr anchorCtr="0" anchor="t" bIns="91425" lIns="91425" spcFirstLastPara="1" rIns="91425" wrap="square" tIns="91425">
-            <a:noAutofit/>
-          </a:bodyPr>
-          <a:lstStyle/>
-          <a:p>
-            <a:pPr indent="0" lvl="0" marL="0" rtl="0" algn="l">
-              <a:spcBef>
-                <a:spcPts val="0"/>
-              </a:spcBef>
-              <a:spcAft>
-                <a:spcPts val="0"/>
-              </a:spcAft>
-              <a:buNone/>
-            </a:pPr>
-            <a:r>
-              <a:rPr b="1" lang="fr">
-                <a:latin typeface="Georgia"/>
-                <a:ea typeface="Georgia"/>
-                <a:cs typeface="Georgia"/>
-                <a:sym typeface="Georgia"/>
-              </a:rPr>
-              <a:t>P</a:t>
-            </a:r>
-            <a:r>
-              <a:rPr b="1" lang="fr" u="sng">
-                <a:latin typeface="Georgia"/>
-                <a:ea typeface="Georgia"/>
-                <a:cs typeface="Georgia"/>
-                <a:sym typeface="Georgia"/>
-              </a:rPr>
-              <a:t>anier moyen</a:t>
-            </a:r>
-            <a:r>
-              <a:rPr b="1" lang="fr">
-                <a:latin typeface="Georgia"/>
-                <a:ea typeface="Georgia"/>
-                <a:cs typeface="Georgia"/>
-                <a:sym typeface="Georgia"/>
-              </a:rPr>
-              <a:t> : </a:t>
-            </a:r>
-            <a:r>
-              <a:rPr b="1" lang="fr">
-                <a:solidFill>
-                  <a:srgbClr val="FF0000"/>
-                </a:solidFill>
-                <a:latin typeface="Georgia"/>
-                <a:ea typeface="Georgia"/>
-                <a:cs typeface="Georgia"/>
-                <a:sym typeface="Georgia"/>
-              </a:rPr>
-              <a:t>15.81 - 43.27</a:t>
-            </a:r>
-            <a:endParaRPr b="1">
-              <a:solidFill>
-                <a:srgbClr val="FF0000"/>
-              </a:solidFill>
-              <a:latin typeface="Georgia"/>
-              <a:ea typeface="Georgia"/>
-              <a:cs typeface="Georgia"/>
-              <a:sym typeface="Georgia"/>
-            </a:endParaRPr>
-          </a:p>
-        </p:txBody>
-      </p:sp>
-      <p:sp>
-        <p:nvSpPr>
-          <p:cNvPr id="256" name="Google Shape;256;p33"/>
-          <p:cNvSpPr/>
-          <p:nvPr/>
-        </p:nvSpPr>
-        <p:spPr>
-          <a:xfrm>
-            <a:off x="4361275" y="2705725"/>
-            <a:ext cx="1273800" cy="383700"/>
-          </a:xfrm>
-          <a:prstGeom prst="rightArrow">
-            <a:avLst>
-              <a:gd fmla="val 50000" name="adj1"/>
-              <a:gd fmla="val 50000" name="adj2"/>
-            </a:avLst>
-          </a:prstGeom>
-          <a:solidFill>
-            <a:srgbClr val="674EA7"/>
-          </a:solidFill>
-          <a:ln cap="flat" cmpd="sng" w="9525">
-            <a:solidFill>
-              <a:schemeClr val="dk2"/>
-            </a:solidFill>
-            <a:prstDash val="solid"/>
-            <a:round/>
-            <a:headEnd len="sm" w="sm" type="none"/>
-            <a:tailEnd len="sm" w="sm" type="none"/>
-          </a:ln>
-        </p:spPr>
-        <p:txBody>
-          <a:bodyPr anchorCtr="0" anchor="ctr" bIns="91425" lIns="91425" spcFirstLastPara="1" rIns="91425" wrap="square" tIns="91425">
-            <a:noAutofit/>
-          </a:bodyPr>
-          <a:lstStyle/>
-          <a:p>
-            <a:pPr indent="0" lvl="0" marL="0" rtl="0" algn="l">
-              <a:spcBef>
-                <a:spcPts val="0"/>
-              </a:spcBef>
-              <a:spcAft>
-                <a:spcPts val="0"/>
-              </a:spcAft>
-              <a:buNone/>
-            </a:pPr>
-            <a:r>
-              <a:t/>
-            </a:r>
-            <a:endParaRPr/>
-          </a:p>
-        </p:txBody>
-      </p:sp>
-      <p:sp>
-        <p:nvSpPr>
-          <p:cNvPr id="257" name="Google Shape;257;p33"/>
-          <p:cNvSpPr txBox="1"/>
-          <p:nvPr/>
-        </p:nvSpPr>
-        <p:spPr>
-          <a:xfrm>
-            <a:off x="5947850" y="2705725"/>
-            <a:ext cx="3033000" cy="383700"/>
-          </a:xfrm>
-          <a:prstGeom prst="rect">
-            <a:avLst/>
-          </a:prstGeom>
-          <a:noFill/>
-          <a:ln>
-            <a:noFill/>
-          </a:ln>
-        </p:spPr>
-        <p:txBody>
-          <a:bodyPr anchorCtr="0" anchor="t" bIns="91425" lIns="91425" spcFirstLastPara="1" rIns="91425" wrap="square" tIns="91425">
-            <a:noAutofit/>
-          </a:bodyPr>
-          <a:lstStyle/>
-          <a:p>
-            <a:pPr indent="0" lvl="0" marL="0" rtl="0" algn="l">
-              <a:spcBef>
-                <a:spcPts val="0"/>
-              </a:spcBef>
-              <a:spcAft>
-                <a:spcPts val="0"/>
-              </a:spcAft>
-              <a:buNone/>
-            </a:pPr>
-            <a:r>
-              <a:rPr b="1" lang="fr">
-                <a:latin typeface="Georgia"/>
-                <a:ea typeface="Georgia"/>
-                <a:cs typeface="Georgia"/>
-                <a:sym typeface="Georgia"/>
-              </a:rPr>
-              <a:t>Indices selon sexe &amp; categories</a:t>
+              <a:t>Asymétrique</a:t>
             </a:r>
             <a:endParaRPr b="1">
               <a:latin typeface="Georgia"/>
@@ -13155,6 +13162,34 @@
           </a:p>
         </p:txBody>
       </p:sp>
+      <p:pic>
+        <p:nvPicPr>
+          <p:cNvPr id="257" name="Google Shape;257;p33"/>
+          <p:cNvPicPr preferRelativeResize="0"/>
+          <p:nvPr/>
+        </p:nvPicPr>
+        <p:blipFill>
+          <a:blip r:embed="rId4">
+            <a:alphaModFix/>
+          </a:blip>
+          <a:stretch>
+            <a:fillRect/>
+          </a:stretch>
+        </p:blipFill>
+        <p:spPr>
+          <a:xfrm>
+            <a:off x="196700" y="1328450"/>
+            <a:ext cx="4332925" cy="2971567"/>
+          </a:xfrm>
+          <a:prstGeom prst="rect">
+            <a:avLst/>
+          </a:prstGeom>
+          <a:noFill/>
+          <a:ln>
+            <a:noFill/>
+          </a:ln>
+        </p:spPr>
+      </p:pic>
     </p:spTree>
   </p:cSld>
   <p:clrMapOvr>
@@ -13274,8 +13309,8 @@
         </p:nvSpPr>
         <p:spPr>
           <a:xfrm>
-            <a:off x="5018725" y="2506425"/>
-            <a:ext cx="2928900" cy="627300"/>
+            <a:off x="4494113" y="2998325"/>
+            <a:ext cx="4169400" cy="398400"/>
           </a:xfrm>
           <a:prstGeom prst="rect">
             <a:avLst/>
@@ -13301,50 +13336,13 @@
               <a:buNone/>
             </a:pPr>
             <a:r>
-              <a:rPr b="1" lang="fr" u="sng">
-                <a:latin typeface="Georgia"/>
-                <a:ea typeface="Georgia"/>
-                <a:cs typeface="Georgia"/>
-                <a:sym typeface="Georgia"/>
-              </a:rPr>
-              <a:t>Distribution</a:t>
-            </a:r>
-            <a:r>
               <a:rPr b="1" lang="fr">
                 <a:latin typeface="Georgia"/>
                 <a:ea typeface="Georgia"/>
                 <a:cs typeface="Georgia"/>
                 <a:sym typeface="Georgia"/>
               </a:rPr>
-              <a:t> :</a:t>
-            </a:r>
-            <a:endParaRPr b="1">
-              <a:latin typeface="Georgia"/>
-              <a:ea typeface="Georgia"/>
-              <a:cs typeface="Georgia"/>
-              <a:sym typeface="Georgia"/>
-            </a:endParaRPr>
-          </a:p>
-          <a:p>
-            <a:pPr indent="-317500" lvl="0" marL="457200" rtl="0" algn="l">
-              <a:spcBef>
-                <a:spcPts val="0"/>
-              </a:spcBef>
-              <a:spcAft>
-                <a:spcPts val="0"/>
-              </a:spcAft>
-              <a:buSzPts val="1400"/>
-              <a:buFont typeface="Georgia"/>
-              <a:buChar char="●"/>
-            </a:pPr>
-            <a:r>
-              <a:rPr b="1" lang="fr">
-                <a:latin typeface="Georgia"/>
-                <a:ea typeface="Georgia"/>
-                <a:cs typeface="Georgia"/>
-                <a:sym typeface="Georgia"/>
-              </a:rPr>
-              <a:t>Asymétrique</a:t>
+              <a:t>Importante concentration des prix produit</a:t>
             </a:r>
             <a:endParaRPr b="1">
               <a:latin typeface="Georgia"/>
@@ -13355,9 +13353,61 @@
           </a:p>
         </p:txBody>
       </p:sp>
+      <p:sp>
+        <p:nvSpPr>
+          <p:cNvPr id="265" name="Google Shape;265;p34"/>
+          <p:cNvSpPr txBox="1"/>
+          <p:nvPr/>
+        </p:nvSpPr>
+        <p:spPr>
+          <a:xfrm>
+            <a:off x="29675" y="1212800"/>
+            <a:ext cx="4494000" cy="398400"/>
+          </a:xfrm>
+          <a:prstGeom prst="rect">
+            <a:avLst/>
+          </a:prstGeom>
+          <a:noFill/>
+          <a:ln>
+            <a:noFill/>
+          </a:ln>
+        </p:spPr>
+        <p:txBody>
+          <a:bodyPr anchorCtr="0" anchor="t" bIns="91425" lIns="91425" spcFirstLastPara="1" rIns="91425" wrap="square" tIns="91425">
+            <a:noAutofit/>
+          </a:bodyPr>
+          <a:lstStyle/>
+          <a:p>
+            <a:pPr indent="0" lvl="0" marL="0" rtl="0" algn="l">
+              <a:spcBef>
+                <a:spcPts val="0"/>
+              </a:spcBef>
+              <a:spcAft>
+                <a:spcPts val="0"/>
+              </a:spcAft>
+              <a:buNone/>
+            </a:pPr>
+            <a:r>
+              <a:rPr b="1" lang="fr">
+                <a:latin typeface="Georgia"/>
+                <a:ea typeface="Georgia"/>
+                <a:cs typeface="Georgia"/>
+                <a:sym typeface="Georgia"/>
+              </a:rPr>
+              <a:t>Courbe de Lorenz - Concentration Prix produit</a:t>
+            </a:r>
+            <a:endParaRPr b="1">
+              <a:latin typeface="Georgia"/>
+              <a:ea typeface="Georgia"/>
+              <a:cs typeface="Georgia"/>
+              <a:sym typeface="Georgia"/>
+            </a:endParaRPr>
+          </a:p>
+        </p:txBody>
+      </p:sp>
       <p:pic>
         <p:nvPicPr>
-          <p:cNvPr id="265" name="Google Shape;265;p34"/>
+          <p:cNvPr id="266" name="Google Shape;266;p34"/>
           <p:cNvPicPr preferRelativeResize="0"/>
           <p:nvPr/>
         </p:nvPicPr>
@@ -13371,8 +13421,8 @@
         </p:blipFill>
         <p:spPr>
           <a:xfrm>
-            <a:off x="196700" y="1328450"/>
-            <a:ext cx="4332925" cy="2971567"/>
+            <a:off x="226613" y="1659975"/>
+            <a:ext cx="4100133" cy="3075100"/>
           </a:xfrm>
           <a:prstGeom prst="rect">
             <a:avLst/>
@@ -13396,7 +13446,7 @@
   <p:cSld>
     <p:spTree>
       <p:nvGrpSpPr>
-        <p:cNvPr id="269" name="Shape 269"/>
+        <p:cNvPr id="270" name="Shape 270"/>
         <p:cNvGrpSpPr/>
         <p:nvPr/>
       </p:nvGrpSpPr>
@@ -13410,7 +13460,7 @@
       </p:grpSpPr>
       <p:sp>
         <p:nvSpPr>
-          <p:cNvPr id="270" name="Google Shape;270;p35"/>
+          <p:cNvPr id="271" name="Google Shape;271;p35"/>
           <p:cNvSpPr txBox="1"/>
           <p:nvPr/>
         </p:nvSpPr>
@@ -13468,7 +13518,7 @@
       </p:sp>
       <p:pic>
         <p:nvPicPr>
-          <p:cNvPr id="271" name="Google Shape;271;p35"/>
+          <p:cNvPr id="272" name="Google Shape;272;p35"/>
           <p:cNvPicPr preferRelativeResize="0"/>
           <p:nvPr/>
         </p:nvPicPr>
@@ -13496,14 +13546,14 @@
       </p:pic>
       <p:sp>
         <p:nvSpPr>
-          <p:cNvPr id="272" name="Google Shape;272;p35"/>
+          <p:cNvPr id="273" name="Google Shape;273;p35"/>
           <p:cNvSpPr txBox="1"/>
           <p:nvPr/>
         </p:nvSpPr>
         <p:spPr>
           <a:xfrm>
-            <a:off x="4494113" y="2998325"/>
-            <a:ext cx="4169400" cy="398400"/>
+            <a:off x="4895025" y="3031075"/>
+            <a:ext cx="3630600" cy="450000"/>
           </a:xfrm>
           <a:prstGeom prst="rect">
             <a:avLst/>
@@ -13535,7 +13585,7 @@
                 <a:cs typeface="Georgia"/>
                 <a:sym typeface="Georgia"/>
               </a:rPr>
-              <a:t>Importante concentration des prix produit</a:t>
+              <a:t>Importante différences de prix produit entre chaque catégories</a:t>
             </a:r>
             <a:endParaRPr b="1">
               <a:latin typeface="Georgia"/>
@@ -13548,7 +13598,7 @@
       </p:sp>
       <p:pic>
         <p:nvPicPr>
-          <p:cNvPr id="273" name="Google Shape;273;p35"/>
+          <p:cNvPr id="274" name="Google Shape;274;p35"/>
           <p:cNvPicPr preferRelativeResize="0"/>
           <p:nvPr/>
         </p:nvPicPr>
@@ -13562,8 +13612,8 @@
         </p:blipFill>
         <p:spPr>
           <a:xfrm>
-            <a:off x="594850" y="1902525"/>
-            <a:ext cx="3492262" cy="2635187"/>
+            <a:off x="377438" y="1630800"/>
+            <a:ext cx="4344276" cy="3250558"/>
           </a:xfrm>
           <a:prstGeom prst="rect">
             <a:avLst/>
@@ -13576,14 +13626,14 @@
       </p:pic>
       <p:sp>
         <p:nvSpPr>
-          <p:cNvPr id="274" name="Google Shape;274;p35"/>
+          <p:cNvPr id="275" name="Google Shape;275;p35"/>
           <p:cNvSpPr txBox="1"/>
           <p:nvPr/>
         </p:nvSpPr>
         <p:spPr>
           <a:xfrm>
-            <a:off x="29675" y="1365200"/>
-            <a:ext cx="4494000" cy="398400"/>
+            <a:off x="410675" y="1212800"/>
+            <a:ext cx="3630600" cy="398400"/>
           </a:xfrm>
           <a:prstGeom prst="rect">
             <a:avLst/>
@@ -13615,7 +13665,25 @@
                 <a:cs typeface="Georgia"/>
                 <a:sym typeface="Georgia"/>
               </a:rPr>
-              <a:t>Courbe de Lorenz - Concentration Prix produit</a:t>
+              <a:t>Box Plot</a:t>
+            </a:r>
+            <a:r>
+              <a:rPr b="1" lang="fr">
+                <a:latin typeface="Georgia"/>
+                <a:ea typeface="Georgia"/>
+                <a:cs typeface="Georgia"/>
+                <a:sym typeface="Georgia"/>
+              </a:rPr>
+              <a:t> des Prix selon les </a:t>
+            </a:r>
+            <a:r>
+              <a:rPr b="1" lang="fr">
+                <a:latin typeface="Georgia"/>
+                <a:ea typeface="Georgia"/>
+                <a:cs typeface="Georgia"/>
+                <a:sym typeface="Georgia"/>
+              </a:rPr>
+              <a:t>catégories</a:t>
             </a:r>
             <a:endParaRPr b="1">
               <a:latin typeface="Georgia"/>
@@ -13639,7 +13707,7 @@
   <p:cSld>
     <p:spTree>
       <p:nvGrpSpPr>
-        <p:cNvPr id="278" name="Shape 278"/>
+        <p:cNvPr id="279" name="Shape 279"/>
         <p:cNvGrpSpPr/>
         <p:nvPr/>
       </p:nvGrpSpPr>
@@ -13653,7 +13721,7 @@
       </p:grpSpPr>
       <p:sp>
         <p:nvSpPr>
-          <p:cNvPr id="279" name="Google Shape;279;p36"/>
+          <p:cNvPr id="280" name="Google Shape;280;p36"/>
           <p:cNvSpPr txBox="1"/>
           <p:nvPr/>
         </p:nvSpPr>
@@ -13711,7 +13779,7 @@
       </p:sp>
       <p:pic>
         <p:nvPicPr>
-          <p:cNvPr id="280" name="Google Shape;280;p36"/>
+          <p:cNvPr id="281" name="Google Shape;281;p36"/>
           <p:cNvPicPr preferRelativeResize="0"/>
           <p:nvPr/>
         </p:nvPicPr>
@@ -13739,14 +13807,14 @@
       </p:pic>
       <p:sp>
         <p:nvSpPr>
-          <p:cNvPr id="281" name="Google Shape;281;p36"/>
+          <p:cNvPr id="282" name="Google Shape;282;p36"/>
           <p:cNvSpPr txBox="1"/>
           <p:nvPr/>
         </p:nvSpPr>
         <p:spPr>
           <a:xfrm>
-            <a:off x="4725275" y="2650075"/>
-            <a:ext cx="3630600" cy="450000"/>
+            <a:off x="4444850" y="3205100"/>
+            <a:ext cx="4339200" cy="354300"/>
           </a:xfrm>
           <a:prstGeom prst="rect">
             <a:avLst/>
@@ -13778,7 +13846,7 @@
                 <a:cs typeface="Georgia"/>
                 <a:sym typeface="Georgia"/>
               </a:rPr>
-              <a:t>Importante différences de prix produit entre chaque catégories</a:t>
+              <a:t>Distribution des prix par catégorie inégale</a:t>
             </a:r>
             <a:endParaRPr b="1">
               <a:latin typeface="Georgia"/>
@@ -13791,7 +13859,7 @@
       </p:sp>
       <p:pic>
         <p:nvPicPr>
-          <p:cNvPr id="282" name="Google Shape;282;p36"/>
+          <p:cNvPr id="283" name="Google Shape;283;p36"/>
           <p:cNvPicPr preferRelativeResize="0"/>
           <p:nvPr/>
         </p:nvPicPr>
@@ -13805,8 +13873,8 @@
         </p:blipFill>
         <p:spPr>
           <a:xfrm>
-            <a:off x="304800" y="1249800"/>
-            <a:ext cx="4344276" cy="3250558"/>
+            <a:off x="248325" y="1691250"/>
+            <a:ext cx="4140050" cy="3202834"/>
           </a:xfrm>
           <a:prstGeom prst="rect">
             <a:avLst/>
@@ -13817,6 +13885,76 @@
           </a:ln>
         </p:spPr>
       </p:pic>
+      <p:sp>
+        <p:nvSpPr>
+          <p:cNvPr id="284" name="Google Shape;284;p36"/>
+          <p:cNvSpPr txBox="1"/>
+          <p:nvPr/>
+        </p:nvSpPr>
+        <p:spPr>
+          <a:xfrm>
+            <a:off x="248325" y="1278875"/>
+            <a:ext cx="4673700" cy="354300"/>
+          </a:xfrm>
+          <a:prstGeom prst="rect">
+            <a:avLst/>
+          </a:prstGeom>
+          <a:noFill/>
+          <a:ln>
+            <a:noFill/>
+          </a:ln>
+        </p:spPr>
+        <p:txBody>
+          <a:bodyPr anchorCtr="0" anchor="t" bIns="91425" lIns="91425" spcFirstLastPara="1" rIns="91425" wrap="square" tIns="91425">
+            <a:noAutofit/>
+          </a:bodyPr>
+          <a:lstStyle/>
+          <a:p>
+            <a:pPr indent="0" lvl="0" marL="0" rtl="0" algn="l">
+              <a:spcBef>
+                <a:spcPts val="0"/>
+              </a:spcBef>
+              <a:spcAft>
+                <a:spcPts val="0"/>
+              </a:spcAft>
+              <a:buNone/>
+            </a:pPr>
+            <a:r>
+              <a:rPr b="1" lang="fr">
+                <a:latin typeface="Georgia"/>
+                <a:ea typeface="Georgia"/>
+                <a:cs typeface="Georgia"/>
+                <a:sym typeface="Georgia"/>
+              </a:rPr>
+              <a:t>Histogramme - </a:t>
+            </a:r>
+            <a:r>
+              <a:rPr b="1" lang="fr">
+                <a:latin typeface="Georgia"/>
+                <a:ea typeface="Georgia"/>
+                <a:cs typeface="Georgia"/>
+                <a:sym typeface="Georgia"/>
+              </a:rPr>
+              <a:t>Distribution Prix par </a:t>
+            </a:r>
+            <a:r>
+              <a:rPr b="1" lang="fr">
+                <a:latin typeface="Georgia"/>
+                <a:ea typeface="Georgia"/>
+                <a:cs typeface="Georgia"/>
+                <a:sym typeface="Georgia"/>
+              </a:rPr>
+              <a:t>Catégories</a:t>
+            </a:r>
+            <a:endParaRPr b="1">
+              <a:latin typeface="Georgia"/>
+              <a:ea typeface="Georgia"/>
+              <a:cs typeface="Georgia"/>
+              <a:sym typeface="Georgia"/>
+            </a:endParaRPr>
+          </a:p>
+        </p:txBody>
+      </p:sp>
     </p:spTree>
   </p:cSld>
   <p:clrMapOvr>
@@ -13830,7 +13968,7 @@
   <p:cSld>
     <p:spTree>
       <p:nvGrpSpPr>
-        <p:cNvPr id="286" name="Shape 286"/>
+        <p:cNvPr id="288" name="Shape 288"/>
         <p:cNvGrpSpPr/>
         <p:nvPr/>
       </p:nvGrpSpPr>
@@ -13844,7 +13982,7 @@
       </p:grpSpPr>
       <p:sp>
         <p:nvSpPr>
-          <p:cNvPr id="287" name="Google Shape;287;p37"/>
+          <p:cNvPr id="289" name="Google Shape;289;p37"/>
           <p:cNvSpPr txBox="1"/>
           <p:nvPr/>
         </p:nvSpPr>
@@ -13902,7 +14040,7 @@
       </p:sp>
       <p:pic>
         <p:nvPicPr>
-          <p:cNvPr id="288" name="Google Shape;288;p37"/>
+          <p:cNvPr id="290" name="Google Shape;290;p37"/>
           <p:cNvPicPr preferRelativeResize="0"/>
           <p:nvPr/>
         </p:nvPicPr>
@@ -13928,61 +14066,9 @@
           </a:ln>
         </p:spPr>
       </p:pic>
-      <p:sp>
-        <p:nvSpPr>
-          <p:cNvPr id="289" name="Google Shape;289;p37"/>
-          <p:cNvSpPr txBox="1"/>
-          <p:nvPr/>
-        </p:nvSpPr>
-        <p:spPr>
-          <a:xfrm>
-            <a:off x="4444850" y="2824100"/>
-            <a:ext cx="4339200" cy="354300"/>
-          </a:xfrm>
-          <a:prstGeom prst="rect">
-            <a:avLst/>
-          </a:prstGeom>
-          <a:noFill/>
-          <a:ln>
-            <a:noFill/>
-          </a:ln>
-        </p:spPr>
-        <p:txBody>
-          <a:bodyPr anchorCtr="0" anchor="t" bIns="91425" lIns="91425" spcFirstLastPara="1" rIns="91425" wrap="square" tIns="91425">
-            <a:noAutofit/>
-          </a:bodyPr>
-          <a:lstStyle/>
-          <a:p>
-            <a:pPr indent="0" lvl="0" marL="0" rtl="0" algn="l">
-              <a:spcBef>
-                <a:spcPts val="0"/>
-              </a:spcBef>
-              <a:spcAft>
-                <a:spcPts val="0"/>
-              </a:spcAft>
-              <a:buNone/>
-            </a:pPr>
-            <a:r>
-              <a:rPr b="1" lang="fr">
-                <a:latin typeface="Georgia"/>
-                <a:ea typeface="Georgia"/>
-                <a:cs typeface="Georgia"/>
-                <a:sym typeface="Georgia"/>
-              </a:rPr>
-              <a:t>Distribution des prix par catégorie inégale</a:t>
-            </a:r>
-            <a:endParaRPr b="1">
-              <a:latin typeface="Georgia"/>
-              <a:ea typeface="Georgia"/>
-              <a:cs typeface="Georgia"/>
-              <a:sym typeface="Georgia"/>
-            </a:endParaRPr>
-          </a:p>
-        </p:txBody>
-      </p:sp>
       <p:pic>
         <p:nvPicPr>
-          <p:cNvPr id="290" name="Google Shape;290;p37"/>
+          <p:cNvPr id="291" name="Google Shape;291;p37"/>
           <p:cNvPicPr preferRelativeResize="0"/>
           <p:nvPr/>
         </p:nvPicPr>
@@ -13996,8 +14082,8 @@
         </p:blipFill>
         <p:spPr>
           <a:xfrm>
-            <a:off x="248325" y="1300150"/>
-            <a:ext cx="4140050" cy="3202834"/>
+            <a:off x="130250" y="982825"/>
+            <a:ext cx="5229225" cy="3924300"/>
           </a:xfrm>
           <a:prstGeom prst="rect">
             <a:avLst/>
@@ -14008,6 +14094,58 @@
           </a:ln>
         </p:spPr>
       </p:pic>
+      <p:sp>
+        <p:nvSpPr>
+          <p:cNvPr id="292" name="Google Shape;292;p37"/>
+          <p:cNvSpPr txBox="1"/>
+          <p:nvPr/>
+        </p:nvSpPr>
+        <p:spPr>
+          <a:xfrm>
+            <a:off x="5660075" y="2590200"/>
+            <a:ext cx="3357600" cy="605100"/>
+          </a:xfrm>
+          <a:prstGeom prst="rect">
+            <a:avLst/>
+          </a:prstGeom>
+          <a:noFill/>
+          <a:ln>
+            <a:noFill/>
+          </a:ln>
+        </p:spPr>
+        <p:txBody>
+          <a:bodyPr anchorCtr="0" anchor="t" bIns="91425" lIns="91425" spcFirstLastPara="1" rIns="91425" wrap="square" tIns="91425">
+            <a:noAutofit/>
+          </a:bodyPr>
+          <a:lstStyle/>
+          <a:p>
+            <a:pPr indent="0" lvl="0" marL="0" rtl="0" algn="l">
+              <a:spcBef>
+                <a:spcPts val="0"/>
+              </a:spcBef>
+              <a:spcAft>
+                <a:spcPts val="0"/>
+              </a:spcAft>
+              <a:buNone/>
+            </a:pPr>
+            <a:r>
+              <a:rPr b="1" lang="fr">
+                <a:latin typeface="Georgia"/>
+                <a:ea typeface="Georgia"/>
+                <a:cs typeface="Georgia"/>
+                <a:sym typeface="Georgia"/>
+              </a:rPr>
+              <a:t>Comparaison de la concentration de prix par catégorie</a:t>
+            </a:r>
+            <a:endParaRPr b="1">
+              <a:latin typeface="Georgia"/>
+              <a:ea typeface="Georgia"/>
+              <a:cs typeface="Georgia"/>
+              <a:sym typeface="Georgia"/>
+            </a:endParaRPr>
+          </a:p>
+        </p:txBody>
+      </p:sp>
     </p:spTree>
   </p:cSld>
   <p:clrMapOvr>
@@ -14021,7 +14159,7 @@
   <p:cSld>
     <p:spTree>
       <p:nvGrpSpPr>
-        <p:cNvPr id="294" name="Shape 294"/>
+        <p:cNvPr id="296" name="Shape 296"/>
         <p:cNvGrpSpPr/>
         <p:nvPr/>
       </p:nvGrpSpPr>
@@ -14035,7 +14173,7 @@
       </p:grpSpPr>
       <p:sp>
         <p:nvSpPr>
-          <p:cNvPr id="295" name="Google Shape;295;p38"/>
+          <p:cNvPr id="297" name="Google Shape;297;p38"/>
           <p:cNvSpPr txBox="1"/>
           <p:nvPr/>
         </p:nvSpPr>
@@ -14093,7 +14231,7 @@
       </p:sp>
       <p:pic>
         <p:nvPicPr>
-          <p:cNvPr id="296" name="Google Shape;296;p38"/>
+          <p:cNvPr id="298" name="Google Shape;298;p38"/>
           <p:cNvPicPr preferRelativeResize="0"/>
           <p:nvPr/>
         </p:nvPicPr>
@@ -14121,7 +14259,7 @@
       </p:pic>
       <p:pic>
         <p:nvPicPr>
-          <p:cNvPr id="297" name="Google Shape;297;p38"/>
+          <p:cNvPr id="299" name="Google Shape;299;p38"/>
           <p:cNvPicPr preferRelativeResize="0"/>
           <p:nvPr/>
         </p:nvPicPr>
@@ -14135,8 +14273,8 @@
         </p:blipFill>
         <p:spPr>
           <a:xfrm>
-            <a:off x="130250" y="982825"/>
-            <a:ext cx="5229225" cy="3924300"/>
+            <a:off x="152400" y="911450"/>
+            <a:ext cx="5448300" cy="4038600"/>
           </a:xfrm>
           <a:prstGeom prst="rect">
             <a:avLst/>
@@ -14149,14 +14287,14 @@
       </p:pic>
       <p:sp>
         <p:nvSpPr>
-          <p:cNvPr id="298" name="Google Shape;298;p38"/>
+          <p:cNvPr id="300" name="Google Shape;300;p38"/>
           <p:cNvSpPr txBox="1"/>
           <p:nvPr/>
         </p:nvSpPr>
         <p:spPr>
           <a:xfrm>
-            <a:off x="5660075" y="2590200"/>
-            <a:ext cx="3357600" cy="605100"/>
+            <a:off x="5788075" y="2513675"/>
+            <a:ext cx="3291300" cy="572700"/>
           </a:xfrm>
           <a:prstGeom prst="rect">
             <a:avLst/>
@@ -14188,7 +14326,33 @@
                 <a:cs typeface="Georgia"/>
                 <a:sym typeface="Georgia"/>
               </a:rPr>
-              <a:t>Comparaison de la concentration de prix par catégorie</a:t>
+              <a:t>Nuage de point</a:t>
+            </a:r>
+            <a:endParaRPr b="1">
+              <a:latin typeface="Georgia"/>
+              <a:ea typeface="Georgia"/>
+              <a:cs typeface="Georgia"/>
+              <a:sym typeface="Georgia"/>
+            </a:endParaRPr>
+          </a:p>
+          <a:p>
+            <a:pPr indent="0" lvl="0" marL="0" rtl="0" algn="l">
+              <a:spcBef>
+                <a:spcPts val="0"/>
+              </a:spcBef>
+              <a:spcAft>
+                <a:spcPts val="0"/>
+              </a:spcAft>
+              <a:buNone/>
+            </a:pPr>
+            <a:r>
+              <a:rPr b="1" lang="fr">
+                <a:latin typeface="Georgia"/>
+                <a:ea typeface="Georgia"/>
+                <a:cs typeface="Georgia"/>
+                <a:sym typeface="Georgia"/>
+              </a:rPr>
+              <a:t>Une catégorie d’âge se démarque</a:t>
             </a:r>
             <a:endParaRPr b="1">
               <a:latin typeface="Georgia"/>
@@ -14212,7 +14376,7 @@
   <p:cSld>
     <p:spTree>
       <p:nvGrpSpPr>
-        <p:cNvPr id="302" name="Shape 302"/>
+        <p:cNvPr id="304" name="Shape 304"/>
         <p:cNvGrpSpPr/>
         <p:nvPr/>
       </p:nvGrpSpPr>
@@ -14226,7 +14390,7 @@
       </p:grpSpPr>
       <p:sp>
         <p:nvSpPr>
-          <p:cNvPr id="303" name="Google Shape;303;p39"/>
+          <p:cNvPr id="305" name="Google Shape;305;p39"/>
           <p:cNvSpPr txBox="1"/>
           <p:nvPr/>
         </p:nvSpPr>
@@ -14268,7 +14432,31 @@
                 <a:cs typeface="Georgia"/>
                 <a:sym typeface="Georgia"/>
               </a:rPr>
-              <a:t>Analyse Descriptive : Produits</a:t>
+              <a:t>Analyse de </a:t>
+            </a:r>
+            <a:r>
+              <a:rPr lang="fr" sz="2800">
+                <a:solidFill>
+                  <a:srgbClr val="6D9EEB"/>
+                </a:solidFill>
+                <a:latin typeface="Georgia"/>
+                <a:ea typeface="Georgia"/>
+                <a:cs typeface="Georgia"/>
+                <a:sym typeface="Georgia"/>
+              </a:rPr>
+              <a:t>Corrélation</a:t>
+            </a:r>
+            <a:r>
+              <a:rPr lang="fr" sz="2800">
+                <a:solidFill>
+                  <a:srgbClr val="6D9EEB"/>
+                </a:solidFill>
+                <a:latin typeface="Georgia"/>
+                <a:ea typeface="Georgia"/>
+                <a:cs typeface="Georgia"/>
+                <a:sym typeface="Georgia"/>
+              </a:rPr>
+              <a:t> </a:t>
             </a:r>
             <a:endParaRPr sz="2800">
               <a:solidFill>
@@ -14284,7 +14472,7 @@
       </p:sp>
       <p:pic>
         <p:nvPicPr>
-          <p:cNvPr id="304" name="Google Shape;304;p39"/>
+          <p:cNvPr id="306" name="Google Shape;306;p39"/>
           <p:cNvPicPr preferRelativeResize="0"/>
           <p:nvPr/>
         </p:nvPicPr>
@@ -14310,9 +14498,61 @@
           </a:ln>
         </p:spPr>
       </p:pic>
+      <p:sp>
+        <p:nvSpPr>
+          <p:cNvPr id="307" name="Google Shape;307;p39"/>
+          <p:cNvSpPr txBox="1"/>
+          <p:nvPr/>
+        </p:nvSpPr>
+        <p:spPr>
+          <a:xfrm>
+            <a:off x="103775" y="1040525"/>
+            <a:ext cx="8021400" cy="361500"/>
+          </a:xfrm>
+          <a:prstGeom prst="rect">
+            <a:avLst/>
+          </a:prstGeom>
+          <a:noFill/>
+          <a:ln>
+            <a:noFill/>
+          </a:ln>
+        </p:spPr>
+        <p:txBody>
+          <a:bodyPr anchorCtr="0" anchor="t" bIns="91425" lIns="91425" spcFirstLastPara="1" rIns="91425" wrap="square" tIns="91425">
+            <a:noAutofit/>
+          </a:bodyPr>
+          <a:lstStyle/>
+          <a:p>
+            <a:pPr indent="0" lvl="0" marL="0" rtl="0" algn="l">
+              <a:spcBef>
+                <a:spcPts val="0"/>
+              </a:spcBef>
+              <a:spcAft>
+                <a:spcPts val="0"/>
+              </a:spcAft>
+              <a:buNone/>
+            </a:pPr>
+            <a:r>
+              <a:rPr b="1" lang="fr" sz="1200" u="sng">
+                <a:latin typeface="Georgia"/>
+                <a:ea typeface="Georgia"/>
+                <a:cs typeface="Georgia"/>
+                <a:sym typeface="Georgia"/>
+              </a:rPr>
+              <a:t>Y a t-il une correlation entre le sexe des clients et les categories de produits achetes ?</a:t>
+            </a:r>
+            <a:endParaRPr b="1" sz="1200" u="sng">
+              <a:latin typeface="Georgia"/>
+              <a:ea typeface="Georgia"/>
+              <a:cs typeface="Georgia"/>
+              <a:sym typeface="Georgia"/>
+            </a:endParaRPr>
+          </a:p>
+        </p:txBody>
+      </p:sp>
       <p:pic>
         <p:nvPicPr>
-          <p:cNvPr id="305" name="Google Shape;305;p39"/>
+          <p:cNvPr id="308" name="Google Shape;308;p39"/>
           <p:cNvPicPr preferRelativeResize="0"/>
           <p:nvPr/>
         </p:nvPicPr>
@@ -14326,8 +14566,8 @@
         </p:blipFill>
         <p:spPr>
           <a:xfrm>
-            <a:off x="152400" y="911450"/>
-            <a:ext cx="5448300" cy="4038600"/>
+            <a:off x="152400" y="1554425"/>
+            <a:ext cx="4592940" cy="3436675"/>
           </a:xfrm>
           <a:prstGeom prst="rect">
             <a:avLst/>
@@ -14340,307 +14580,14 @@
       </p:pic>
       <p:sp>
         <p:nvSpPr>
-          <p:cNvPr id="306" name="Google Shape;306;p39"/>
+          <p:cNvPr id="309" name="Google Shape;309;p39"/>
           <p:cNvSpPr txBox="1"/>
           <p:nvPr/>
         </p:nvSpPr>
         <p:spPr>
           <a:xfrm>
-            <a:off x="5788075" y="2513675"/>
-            <a:ext cx="3291300" cy="572700"/>
-          </a:xfrm>
-          <a:prstGeom prst="rect">
-            <a:avLst/>
-          </a:prstGeom>
-          <a:noFill/>
-          <a:ln>
-            <a:noFill/>
-          </a:ln>
-        </p:spPr>
-        <p:txBody>
-          <a:bodyPr anchorCtr="0" anchor="t" bIns="91425" lIns="91425" spcFirstLastPara="1" rIns="91425" wrap="square" tIns="91425">
-            <a:noAutofit/>
-          </a:bodyPr>
-          <a:lstStyle/>
-          <a:p>
-            <a:pPr indent="0" lvl="0" marL="0" rtl="0" algn="l">
-              <a:spcBef>
-                <a:spcPts val="0"/>
-              </a:spcBef>
-              <a:spcAft>
-                <a:spcPts val="0"/>
-              </a:spcAft>
-              <a:buNone/>
-            </a:pPr>
-            <a:r>
-              <a:rPr b="1" lang="fr">
-                <a:latin typeface="Georgia"/>
-                <a:ea typeface="Georgia"/>
-                <a:cs typeface="Georgia"/>
-                <a:sym typeface="Georgia"/>
-              </a:rPr>
-              <a:t>Nuage de point</a:t>
-            </a:r>
-            <a:endParaRPr b="1">
-              <a:latin typeface="Georgia"/>
-              <a:ea typeface="Georgia"/>
-              <a:cs typeface="Georgia"/>
-              <a:sym typeface="Georgia"/>
-            </a:endParaRPr>
-          </a:p>
-          <a:p>
-            <a:pPr indent="0" lvl="0" marL="0" rtl="0" algn="l">
-              <a:spcBef>
-                <a:spcPts val="0"/>
-              </a:spcBef>
-              <a:spcAft>
-                <a:spcPts val="0"/>
-              </a:spcAft>
-              <a:buNone/>
-            </a:pPr>
-            <a:r>
-              <a:rPr b="1" lang="fr">
-                <a:latin typeface="Georgia"/>
-                <a:ea typeface="Georgia"/>
-                <a:cs typeface="Georgia"/>
-                <a:sym typeface="Georgia"/>
-              </a:rPr>
-              <a:t>Une catégorie d’âge se démarque</a:t>
-            </a:r>
-            <a:endParaRPr b="1">
-              <a:latin typeface="Georgia"/>
-              <a:ea typeface="Georgia"/>
-              <a:cs typeface="Georgia"/>
-              <a:sym typeface="Georgia"/>
-            </a:endParaRPr>
-          </a:p>
-        </p:txBody>
-      </p:sp>
-    </p:spTree>
-  </p:cSld>
-  <p:clrMapOvr>
-    <a:masterClrMapping/>
-  </p:clrMapOvr>
-</p:sld>
-</file>
-
-<file path=ppt/slides/slide28.xml><?xml version="1.0" encoding="utf-8"?>
-<p:sld xmlns:a="http://schemas.openxmlformats.org/drawingml/2006/main" xmlns:r="http://schemas.openxmlformats.org/officeDocument/2006/relationships" xmlns:mc="http://schemas.openxmlformats.org/markup-compatibility/2006" xmlns:mv="urn:schemas-microsoft-com:mac:vml" xmlns:p="http://schemas.openxmlformats.org/presentationml/2006/main" xmlns:c="http://schemas.openxmlformats.org/drawingml/2006/chart" xmlns:dgm="http://schemas.openxmlformats.org/drawingml/2006/diagram" xmlns:o="urn:schemas-microsoft-com:office:office" xmlns:v="urn:schemas-microsoft-com:vml" xmlns:pvml="urn:schemas-microsoft-com:office:powerpoint" xmlns:com="http://schemas.openxmlformats.org/drawingml/2006/compatibility" xmlns:p14="http://schemas.microsoft.com/office/powerpoint/2010/main" xmlns:p15="http://schemas.microsoft.com/office/powerpoint/2012/main" xmlns:ahyp="http://schemas.microsoft.com/office/drawing/2018/hyperlinkcolor">
-  <p:cSld>
-    <p:spTree>
-      <p:nvGrpSpPr>
-        <p:cNvPr id="310" name="Shape 310"/>
-        <p:cNvGrpSpPr/>
-        <p:nvPr/>
-      </p:nvGrpSpPr>
-      <p:grpSpPr>
-        <a:xfrm>
-          <a:off x="0" y="0"/>
-          <a:ext cx="0" cy="0"/>
-          <a:chOff x="0" y="0"/>
-          <a:chExt cx="0" cy="0"/>
-        </a:xfrm>
-      </p:grpSpPr>
-      <p:sp>
-        <p:nvSpPr>
-          <p:cNvPr id="311" name="Google Shape;311;p40"/>
-          <p:cNvSpPr txBox="1"/>
-          <p:nvPr/>
-        </p:nvSpPr>
-        <p:spPr>
-          <a:xfrm>
-            <a:off x="1372800" y="186350"/>
-            <a:ext cx="6398400" cy="572700"/>
-          </a:xfrm>
-          <a:prstGeom prst="rect">
-            <a:avLst/>
-          </a:prstGeom>
-          <a:noFill/>
-          <a:ln>
-            <a:noFill/>
-          </a:ln>
-        </p:spPr>
-        <p:txBody>
-          <a:bodyPr anchorCtr="0" anchor="t" bIns="91425" lIns="91425" spcFirstLastPara="1" rIns="91425" wrap="square" tIns="91425">
-            <a:noAutofit/>
-          </a:bodyPr>
-          <a:lstStyle/>
-          <a:p>
-            <a:pPr indent="0" lvl="0" marL="0" rtl="0" algn="ctr">
-              <a:spcBef>
-                <a:spcPts val="0"/>
-              </a:spcBef>
-              <a:spcAft>
-                <a:spcPts val="0"/>
-              </a:spcAft>
-              <a:buNone/>
-            </a:pPr>
-            <a:r>
-              <a:rPr lang="fr" sz="2800">
-                <a:solidFill>
-                  <a:srgbClr val="6D9EEB"/>
-                </a:solidFill>
-                <a:latin typeface="Georgia"/>
-                <a:ea typeface="Georgia"/>
-                <a:cs typeface="Georgia"/>
-                <a:sym typeface="Georgia"/>
-              </a:rPr>
-              <a:t>Analyse de </a:t>
-            </a:r>
-            <a:r>
-              <a:rPr lang="fr" sz="2800">
-                <a:solidFill>
-                  <a:srgbClr val="6D9EEB"/>
-                </a:solidFill>
-                <a:latin typeface="Georgia"/>
-                <a:ea typeface="Georgia"/>
-                <a:cs typeface="Georgia"/>
-                <a:sym typeface="Georgia"/>
-              </a:rPr>
-              <a:t>Corrélation</a:t>
-            </a:r>
-            <a:r>
-              <a:rPr lang="fr" sz="2800">
-                <a:solidFill>
-                  <a:srgbClr val="6D9EEB"/>
-                </a:solidFill>
-                <a:latin typeface="Georgia"/>
-                <a:ea typeface="Georgia"/>
-                <a:cs typeface="Georgia"/>
-                <a:sym typeface="Georgia"/>
-              </a:rPr>
-              <a:t> </a:t>
-            </a:r>
-            <a:endParaRPr sz="2800">
-              <a:solidFill>
-                <a:srgbClr val="6D9EEB"/>
-              </a:solidFill>
-              <a:latin typeface="Georgia"/>
-              <a:ea typeface="Georgia"/>
-              <a:cs typeface="Georgia"/>
-              <a:sym typeface="Georgia"/>
-            </a:endParaRPr>
-          </a:p>
-        </p:txBody>
-      </p:sp>
-      <p:pic>
-        <p:nvPicPr>
-          <p:cNvPr id="312" name="Google Shape;312;p40"/>
-          <p:cNvPicPr preferRelativeResize="0"/>
-          <p:nvPr/>
-        </p:nvPicPr>
-        <p:blipFill>
-          <a:blip r:embed="rId3">
-            <a:alphaModFix/>
-          </a:blip>
-          <a:stretch>
-            <a:fillRect/>
-          </a:stretch>
-        </p:blipFill>
-        <p:spPr>
-          <a:xfrm>
-            <a:off x="7801150" y="54575"/>
-            <a:ext cx="1273875" cy="1273875"/>
-          </a:xfrm>
-          <a:prstGeom prst="rect">
-            <a:avLst/>
-          </a:prstGeom>
-          <a:noFill/>
-          <a:ln>
-            <a:noFill/>
-          </a:ln>
-        </p:spPr>
-      </p:pic>
-      <p:sp>
-        <p:nvSpPr>
-          <p:cNvPr id="313" name="Google Shape;313;p40"/>
-          <p:cNvSpPr txBox="1"/>
-          <p:nvPr/>
-        </p:nvSpPr>
-        <p:spPr>
-          <a:xfrm>
-            <a:off x="103775" y="1040525"/>
-            <a:ext cx="8021400" cy="361500"/>
-          </a:xfrm>
-          <a:prstGeom prst="rect">
-            <a:avLst/>
-          </a:prstGeom>
-          <a:noFill/>
-          <a:ln>
-            <a:noFill/>
-          </a:ln>
-        </p:spPr>
-        <p:txBody>
-          <a:bodyPr anchorCtr="0" anchor="t" bIns="91425" lIns="91425" spcFirstLastPara="1" rIns="91425" wrap="square" tIns="91425">
-            <a:noAutofit/>
-          </a:bodyPr>
-          <a:lstStyle/>
-          <a:p>
-            <a:pPr indent="0" lvl="0" marL="0" rtl="0" algn="l">
-              <a:spcBef>
-                <a:spcPts val="0"/>
-              </a:spcBef>
-              <a:spcAft>
-                <a:spcPts val="0"/>
-              </a:spcAft>
-              <a:buNone/>
-            </a:pPr>
-            <a:r>
-              <a:rPr b="1" lang="fr" sz="1200">
-                <a:latin typeface="Georgia"/>
-                <a:ea typeface="Georgia"/>
-                <a:cs typeface="Georgia"/>
-                <a:sym typeface="Georgia"/>
-              </a:rPr>
-              <a:t>Y a t-il une correlation entre le sexe des clients et les categories deproduits achetes ?</a:t>
-            </a:r>
-            <a:endParaRPr b="1" sz="1200">
-              <a:latin typeface="Georgia"/>
-              <a:ea typeface="Georgia"/>
-              <a:cs typeface="Georgia"/>
-              <a:sym typeface="Georgia"/>
-            </a:endParaRPr>
-          </a:p>
-        </p:txBody>
-      </p:sp>
-      <p:pic>
-        <p:nvPicPr>
-          <p:cNvPr id="314" name="Google Shape;314;p40"/>
-          <p:cNvPicPr preferRelativeResize="0"/>
-          <p:nvPr/>
-        </p:nvPicPr>
-        <p:blipFill>
-          <a:blip r:embed="rId4">
-            <a:alphaModFix/>
-          </a:blip>
-          <a:stretch>
-            <a:fillRect/>
-          </a:stretch>
-        </p:blipFill>
-        <p:spPr>
-          <a:xfrm>
-            <a:off x="152400" y="1554425"/>
-            <a:ext cx="4592940" cy="3436675"/>
-          </a:xfrm>
-          <a:prstGeom prst="rect">
-            <a:avLst/>
-          </a:prstGeom>
-          <a:noFill/>
-          <a:ln>
-            <a:noFill/>
-          </a:ln>
-        </p:spPr>
-      </p:pic>
-      <p:sp>
-        <p:nvSpPr>
-          <p:cNvPr id="315" name="Google Shape;315;p40"/>
-          <p:cNvSpPr txBox="1"/>
-          <p:nvPr/>
-        </p:nvSpPr>
-        <p:spPr>
-          <a:xfrm>
             <a:off x="5327975" y="1859625"/>
-            <a:ext cx="3025500" cy="789600"/>
+            <a:ext cx="3025500" cy="1129200"/>
           </a:xfrm>
           <a:prstGeom prst="rect">
             <a:avLst/>
@@ -14737,41 +14684,17 @@
               <a:sym typeface="Georgia"/>
             </a:endParaRPr>
           </a:p>
-        </p:txBody>
-      </p:sp>
-      <p:sp>
-        <p:nvSpPr>
-          <p:cNvPr id="316" name="Google Shape;316;p40"/>
-          <p:cNvSpPr txBox="1"/>
-          <p:nvPr/>
-        </p:nvSpPr>
-        <p:spPr>
-          <a:xfrm>
-            <a:off x="4804050" y="2841100"/>
-            <a:ext cx="4198800" cy="361500"/>
-          </a:xfrm>
-          <a:prstGeom prst="rect">
-            <a:avLst/>
-          </a:prstGeom>
-          <a:noFill/>
-          <a:ln>
-            <a:noFill/>
-          </a:ln>
-        </p:spPr>
-        <p:txBody>
-          <a:bodyPr anchorCtr="0" anchor="t" bIns="91425" lIns="91425" spcFirstLastPara="1" rIns="91425" wrap="square" tIns="91425">
-            <a:noAutofit/>
-          </a:bodyPr>
-          <a:lstStyle/>
           <a:p>
-            <a:pPr indent="0" lvl="0" marL="0" rtl="0" algn="l">
-              <a:spcBef>
-                <a:spcPts val="0"/>
-              </a:spcBef>
-              <a:spcAft>
-                <a:spcPts val="0"/>
-              </a:spcAft>
-              <a:buNone/>
+            <a:pPr indent="-317500" lvl="0" marL="457200" rtl="0" algn="l">
+              <a:spcBef>
+                <a:spcPts val="0"/>
+              </a:spcBef>
+              <a:spcAft>
+                <a:spcPts val="0"/>
+              </a:spcAft>
+              <a:buSzPts val="1400"/>
+              <a:buFont typeface="Georgia"/>
+              <a:buChar char="●"/>
             </a:pPr>
             <a:r>
               <a:rPr b="1" lang="fr">
@@ -14780,16 +14703,7 @@
                 <a:cs typeface="Georgia"/>
                 <a:sym typeface="Georgia"/>
               </a:rPr>
-              <a:t>Quantité</a:t>
-            </a:r>
-            <a:r>
-              <a:rPr b="1" lang="fr">
-                <a:latin typeface="Georgia"/>
-                <a:ea typeface="Georgia"/>
-                <a:cs typeface="Georgia"/>
-                <a:sym typeface="Georgia"/>
-              </a:rPr>
-              <a:t> d’achat plus importante chez les hommes</a:t>
+              <a:t>Qualitative / Qualitative</a:t>
             </a:r>
             <a:endParaRPr b="1">
               <a:latin typeface="Georgia"/>
@@ -14802,7 +14716,68 @@
       </p:sp>
       <p:sp>
         <p:nvSpPr>
-          <p:cNvPr id="317" name="Google Shape;317;p40"/>
+          <p:cNvPr id="310" name="Google Shape;310;p39"/>
+          <p:cNvSpPr txBox="1"/>
+          <p:nvPr/>
+        </p:nvSpPr>
+        <p:spPr>
+          <a:xfrm>
+            <a:off x="4804050" y="3069700"/>
+            <a:ext cx="4198800" cy="572700"/>
+          </a:xfrm>
+          <a:prstGeom prst="rect">
+            <a:avLst/>
+          </a:prstGeom>
+          <a:noFill/>
+          <a:ln>
+            <a:noFill/>
+          </a:ln>
+        </p:spPr>
+        <p:txBody>
+          <a:bodyPr anchorCtr="0" anchor="t" bIns="91425" lIns="91425" spcFirstLastPara="1" rIns="91425" wrap="square" tIns="91425">
+            <a:noAutofit/>
+          </a:bodyPr>
+          <a:lstStyle/>
+          <a:p>
+            <a:pPr indent="0" lvl="0" marL="0" rtl="0" algn="l">
+              <a:spcBef>
+                <a:spcPts val="0"/>
+              </a:spcBef>
+              <a:spcAft>
+                <a:spcPts val="0"/>
+              </a:spcAft>
+              <a:buNone/>
+            </a:pPr>
+            <a:r>
+              <a:rPr b="1" lang="fr">
+                <a:latin typeface="Georgia"/>
+                <a:ea typeface="Georgia"/>
+                <a:cs typeface="Georgia"/>
+                <a:sym typeface="Georgia"/>
+              </a:rPr>
+              <a:t>Quantité</a:t>
+            </a:r>
+            <a:r>
+              <a:rPr b="1" lang="fr">
+                <a:latin typeface="Georgia"/>
+                <a:ea typeface="Georgia"/>
+                <a:cs typeface="Georgia"/>
+                <a:sym typeface="Georgia"/>
+              </a:rPr>
+              <a:t> d’achat plus importante chez les hommes</a:t>
+            </a:r>
+            <a:endParaRPr b="1">
+              <a:latin typeface="Georgia"/>
+              <a:ea typeface="Georgia"/>
+              <a:cs typeface="Georgia"/>
+              <a:sym typeface="Georgia"/>
+            </a:endParaRPr>
+          </a:p>
+        </p:txBody>
+      </p:sp>
+      <p:sp>
+        <p:nvSpPr>
+          <p:cNvPr id="311" name="Google Shape;311;p39"/>
           <p:cNvSpPr txBox="1"/>
           <p:nvPr/>
         </p:nvSpPr>
@@ -14875,7 +14850,7 @@
       </p:sp>
       <p:sp>
         <p:nvSpPr>
-          <p:cNvPr id="318" name="Google Shape;318;p40"/>
+          <p:cNvPr id="312" name="Google Shape;312;p39"/>
           <p:cNvSpPr txBox="1"/>
           <p:nvPr/>
         </p:nvSpPr>
@@ -14924,6 +14899,369 @@
                 <a:sym typeface="Georgia"/>
               </a:rPr>
               <a:t> = 0.01</a:t>
+            </a:r>
+            <a:endParaRPr b="1">
+              <a:latin typeface="Georgia"/>
+              <a:ea typeface="Georgia"/>
+              <a:cs typeface="Georgia"/>
+              <a:sym typeface="Georgia"/>
+            </a:endParaRPr>
+          </a:p>
+        </p:txBody>
+      </p:sp>
+    </p:spTree>
+  </p:cSld>
+  <p:clrMapOvr>
+    <a:masterClrMapping/>
+  </p:clrMapOvr>
+</p:sld>
+</file>
+
+<file path=ppt/slides/slide28.xml><?xml version="1.0" encoding="utf-8"?>
+<p:sld xmlns:a="http://schemas.openxmlformats.org/drawingml/2006/main" xmlns:r="http://schemas.openxmlformats.org/officeDocument/2006/relationships" xmlns:mc="http://schemas.openxmlformats.org/markup-compatibility/2006" xmlns:mv="urn:schemas-microsoft-com:mac:vml" xmlns:p="http://schemas.openxmlformats.org/presentationml/2006/main" xmlns:c="http://schemas.openxmlformats.org/drawingml/2006/chart" xmlns:dgm="http://schemas.openxmlformats.org/drawingml/2006/diagram" xmlns:o="urn:schemas-microsoft-com:office:office" xmlns:v="urn:schemas-microsoft-com:vml" xmlns:pvml="urn:schemas-microsoft-com:office:powerpoint" xmlns:com="http://schemas.openxmlformats.org/drawingml/2006/compatibility" xmlns:p14="http://schemas.microsoft.com/office/powerpoint/2010/main" xmlns:p15="http://schemas.microsoft.com/office/powerpoint/2012/main" xmlns:ahyp="http://schemas.microsoft.com/office/drawing/2018/hyperlinkcolor">
+  <p:cSld>
+    <p:spTree>
+      <p:nvGrpSpPr>
+        <p:cNvPr id="316" name="Shape 316"/>
+        <p:cNvGrpSpPr/>
+        <p:nvPr/>
+      </p:nvGrpSpPr>
+      <p:grpSpPr>
+        <a:xfrm>
+          <a:off x="0" y="0"/>
+          <a:ext cx="0" cy="0"/>
+          <a:chOff x="0" y="0"/>
+          <a:chExt cx="0" cy="0"/>
+        </a:xfrm>
+      </p:grpSpPr>
+      <p:sp>
+        <p:nvSpPr>
+          <p:cNvPr id="317" name="Google Shape;317;p40"/>
+          <p:cNvSpPr txBox="1"/>
+          <p:nvPr/>
+        </p:nvSpPr>
+        <p:spPr>
+          <a:xfrm>
+            <a:off x="1372800" y="186350"/>
+            <a:ext cx="6398400" cy="572700"/>
+          </a:xfrm>
+          <a:prstGeom prst="rect">
+            <a:avLst/>
+          </a:prstGeom>
+          <a:noFill/>
+          <a:ln>
+            <a:noFill/>
+          </a:ln>
+        </p:spPr>
+        <p:txBody>
+          <a:bodyPr anchorCtr="0" anchor="t" bIns="91425" lIns="91425" spcFirstLastPara="1" rIns="91425" wrap="square" tIns="91425">
+            <a:noAutofit/>
+          </a:bodyPr>
+          <a:lstStyle/>
+          <a:p>
+            <a:pPr indent="0" lvl="0" marL="0" rtl="0" algn="ctr">
+              <a:spcBef>
+                <a:spcPts val="0"/>
+              </a:spcBef>
+              <a:spcAft>
+                <a:spcPts val="0"/>
+              </a:spcAft>
+              <a:buNone/>
+            </a:pPr>
+            <a:r>
+              <a:rPr lang="fr" sz="2800">
+                <a:solidFill>
+                  <a:srgbClr val="6D9EEB"/>
+                </a:solidFill>
+                <a:latin typeface="Georgia"/>
+                <a:ea typeface="Georgia"/>
+                <a:cs typeface="Georgia"/>
+                <a:sym typeface="Georgia"/>
+              </a:rPr>
+              <a:t>Analyse de Corrélation </a:t>
+            </a:r>
+            <a:endParaRPr sz="2800">
+              <a:solidFill>
+                <a:srgbClr val="6D9EEB"/>
+              </a:solidFill>
+              <a:latin typeface="Georgia"/>
+              <a:ea typeface="Georgia"/>
+              <a:cs typeface="Georgia"/>
+              <a:sym typeface="Georgia"/>
+            </a:endParaRPr>
+          </a:p>
+        </p:txBody>
+      </p:sp>
+      <p:pic>
+        <p:nvPicPr>
+          <p:cNvPr id="318" name="Google Shape;318;p40"/>
+          <p:cNvPicPr preferRelativeResize="0"/>
+          <p:nvPr/>
+        </p:nvPicPr>
+        <p:blipFill>
+          <a:blip r:embed="rId3">
+            <a:alphaModFix/>
+          </a:blip>
+          <a:stretch>
+            <a:fillRect/>
+          </a:stretch>
+        </p:blipFill>
+        <p:spPr>
+          <a:xfrm>
+            <a:off x="7801150" y="54575"/>
+            <a:ext cx="1273875" cy="1273875"/>
+          </a:xfrm>
+          <a:prstGeom prst="rect">
+            <a:avLst/>
+          </a:prstGeom>
+          <a:noFill/>
+          <a:ln>
+            <a:noFill/>
+          </a:ln>
+        </p:spPr>
+      </p:pic>
+      <p:sp>
+        <p:nvSpPr>
+          <p:cNvPr id="319" name="Google Shape;319;p40"/>
+          <p:cNvSpPr txBox="1"/>
+          <p:nvPr/>
+        </p:nvSpPr>
+        <p:spPr>
+          <a:xfrm>
+            <a:off x="103775" y="1040525"/>
+            <a:ext cx="6323700" cy="361500"/>
+          </a:xfrm>
+          <a:prstGeom prst="rect">
+            <a:avLst/>
+          </a:prstGeom>
+          <a:noFill/>
+          <a:ln>
+            <a:noFill/>
+          </a:ln>
+        </p:spPr>
+        <p:txBody>
+          <a:bodyPr anchorCtr="0" anchor="t" bIns="91425" lIns="91425" spcFirstLastPara="1" rIns="91425" wrap="square" tIns="91425">
+            <a:noAutofit/>
+          </a:bodyPr>
+          <a:lstStyle/>
+          <a:p>
+            <a:pPr indent="0" lvl="0" marL="0" rtl="0" algn="l">
+              <a:spcBef>
+                <a:spcPts val="0"/>
+              </a:spcBef>
+              <a:spcAft>
+                <a:spcPts val="0"/>
+              </a:spcAft>
+              <a:buNone/>
+            </a:pPr>
+            <a:r>
+              <a:rPr b="1" lang="fr" sz="1200" u="sng">
+                <a:latin typeface="Georgia"/>
+                <a:ea typeface="Georgia"/>
+                <a:cs typeface="Georgia"/>
+                <a:sym typeface="Georgia"/>
+              </a:rPr>
+              <a:t>Y a t-il une </a:t>
+            </a:r>
+            <a:r>
+              <a:rPr b="1" lang="fr" sz="1200" u="sng">
+                <a:latin typeface="Georgia"/>
+                <a:ea typeface="Georgia"/>
+                <a:cs typeface="Georgia"/>
+                <a:sym typeface="Georgia"/>
+              </a:rPr>
+              <a:t>corrélation</a:t>
+            </a:r>
+            <a:r>
+              <a:rPr b="1" lang="fr" sz="1200" u="sng">
+                <a:latin typeface="Georgia"/>
+                <a:ea typeface="Georgia"/>
+                <a:cs typeface="Georgia"/>
+                <a:sym typeface="Georgia"/>
+              </a:rPr>
+              <a:t> entre </a:t>
+            </a:r>
+            <a:r>
+              <a:rPr b="1" lang="fr" sz="1200" u="sng">
+                <a:latin typeface="Georgia"/>
+                <a:ea typeface="Georgia"/>
+                <a:cs typeface="Georgia"/>
+                <a:sym typeface="Georgia"/>
+              </a:rPr>
+              <a:t>l'âge</a:t>
+            </a:r>
+            <a:r>
+              <a:rPr b="1" lang="fr" sz="1200" u="sng">
+                <a:latin typeface="Georgia"/>
+                <a:ea typeface="Georgia"/>
+                <a:cs typeface="Georgia"/>
+                <a:sym typeface="Georgia"/>
+              </a:rPr>
+              <a:t> des clients et le montant total des achats ?</a:t>
+            </a:r>
+            <a:endParaRPr b="1" sz="1200" u="sng">
+              <a:latin typeface="Georgia"/>
+              <a:ea typeface="Georgia"/>
+              <a:cs typeface="Georgia"/>
+              <a:sym typeface="Georgia"/>
+            </a:endParaRPr>
+          </a:p>
+        </p:txBody>
+      </p:sp>
+      <p:pic>
+        <p:nvPicPr>
+          <p:cNvPr id="320" name="Google Shape;320;p40"/>
+          <p:cNvPicPr preferRelativeResize="0"/>
+          <p:nvPr/>
+        </p:nvPicPr>
+        <p:blipFill>
+          <a:blip r:embed="rId4">
+            <a:alphaModFix/>
+          </a:blip>
+          <a:stretch>
+            <a:fillRect/>
+          </a:stretch>
+        </p:blipFill>
+        <p:spPr>
+          <a:xfrm>
+            <a:off x="152400" y="1554425"/>
+            <a:ext cx="4684901" cy="3436675"/>
+          </a:xfrm>
+          <a:prstGeom prst="rect">
+            <a:avLst/>
+          </a:prstGeom>
+          <a:noFill/>
+          <a:ln>
+            <a:noFill/>
+          </a:ln>
+        </p:spPr>
+      </p:pic>
+      <p:sp>
+        <p:nvSpPr>
+          <p:cNvPr id="321" name="Google Shape;321;p40"/>
+          <p:cNvSpPr txBox="1"/>
+          <p:nvPr/>
+        </p:nvSpPr>
+        <p:spPr>
+          <a:xfrm>
+            <a:off x="5571500" y="2095750"/>
+            <a:ext cx="3165900" cy="1084800"/>
+          </a:xfrm>
+          <a:prstGeom prst="rect">
+            <a:avLst/>
+          </a:prstGeom>
+          <a:noFill/>
+          <a:ln>
+            <a:noFill/>
+          </a:ln>
+        </p:spPr>
+        <p:txBody>
+          <a:bodyPr anchorCtr="0" anchor="t" bIns="91425" lIns="91425" spcFirstLastPara="1" rIns="91425" wrap="square" tIns="91425">
+            <a:noAutofit/>
+          </a:bodyPr>
+          <a:lstStyle/>
+          <a:p>
+            <a:pPr indent="0" lvl="0" marL="0" rtl="0" algn="l">
+              <a:spcBef>
+                <a:spcPts val="0"/>
+              </a:spcBef>
+              <a:spcAft>
+                <a:spcPts val="0"/>
+              </a:spcAft>
+              <a:buNone/>
+            </a:pPr>
+            <a:r>
+              <a:rPr b="1" lang="fr">
+                <a:latin typeface="Georgia"/>
+                <a:ea typeface="Georgia"/>
+                <a:cs typeface="Georgia"/>
+                <a:sym typeface="Georgia"/>
+              </a:rPr>
+              <a:t>Relations :</a:t>
+            </a:r>
+            <a:endParaRPr b="1">
+              <a:latin typeface="Georgia"/>
+              <a:ea typeface="Georgia"/>
+              <a:cs typeface="Georgia"/>
+              <a:sym typeface="Georgia"/>
+            </a:endParaRPr>
+          </a:p>
+          <a:p>
+            <a:pPr indent="-317500" lvl="0" marL="457200" rtl="0" algn="l">
+              <a:spcBef>
+                <a:spcPts val="0"/>
+              </a:spcBef>
+              <a:spcAft>
+                <a:spcPts val="0"/>
+              </a:spcAft>
+              <a:buSzPts val="1400"/>
+              <a:buFont typeface="Georgia"/>
+              <a:buChar char="●"/>
+            </a:pPr>
+            <a:r>
+              <a:rPr b="1" lang="fr">
+                <a:latin typeface="Georgia"/>
+                <a:ea typeface="Georgia"/>
+                <a:cs typeface="Georgia"/>
+                <a:sym typeface="Georgia"/>
+              </a:rPr>
+              <a:t>Significative</a:t>
+            </a:r>
+            <a:endParaRPr b="1">
+              <a:latin typeface="Georgia"/>
+              <a:ea typeface="Georgia"/>
+              <a:cs typeface="Georgia"/>
+              <a:sym typeface="Georgia"/>
+            </a:endParaRPr>
+          </a:p>
+          <a:p>
+            <a:pPr indent="-317500" lvl="0" marL="457200" rtl="0" algn="l">
+              <a:spcBef>
+                <a:spcPts val="0"/>
+              </a:spcBef>
+              <a:spcAft>
+                <a:spcPts val="0"/>
+              </a:spcAft>
+              <a:buSzPts val="1400"/>
+              <a:buFont typeface="Georgia"/>
+              <a:buChar char="●"/>
+            </a:pPr>
+            <a:r>
+              <a:rPr b="1" lang="fr">
+                <a:latin typeface="Georgia"/>
+                <a:ea typeface="Georgia"/>
+                <a:cs typeface="Georgia"/>
+                <a:sym typeface="Georgia"/>
+              </a:rPr>
+              <a:t>Faible</a:t>
+            </a:r>
+            <a:endParaRPr b="1">
+              <a:latin typeface="Georgia"/>
+              <a:ea typeface="Georgia"/>
+              <a:cs typeface="Georgia"/>
+              <a:sym typeface="Georgia"/>
+            </a:endParaRPr>
+          </a:p>
+          <a:p>
+            <a:pPr indent="-317500" lvl="0" marL="457200" rtl="0" algn="l">
+              <a:spcBef>
+                <a:spcPts val="0"/>
+              </a:spcBef>
+              <a:spcAft>
+                <a:spcPts val="0"/>
+              </a:spcAft>
+              <a:buSzPts val="1400"/>
+              <a:buFont typeface="Georgia"/>
+              <a:buChar char="●"/>
+            </a:pPr>
+            <a:r>
+              <a:rPr b="1" lang="fr">
+                <a:latin typeface="Georgia"/>
+                <a:ea typeface="Georgia"/>
+                <a:cs typeface="Georgia"/>
+                <a:sym typeface="Georgia"/>
+              </a:rPr>
+              <a:t>Quantitative / Quantitative</a:t>
             </a:r>
             <a:endParaRPr b="1">
               <a:latin typeface="Georgia"/>
@@ -14947,7 +15285,7 @@
   <p:cSld>
     <p:spTree>
       <p:nvGrpSpPr>
-        <p:cNvPr id="322" name="Shape 322"/>
+        <p:cNvPr id="325" name="Shape 325"/>
         <p:cNvGrpSpPr/>
         <p:nvPr/>
       </p:nvGrpSpPr>
@@ -14961,7 +15299,7 @@
       </p:grpSpPr>
       <p:sp>
         <p:nvSpPr>
-          <p:cNvPr id="323" name="Google Shape;323;p41"/>
+          <p:cNvPr id="326" name="Google Shape;326;p41"/>
           <p:cNvSpPr txBox="1"/>
           <p:nvPr/>
         </p:nvSpPr>
@@ -15019,7 +15357,7 @@
       </p:sp>
       <p:pic>
         <p:nvPicPr>
-          <p:cNvPr id="324" name="Google Shape;324;p41"/>
+          <p:cNvPr id="327" name="Google Shape;327;p41"/>
           <p:cNvPicPr preferRelativeResize="0"/>
           <p:nvPr/>
         </p:nvPicPr>
@@ -15047,14 +15385,14 @@
       </p:pic>
       <p:sp>
         <p:nvSpPr>
-          <p:cNvPr id="325" name="Google Shape;325;p41"/>
+          <p:cNvPr id="328" name="Google Shape;328;p41"/>
           <p:cNvSpPr txBox="1"/>
           <p:nvPr/>
         </p:nvSpPr>
         <p:spPr>
           <a:xfrm>
             <a:off x="103775" y="1040525"/>
-            <a:ext cx="6102300" cy="361500"/>
+            <a:ext cx="6279600" cy="361500"/>
           </a:xfrm>
           <a:prstGeom prst="rect">
             <a:avLst/>
@@ -15080,51 +15418,15 @@
               <a:buNone/>
             </a:pPr>
             <a:r>
-              <a:rPr b="1" lang="fr" sz="1200">
+              <a:rPr b="1" lang="fr" sz="1200" u="sng">
                 <a:latin typeface="Georgia"/>
                 <a:ea typeface="Georgia"/>
                 <a:cs typeface="Georgia"/>
                 <a:sym typeface="Georgia"/>
               </a:rPr>
-              <a:t>Y a t-il une </a:t>
-            </a:r>
-            <a:r>
-              <a:rPr b="1" lang="fr" sz="1200">
-                <a:latin typeface="Georgia"/>
-                <a:ea typeface="Georgia"/>
-                <a:cs typeface="Georgia"/>
-                <a:sym typeface="Georgia"/>
-              </a:rPr>
-              <a:t>corrélation</a:t>
-            </a:r>
-            <a:r>
-              <a:rPr b="1" lang="fr" sz="1200">
-                <a:latin typeface="Georgia"/>
-                <a:ea typeface="Georgia"/>
-                <a:cs typeface="Georgia"/>
-                <a:sym typeface="Georgia"/>
-              </a:rPr>
-              <a:t> entre </a:t>
-            </a:r>
-            <a:r>
-              <a:rPr b="1" lang="fr" sz="1200">
-                <a:latin typeface="Georgia"/>
-                <a:ea typeface="Georgia"/>
-                <a:cs typeface="Georgia"/>
-                <a:sym typeface="Georgia"/>
-              </a:rPr>
-              <a:t>l'âge</a:t>
-            </a:r>
-            <a:r>
-              <a:rPr b="1" lang="fr" sz="1200">
-                <a:latin typeface="Georgia"/>
-                <a:ea typeface="Georgia"/>
-                <a:cs typeface="Georgia"/>
-                <a:sym typeface="Georgia"/>
-              </a:rPr>
-              <a:t> des clients et le montant total des chats ?</a:t>
-            </a:r>
-            <a:endParaRPr b="1" sz="1200">
+              <a:t>Y a t-il une corrélation entre l'âge des clients et le montant total des achats ?</a:t>
+            </a:r>
+            <a:endParaRPr b="1" sz="1200" u="sng">
               <a:latin typeface="Georgia"/>
               <a:ea typeface="Georgia"/>
               <a:cs typeface="Georgia"/>
@@ -15135,7 +15437,7 @@
       </p:sp>
       <p:pic>
         <p:nvPicPr>
-          <p:cNvPr id="326" name="Google Shape;326;p41"/>
+          <p:cNvPr id="329" name="Google Shape;329;p41"/>
           <p:cNvPicPr preferRelativeResize="0"/>
           <p:nvPr/>
         </p:nvPicPr>
@@ -15150,7 +15452,7 @@
         <p:spPr>
           <a:xfrm>
             <a:off x="152400" y="1554425"/>
-            <a:ext cx="4684901" cy="3436675"/>
+            <a:ext cx="4601102" cy="3436675"/>
           </a:xfrm>
           <a:prstGeom prst="rect">
             <a:avLst/>
@@ -15163,7 +15465,7 @@
       </p:pic>
       <p:sp>
         <p:nvSpPr>
-          <p:cNvPr id="327" name="Google Shape;327;p41"/>
+          <p:cNvPr id="330" name="Google Shape;330;p41"/>
           <p:cNvSpPr txBox="1"/>
           <p:nvPr/>
         </p:nvSpPr>
@@ -15258,7 +15560,7 @@
                 <a:cs typeface="Georgia"/>
                 <a:sym typeface="Georgia"/>
               </a:rPr>
-              <a:t>Faible</a:t>
+              <a:t>Forte</a:t>
             </a:r>
             <a:endParaRPr b="1">
               <a:latin typeface="Georgia"/>
@@ -15640,7 +15942,7 @@
             <a:tbl>
               <a:tblPr>
                 <a:noFill/>
-                <a:tableStyleId>{6D14CE44-F0E2-440E-A45F-8DAD497C3227}</a:tableStyleId>
+                <a:tableStyleId>{D2AAB2BA-8BE6-46A1-9F23-97ED9889CC92}</a:tableStyleId>
               </a:tblPr>
               <a:tblGrid>
                 <a:gridCol w="2052325"/>
@@ -15885,7 +16187,7 @@
   <p:cSld>
     <p:spTree>
       <p:nvGrpSpPr>
-        <p:cNvPr id="331" name="Shape 331"/>
+        <p:cNvPr id="334" name="Shape 334"/>
         <p:cNvGrpSpPr/>
         <p:nvPr/>
       </p:nvGrpSpPr>
@@ -15899,7 +16201,7 @@
       </p:grpSpPr>
       <p:sp>
         <p:nvSpPr>
-          <p:cNvPr id="332" name="Google Shape;332;p42"/>
+          <p:cNvPr id="335" name="Google Shape;335;p42"/>
           <p:cNvSpPr txBox="1"/>
           <p:nvPr/>
         </p:nvSpPr>
@@ -15957,7 +16259,7 @@
       </p:sp>
       <p:pic>
         <p:nvPicPr>
-          <p:cNvPr id="333" name="Google Shape;333;p42"/>
+          <p:cNvPr id="336" name="Google Shape;336;p42"/>
           <p:cNvPicPr preferRelativeResize="0"/>
           <p:nvPr/>
         </p:nvPicPr>
@@ -15985,7 +16287,7 @@
       </p:pic>
       <p:sp>
         <p:nvSpPr>
-          <p:cNvPr id="334" name="Google Shape;334;p42"/>
+          <p:cNvPr id="337" name="Google Shape;337;p42"/>
           <p:cNvSpPr txBox="1"/>
           <p:nvPr/>
         </p:nvSpPr>
@@ -16018,15 +16320,33 @@
               <a:buNone/>
             </a:pPr>
             <a:r>
-              <a:rPr b="1" lang="fr" sz="1200">
+              <a:rPr b="1" lang="fr" sz="1200" u="sng">
                 <a:latin typeface="Georgia"/>
                 <a:ea typeface="Georgia"/>
                 <a:cs typeface="Georgia"/>
                 <a:sym typeface="Georgia"/>
               </a:rPr>
-              <a:t>Y a t-il une corrélation entre l'âge des clients et le montant total des chats ?</a:t>
-            </a:r>
-            <a:endParaRPr b="1" sz="1200">
+              <a:t>Y a t-il une corrélation entre l'âge des clients et la </a:t>
+            </a:r>
+            <a:r>
+              <a:rPr b="1" lang="fr" sz="1200" u="sng">
+                <a:latin typeface="Georgia"/>
+                <a:ea typeface="Georgia"/>
+                <a:cs typeface="Georgia"/>
+                <a:sym typeface="Georgia"/>
+              </a:rPr>
+              <a:t>fréquence</a:t>
+            </a:r>
+            <a:r>
+              <a:rPr b="1" lang="fr" sz="1200" u="sng">
+                <a:latin typeface="Georgia"/>
+                <a:ea typeface="Georgia"/>
+                <a:cs typeface="Georgia"/>
+                <a:sym typeface="Georgia"/>
+              </a:rPr>
+              <a:t> d’achat ?</a:t>
+            </a:r>
+            <a:endParaRPr b="1" sz="1200" u="sng">
               <a:latin typeface="Georgia"/>
               <a:ea typeface="Georgia"/>
               <a:cs typeface="Georgia"/>
@@ -16037,7 +16357,7 @@
       </p:sp>
       <p:pic>
         <p:nvPicPr>
-          <p:cNvPr id="335" name="Google Shape;335;p42"/>
+          <p:cNvPr id="338" name="Google Shape;338;p42"/>
           <p:cNvPicPr preferRelativeResize="0"/>
           <p:nvPr/>
         </p:nvPicPr>
@@ -16052,7 +16372,7 @@
         <p:spPr>
           <a:xfrm>
             <a:off x="152400" y="1554425"/>
-            <a:ext cx="4601102" cy="3436675"/>
+            <a:ext cx="4568851" cy="3436675"/>
           </a:xfrm>
           <a:prstGeom prst="rect">
             <a:avLst/>
@@ -16065,14 +16385,14 @@
       </p:pic>
       <p:sp>
         <p:nvSpPr>
-          <p:cNvPr id="336" name="Google Shape;336;p42"/>
+          <p:cNvPr id="339" name="Google Shape;339;p42"/>
           <p:cNvSpPr txBox="1"/>
           <p:nvPr/>
         </p:nvSpPr>
         <p:spPr>
           <a:xfrm>
-            <a:off x="5571500" y="2095738"/>
-            <a:ext cx="3025500" cy="789600"/>
+            <a:off x="5571500" y="2095750"/>
+            <a:ext cx="3335400" cy="1025700"/>
           </a:xfrm>
           <a:prstGeom prst="rect">
             <a:avLst/>
@@ -16160,7 +16480,35 @@
                 <a:cs typeface="Georgia"/>
                 <a:sym typeface="Georgia"/>
               </a:rPr>
-              <a:t>Forte</a:t>
+              <a:t>Faible</a:t>
+            </a:r>
+            <a:endParaRPr b="1">
+              <a:latin typeface="Georgia"/>
+              <a:ea typeface="Georgia"/>
+              <a:cs typeface="Georgia"/>
+              <a:sym typeface="Georgia"/>
+            </a:endParaRPr>
+          </a:p>
+          <a:p>
+            <a:pPr indent="-317500" lvl="0" marL="457200" rtl="0" algn="l">
+              <a:spcBef>
+                <a:spcPts val="0"/>
+              </a:spcBef>
+              <a:spcAft>
+                <a:spcPts val="0"/>
+              </a:spcAft>
+              <a:buSzPts val="1400"/>
+              <a:buFont typeface="Georgia"/>
+              <a:buChar char="●"/>
+            </a:pPr>
+            <a:r>
+              <a:rPr b="1" lang="fr">
+                <a:latin typeface="Georgia"/>
+                <a:ea typeface="Georgia"/>
+                <a:cs typeface="Georgia"/>
+                <a:sym typeface="Georgia"/>
+              </a:rPr>
+              <a:t>Quantitative / Quantitative</a:t>
             </a:r>
             <a:endParaRPr b="1">
               <a:latin typeface="Georgia"/>
@@ -16184,7 +16532,7 @@
   <p:cSld>
     <p:spTree>
       <p:nvGrpSpPr>
-        <p:cNvPr id="340" name="Shape 340"/>
+        <p:cNvPr id="343" name="Shape 343"/>
         <p:cNvGrpSpPr/>
         <p:nvPr/>
       </p:nvGrpSpPr>
@@ -16198,7 +16546,7 @@
       </p:grpSpPr>
       <p:sp>
         <p:nvSpPr>
-          <p:cNvPr id="341" name="Google Shape;341;p43"/>
+          <p:cNvPr id="344" name="Google Shape;344;p43"/>
           <p:cNvSpPr txBox="1"/>
           <p:nvPr/>
         </p:nvSpPr>
@@ -16256,7 +16604,7 @@
       </p:sp>
       <p:pic>
         <p:nvPicPr>
-          <p:cNvPr id="342" name="Google Shape;342;p43"/>
+          <p:cNvPr id="345" name="Google Shape;345;p43"/>
           <p:cNvPicPr preferRelativeResize="0"/>
           <p:nvPr/>
         </p:nvPicPr>
@@ -16284,7 +16632,7 @@
       </p:pic>
       <p:sp>
         <p:nvSpPr>
-          <p:cNvPr id="343" name="Google Shape;343;p43"/>
+          <p:cNvPr id="346" name="Google Shape;346;p43"/>
           <p:cNvSpPr txBox="1"/>
           <p:nvPr/>
         </p:nvSpPr>
@@ -16317,33 +16665,15 @@
               <a:buNone/>
             </a:pPr>
             <a:r>
-              <a:rPr b="1" lang="fr" sz="1200">
+              <a:rPr b="1" lang="fr" sz="1200" u="sng">
                 <a:latin typeface="Georgia"/>
                 <a:ea typeface="Georgia"/>
                 <a:cs typeface="Georgia"/>
                 <a:sym typeface="Georgia"/>
               </a:rPr>
-              <a:t>Y a t-il une corrélation entre l'âge des clients et la </a:t>
-            </a:r>
-            <a:r>
-              <a:rPr b="1" lang="fr" sz="1200">
-                <a:latin typeface="Georgia"/>
-                <a:ea typeface="Georgia"/>
-                <a:cs typeface="Georgia"/>
-                <a:sym typeface="Georgia"/>
-              </a:rPr>
-              <a:t>fréquence</a:t>
-            </a:r>
-            <a:r>
-              <a:rPr b="1" lang="fr" sz="1200">
-                <a:latin typeface="Georgia"/>
-                <a:ea typeface="Georgia"/>
-                <a:cs typeface="Georgia"/>
-                <a:sym typeface="Georgia"/>
-              </a:rPr>
-              <a:t> d’achat?</a:t>
-            </a:r>
-            <a:endParaRPr b="1" sz="1200">
+              <a:t>Y a t-il une corrélation entre l'âge des clients et la fréquence d’achat ?</a:t>
+            </a:r>
+            <a:endParaRPr b="1" sz="1200" u="sng">
               <a:latin typeface="Georgia"/>
               <a:ea typeface="Georgia"/>
               <a:cs typeface="Georgia"/>
@@ -16354,7 +16684,7 @@
       </p:sp>
       <p:pic>
         <p:nvPicPr>
-          <p:cNvPr id="344" name="Google Shape;344;p43"/>
+          <p:cNvPr id="347" name="Google Shape;347;p43"/>
           <p:cNvPicPr preferRelativeResize="0"/>
           <p:nvPr/>
         </p:nvPicPr>
@@ -16369,7 +16699,7 @@
         <p:spPr>
           <a:xfrm>
             <a:off x="152400" y="1554425"/>
-            <a:ext cx="4568851" cy="3436675"/>
+            <a:ext cx="4832320" cy="3436675"/>
           </a:xfrm>
           <a:prstGeom prst="rect">
             <a:avLst/>
@@ -16382,7 +16712,7 @@
       </p:pic>
       <p:sp>
         <p:nvSpPr>
-          <p:cNvPr id="345" name="Google Shape;345;p43"/>
+          <p:cNvPr id="348" name="Google Shape;348;p43"/>
           <p:cNvSpPr txBox="1"/>
           <p:nvPr/>
         </p:nvSpPr>
@@ -16449,35 +16779,7 @@
                 <a:cs typeface="Georgia"/>
                 <a:sym typeface="Georgia"/>
               </a:rPr>
-              <a:t>Significative</a:t>
-            </a:r>
-            <a:endParaRPr b="1">
-              <a:latin typeface="Georgia"/>
-              <a:ea typeface="Georgia"/>
-              <a:cs typeface="Georgia"/>
-              <a:sym typeface="Georgia"/>
-            </a:endParaRPr>
-          </a:p>
-          <a:p>
-            <a:pPr indent="-317500" lvl="0" marL="457200" rtl="0" algn="l">
-              <a:spcBef>
-                <a:spcPts val="0"/>
-              </a:spcBef>
-              <a:spcAft>
-                <a:spcPts val="0"/>
-              </a:spcAft>
-              <a:buSzPts val="1400"/>
-              <a:buFont typeface="Georgia"/>
-              <a:buChar char="●"/>
-            </a:pPr>
-            <a:r>
-              <a:rPr b="1" lang="fr">
-                <a:latin typeface="Georgia"/>
-                <a:ea typeface="Georgia"/>
-                <a:cs typeface="Georgia"/>
-                <a:sym typeface="Georgia"/>
-              </a:rPr>
-              <a:t>Faible</a:t>
+              <a:t>Non Significative</a:t>
             </a:r>
             <a:endParaRPr b="1">
               <a:latin typeface="Georgia"/>
@@ -16501,7 +16803,7 @@
   <p:cSld>
     <p:spTree>
       <p:nvGrpSpPr>
-        <p:cNvPr id="349" name="Shape 349"/>
+        <p:cNvPr id="352" name="Shape 352"/>
         <p:cNvGrpSpPr/>
         <p:nvPr/>
       </p:nvGrpSpPr>
@@ -16515,7 +16817,7 @@
       </p:grpSpPr>
       <p:sp>
         <p:nvSpPr>
-          <p:cNvPr id="350" name="Google Shape;350;p44"/>
+          <p:cNvPr id="353" name="Google Shape;353;p44"/>
           <p:cNvSpPr txBox="1"/>
           <p:nvPr/>
         </p:nvSpPr>
@@ -16573,7 +16875,7 @@
       </p:sp>
       <p:pic>
         <p:nvPicPr>
-          <p:cNvPr id="351" name="Google Shape;351;p44"/>
+          <p:cNvPr id="354" name="Google Shape;354;p44"/>
           <p:cNvPicPr preferRelativeResize="0"/>
           <p:nvPr/>
         </p:nvPicPr>
@@ -16601,7 +16903,7 @@
       </p:pic>
       <p:sp>
         <p:nvSpPr>
-          <p:cNvPr id="352" name="Google Shape;352;p44"/>
+          <p:cNvPr id="355" name="Google Shape;355;p44"/>
           <p:cNvSpPr txBox="1"/>
           <p:nvPr/>
         </p:nvSpPr>
@@ -16634,15 +16936,15 @@
               <a:buNone/>
             </a:pPr>
             <a:r>
-              <a:rPr b="1" lang="fr" sz="1200">
+              <a:rPr b="1" lang="fr" sz="1200" u="sng">
                 <a:latin typeface="Georgia"/>
                 <a:ea typeface="Georgia"/>
                 <a:cs typeface="Georgia"/>
                 <a:sym typeface="Georgia"/>
               </a:rPr>
-              <a:t>Y a t-il une corrélation entre l'âge des clients et la fréquence d’achat?</a:t>
-            </a:r>
-            <a:endParaRPr b="1" sz="1200">
+              <a:t>Y a t-il une corrélation entre l'âge des clients et la taille du panier moyen ?</a:t>
+            </a:r>
+            <a:endParaRPr b="1" sz="1200" u="sng">
               <a:latin typeface="Georgia"/>
               <a:ea typeface="Georgia"/>
               <a:cs typeface="Georgia"/>
@@ -16653,7 +16955,7 @@
       </p:sp>
       <p:pic>
         <p:nvPicPr>
-          <p:cNvPr id="353" name="Google Shape;353;p44"/>
+          <p:cNvPr id="356" name="Google Shape;356;p44"/>
           <p:cNvPicPr preferRelativeResize="0"/>
           <p:nvPr/>
         </p:nvPicPr>
@@ -16668,7 +16970,7 @@
         <p:spPr>
           <a:xfrm>
             <a:off x="152400" y="1554425"/>
-            <a:ext cx="4832320" cy="3436675"/>
+            <a:ext cx="4568757" cy="3436675"/>
           </a:xfrm>
           <a:prstGeom prst="rect">
             <a:avLst/>
@@ -16681,14 +16983,14 @@
       </p:pic>
       <p:sp>
         <p:nvSpPr>
-          <p:cNvPr id="354" name="Google Shape;354;p44"/>
+          <p:cNvPr id="357" name="Google Shape;357;p44"/>
           <p:cNvSpPr txBox="1"/>
           <p:nvPr/>
         </p:nvSpPr>
         <p:spPr>
           <a:xfrm>
-            <a:off x="5571500" y="2095738"/>
-            <a:ext cx="3025500" cy="789600"/>
+            <a:off x="5571500" y="2095750"/>
+            <a:ext cx="3283800" cy="1062600"/>
           </a:xfrm>
           <a:prstGeom prst="rect">
             <a:avLst/>
@@ -16748,7 +17050,63 @@
                 <a:cs typeface="Georgia"/>
                 <a:sym typeface="Georgia"/>
               </a:rPr>
-              <a:t>Non Significative</a:t>
+              <a:t>Significative</a:t>
+            </a:r>
+            <a:endParaRPr b="1">
+              <a:latin typeface="Georgia"/>
+              <a:ea typeface="Georgia"/>
+              <a:cs typeface="Georgia"/>
+              <a:sym typeface="Georgia"/>
+            </a:endParaRPr>
+          </a:p>
+          <a:p>
+            <a:pPr indent="-317500" lvl="0" marL="457200" rtl="0" algn="l">
+              <a:spcBef>
+                <a:spcPts val="0"/>
+              </a:spcBef>
+              <a:spcAft>
+                <a:spcPts val="0"/>
+              </a:spcAft>
+              <a:buSzPts val="1400"/>
+              <a:buFont typeface="Georgia"/>
+              <a:buChar char="●"/>
+            </a:pPr>
+            <a:r>
+              <a:rPr b="1" lang="fr">
+                <a:latin typeface="Georgia"/>
+                <a:ea typeface="Georgia"/>
+                <a:cs typeface="Georgia"/>
+                <a:sym typeface="Georgia"/>
+              </a:rPr>
+              <a:t>Faible</a:t>
+            </a:r>
+            <a:endParaRPr b="1">
+              <a:latin typeface="Georgia"/>
+              <a:ea typeface="Georgia"/>
+              <a:cs typeface="Georgia"/>
+              <a:sym typeface="Georgia"/>
+            </a:endParaRPr>
+          </a:p>
+          <a:p>
+            <a:pPr indent="-317500" lvl="0" marL="457200" rtl="0" algn="l">
+              <a:spcBef>
+                <a:spcPts val="0"/>
+              </a:spcBef>
+              <a:spcAft>
+                <a:spcPts val="0"/>
+              </a:spcAft>
+              <a:buSzPts val="1400"/>
+              <a:buFont typeface="Georgia"/>
+              <a:buChar char="●"/>
+            </a:pPr>
+            <a:r>
+              <a:rPr b="1" lang="fr">
+                <a:latin typeface="Georgia"/>
+                <a:ea typeface="Georgia"/>
+                <a:cs typeface="Georgia"/>
+                <a:sym typeface="Georgia"/>
+              </a:rPr>
+              <a:t>Quantitative / Quantitative</a:t>
             </a:r>
             <a:endParaRPr b="1">
               <a:latin typeface="Georgia"/>
@@ -16772,7 +17130,7 @@
   <p:cSld>
     <p:spTree>
       <p:nvGrpSpPr>
-        <p:cNvPr id="358" name="Shape 358"/>
+        <p:cNvPr id="361" name="Shape 361"/>
         <p:cNvGrpSpPr/>
         <p:nvPr/>
       </p:nvGrpSpPr>
@@ -16786,7 +17144,7 @@
       </p:grpSpPr>
       <p:sp>
         <p:nvSpPr>
-          <p:cNvPr id="359" name="Google Shape;359;p45"/>
+          <p:cNvPr id="362" name="Google Shape;362;p45"/>
           <p:cNvSpPr txBox="1"/>
           <p:nvPr/>
         </p:nvSpPr>
@@ -16844,7 +17202,7 @@
       </p:sp>
       <p:pic>
         <p:nvPicPr>
-          <p:cNvPr id="360" name="Google Shape;360;p45"/>
+          <p:cNvPr id="363" name="Google Shape;363;p45"/>
           <p:cNvPicPr preferRelativeResize="0"/>
           <p:nvPr/>
         </p:nvPicPr>
@@ -16872,7 +17230,7 @@
       </p:pic>
       <p:sp>
         <p:nvSpPr>
-          <p:cNvPr id="361" name="Google Shape;361;p45"/>
+          <p:cNvPr id="364" name="Google Shape;364;p45"/>
           <p:cNvSpPr txBox="1"/>
           <p:nvPr/>
         </p:nvSpPr>
@@ -16905,7 +17263,7 @@
               <a:buNone/>
             </a:pPr>
             <a:r>
-              <a:rPr b="1" lang="fr" sz="1200">
+              <a:rPr b="1" lang="fr" sz="1200" u="sng">
                 <a:latin typeface="Georgia"/>
                 <a:ea typeface="Georgia"/>
                 <a:cs typeface="Georgia"/>
@@ -16913,7 +17271,7 @@
               </a:rPr>
               <a:t>Y a t-il une corrélation entre l'âge des clients et la taille du panier moyen ?</a:t>
             </a:r>
-            <a:endParaRPr b="1" sz="1200">
+            <a:endParaRPr b="1" sz="1200" u="sng">
               <a:latin typeface="Georgia"/>
               <a:ea typeface="Georgia"/>
               <a:cs typeface="Georgia"/>
@@ -16924,7 +17282,7 @@
       </p:sp>
       <p:pic>
         <p:nvPicPr>
-          <p:cNvPr id="362" name="Google Shape;362;p45"/>
+          <p:cNvPr id="365" name="Google Shape;365;p45"/>
           <p:cNvPicPr preferRelativeResize="0"/>
           <p:nvPr/>
         </p:nvPicPr>
@@ -16939,7 +17297,7 @@
         <p:spPr>
           <a:xfrm>
             <a:off x="152400" y="1554425"/>
-            <a:ext cx="4568757" cy="3436675"/>
+            <a:ext cx="4715249" cy="3436675"/>
           </a:xfrm>
           <a:prstGeom prst="rect">
             <a:avLst/>
@@ -16952,14 +17310,14 @@
       </p:pic>
       <p:sp>
         <p:nvSpPr>
-          <p:cNvPr id="363" name="Google Shape;363;p45"/>
+          <p:cNvPr id="366" name="Google Shape;366;p45"/>
           <p:cNvSpPr txBox="1"/>
           <p:nvPr/>
         </p:nvSpPr>
         <p:spPr>
           <a:xfrm>
-            <a:off x="5571500" y="2095738"/>
-            <a:ext cx="3025500" cy="789600"/>
+            <a:off x="5571500" y="2095753"/>
+            <a:ext cx="3025500" cy="988800"/>
           </a:xfrm>
           <a:prstGeom prst="rect">
             <a:avLst/>
@@ -17019,7 +17377,7 @@
                 <a:cs typeface="Georgia"/>
                 <a:sym typeface="Georgia"/>
               </a:rPr>
-              <a:t>Significative</a:t>
+              <a:t>Non Significative</a:t>
             </a:r>
             <a:endParaRPr b="1">
               <a:latin typeface="Georgia"/>
@@ -17047,7 +17405,53 @@
                 <a:cs typeface="Georgia"/>
                 <a:sym typeface="Georgia"/>
               </a:rPr>
-              <a:t>Faible</a:t>
+              <a:t>Chute </a:t>
+            </a:r>
+            <a:r>
+              <a:rPr b="1" lang="fr">
+                <a:latin typeface="Georgia"/>
+                <a:ea typeface="Georgia"/>
+                <a:cs typeface="Georgia"/>
+                <a:sym typeface="Georgia"/>
+              </a:rPr>
+              <a:t>après</a:t>
+            </a:r>
+            <a:r>
+              <a:rPr b="1" lang="fr">
+                <a:latin typeface="Georgia"/>
+                <a:ea typeface="Georgia"/>
+                <a:cs typeface="Georgia"/>
+                <a:sym typeface="Georgia"/>
+              </a:rPr>
+              <a:t> 50 ans</a:t>
+            </a:r>
+            <a:endParaRPr b="1">
+              <a:latin typeface="Georgia"/>
+              <a:ea typeface="Georgia"/>
+              <a:cs typeface="Georgia"/>
+              <a:sym typeface="Georgia"/>
+            </a:endParaRPr>
+          </a:p>
+          <a:p>
+            <a:pPr indent="-317500" lvl="0" marL="457200" rtl="0" algn="l">
+              <a:spcBef>
+                <a:spcPts val="0"/>
+              </a:spcBef>
+              <a:spcAft>
+                <a:spcPts val="0"/>
+              </a:spcAft>
+              <a:buSzPts val="1400"/>
+              <a:buFont typeface="Georgia"/>
+              <a:buChar char="●"/>
+            </a:pPr>
+            <a:r>
+              <a:rPr b="1" lang="fr">
+                <a:latin typeface="Georgia"/>
+                <a:ea typeface="Georgia"/>
+                <a:cs typeface="Georgia"/>
+                <a:sym typeface="Georgia"/>
+              </a:rPr>
+              <a:t>Segmentation</a:t>
             </a:r>
             <a:endParaRPr b="1">
               <a:latin typeface="Georgia"/>
@@ -17071,7 +17475,7 @@
   <p:cSld>
     <p:spTree>
       <p:nvGrpSpPr>
-        <p:cNvPr id="367" name="Shape 367"/>
+        <p:cNvPr id="370" name="Shape 370"/>
         <p:cNvGrpSpPr/>
         <p:nvPr/>
       </p:nvGrpSpPr>
@@ -17085,7 +17489,7 @@
       </p:grpSpPr>
       <p:sp>
         <p:nvSpPr>
-          <p:cNvPr id="368" name="Google Shape;368;p46"/>
+          <p:cNvPr id="371" name="Google Shape;371;p46"/>
           <p:cNvSpPr txBox="1"/>
           <p:nvPr/>
         </p:nvSpPr>
@@ -17143,7 +17547,7 @@
       </p:sp>
       <p:pic>
         <p:nvPicPr>
-          <p:cNvPr id="369" name="Google Shape;369;p46"/>
+          <p:cNvPr id="372" name="Google Shape;372;p46"/>
           <p:cNvPicPr preferRelativeResize="0"/>
           <p:nvPr/>
         </p:nvPicPr>
@@ -17171,14 +17575,14 @@
       </p:pic>
       <p:sp>
         <p:nvSpPr>
-          <p:cNvPr id="370" name="Google Shape;370;p46"/>
+          <p:cNvPr id="373" name="Google Shape;373;p46"/>
           <p:cNvSpPr txBox="1"/>
           <p:nvPr/>
         </p:nvSpPr>
         <p:spPr>
           <a:xfrm>
             <a:off x="103775" y="1040525"/>
-            <a:ext cx="6102300" cy="361500"/>
+            <a:ext cx="7054200" cy="361500"/>
           </a:xfrm>
           <a:prstGeom prst="rect">
             <a:avLst/>
@@ -17204,15 +17608,51 @@
               <a:buNone/>
             </a:pPr>
             <a:r>
-              <a:rPr b="1" lang="fr" sz="1200">
+              <a:rPr b="1" lang="fr" sz="1200" u="sng">
                 <a:latin typeface="Georgia"/>
                 <a:ea typeface="Georgia"/>
                 <a:cs typeface="Georgia"/>
                 <a:sym typeface="Georgia"/>
               </a:rPr>
-              <a:t>Y a t-il une corrélation entre l'âge des clients et la taille du panier moyen ?</a:t>
-            </a:r>
-            <a:endParaRPr b="1" sz="1200">
+              <a:t>Y a t-il une corrélation entre l'âge des clients et les </a:t>
+            </a:r>
+            <a:r>
+              <a:rPr b="1" lang="fr" sz="1200" u="sng">
+                <a:latin typeface="Georgia"/>
+                <a:ea typeface="Georgia"/>
+                <a:cs typeface="Georgia"/>
+                <a:sym typeface="Georgia"/>
+              </a:rPr>
+              <a:t>catégories</a:t>
+            </a:r>
+            <a:r>
+              <a:rPr b="1" lang="fr" sz="1200" u="sng">
+                <a:latin typeface="Georgia"/>
+                <a:ea typeface="Georgia"/>
+                <a:cs typeface="Georgia"/>
+                <a:sym typeface="Georgia"/>
+              </a:rPr>
+              <a:t> de produits </a:t>
+            </a:r>
+            <a:r>
+              <a:rPr b="1" lang="fr" sz="1200" u="sng">
+                <a:latin typeface="Georgia"/>
+                <a:ea typeface="Georgia"/>
+                <a:cs typeface="Georgia"/>
+                <a:sym typeface="Georgia"/>
+              </a:rPr>
+              <a:t>achetés</a:t>
+            </a:r>
+            <a:r>
+              <a:rPr b="1" lang="fr" sz="1200" u="sng">
+                <a:latin typeface="Georgia"/>
+                <a:ea typeface="Georgia"/>
+                <a:cs typeface="Georgia"/>
+                <a:sym typeface="Georgia"/>
+              </a:rPr>
+              <a:t> ?</a:t>
+            </a:r>
+            <a:endParaRPr b="1" sz="1200" u="sng">
               <a:latin typeface="Georgia"/>
               <a:ea typeface="Georgia"/>
               <a:cs typeface="Georgia"/>
@@ -17223,7 +17663,7 @@
       </p:sp>
       <p:pic>
         <p:nvPicPr>
-          <p:cNvPr id="371" name="Google Shape;371;p46"/>
+          <p:cNvPr id="374" name="Google Shape;374;p46"/>
           <p:cNvPicPr preferRelativeResize="0"/>
           <p:nvPr/>
         </p:nvPicPr>
@@ -17238,7 +17678,7 @@
         <p:spPr>
           <a:xfrm>
             <a:off x="152400" y="1554425"/>
-            <a:ext cx="4715249" cy="3436675"/>
+            <a:ext cx="4400229" cy="3436675"/>
           </a:xfrm>
           <a:prstGeom prst="rect">
             <a:avLst/>
@@ -17251,7 +17691,77 @@
       </p:pic>
       <p:sp>
         <p:nvSpPr>
-          <p:cNvPr id="372" name="Google Shape;372;p46"/>
+          <p:cNvPr id="375" name="Google Shape;375;p46"/>
+          <p:cNvSpPr txBox="1"/>
+          <p:nvPr/>
+        </p:nvSpPr>
+        <p:spPr>
+          <a:xfrm>
+            <a:off x="5375900" y="3390788"/>
+            <a:ext cx="3416700" cy="465000"/>
+          </a:xfrm>
+          <a:prstGeom prst="rect">
+            <a:avLst/>
+          </a:prstGeom>
+          <a:noFill/>
+          <a:ln>
+            <a:noFill/>
+          </a:ln>
+        </p:spPr>
+        <p:txBody>
+          <a:bodyPr anchorCtr="0" anchor="t" bIns="91425" lIns="91425" spcFirstLastPara="1" rIns="91425" wrap="square" tIns="91425">
+            <a:noAutofit/>
+          </a:bodyPr>
+          <a:lstStyle/>
+          <a:p>
+            <a:pPr indent="0" lvl="0" marL="0" rtl="0" algn="l">
+              <a:spcBef>
+                <a:spcPts val="0"/>
+              </a:spcBef>
+              <a:spcAft>
+                <a:spcPts val="0"/>
+              </a:spcAft>
+              <a:buNone/>
+            </a:pPr>
+            <a:r>
+              <a:rPr b="1" lang="fr">
+                <a:latin typeface="Georgia"/>
+                <a:ea typeface="Georgia"/>
+                <a:cs typeface="Georgia"/>
+                <a:sym typeface="Georgia"/>
+              </a:rPr>
+              <a:t>Distribution </a:t>
+            </a:r>
+            <a:r>
+              <a:rPr b="1" lang="fr">
+                <a:latin typeface="Georgia"/>
+                <a:ea typeface="Georgia"/>
+                <a:cs typeface="Georgia"/>
+                <a:sym typeface="Georgia"/>
+              </a:rPr>
+              <a:t>dépendante</a:t>
+            </a:r>
+            <a:r>
+              <a:rPr b="1" lang="fr">
+                <a:latin typeface="Georgia"/>
+                <a:ea typeface="Georgia"/>
+                <a:cs typeface="Georgia"/>
+                <a:sym typeface="Georgia"/>
+              </a:rPr>
+              <a:t> de l’âge</a:t>
+            </a:r>
+            <a:endParaRPr b="1">
+              <a:latin typeface="Georgia"/>
+              <a:ea typeface="Georgia"/>
+              <a:cs typeface="Georgia"/>
+              <a:sym typeface="Georgia"/>
+            </a:endParaRPr>
+          </a:p>
+        </p:txBody>
+      </p:sp>
+      <p:sp>
+        <p:nvSpPr>
+          <p:cNvPr id="376" name="Google Shape;376;p46"/>
           <p:cNvSpPr txBox="1"/>
           <p:nvPr/>
         </p:nvSpPr>
@@ -17318,7 +17828,7 @@
                 <a:cs typeface="Georgia"/>
                 <a:sym typeface="Georgia"/>
               </a:rPr>
-              <a:t>Non Significative</a:t>
+              <a:t>Significative</a:t>
             </a:r>
             <a:endParaRPr b="1">
               <a:latin typeface="Georgia"/>
@@ -17346,25 +17856,7 @@
                 <a:cs typeface="Georgia"/>
                 <a:sym typeface="Georgia"/>
               </a:rPr>
-              <a:t>Chute </a:t>
-            </a:r>
-            <a:r>
-              <a:rPr b="1" lang="fr">
-                <a:latin typeface="Georgia"/>
-                <a:ea typeface="Georgia"/>
-                <a:cs typeface="Georgia"/>
-                <a:sym typeface="Georgia"/>
-              </a:rPr>
-              <a:t>après</a:t>
-            </a:r>
-            <a:r>
-              <a:rPr b="1" lang="fr">
-                <a:latin typeface="Georgia"/>
-                <a:ea typeface="Georgia"/>
-                <a:cs typeface="Georgia"/>
-                <a:sym typeface="Georgia"/>
-              </a:rPr>
-              <a:t> 50 ans</a:t>
+              <a:t>Quantitative / Qualitative</a:t>
             </a:r>
             <a:endParaRPr b="1">
               <a:latin typeface="Georgia"/>
@@ -17373,17 +17865,41 @@
               <a:sym typeface="Georgia"/>
             </a:endParaRPr>
           </a:p>
+        </p:txBody>
+      </p:sp>
+      <p:sp>
+        <p:nvSpPr>
+          <p:cNvPr id="377" name="Google Shape;377;p46"/>
+          <p:cNvSpPr txBox="1"/>
+          <p:nvPr/>
+        </p:nvSpPr>
+        <p:spPr>
+          <a:xfrm>
+            <a:off x="5940500" y="4162050"/>
+            <a:ext cx="2287500" cy="435300"/>
+          </a:xfrm>
+          <a:prstGeom prst="rect">
+            <a:avLst/>
+          </a:prstGeom>
+          <a:noFill/>
+          <a:ln>
+            <a:noFill/>
+          </a:ln>
+        </p:spPr>
+        <p:txBody>
+          <a:bodyPr anchorCtr="0" anchor="t" bIns="91425" lIns="91425" spcFirstLastPara="1" rIns="91425" wrap="square" tIns="91425">
+            <a:noAutofit/>
+          </a:bodyPr>
+          <a:lstStyle/>
           <a:p>
-            <a:pPr indent="-317500" lvl="0" marL="457200" rtl="0" algn="l">
-              <a:spcBef>
-                <a:spcPts val="0"/>
-              </a:spcBef>
-              <a:spcAft>
-                <a:spcPts val="0"/>
-              </a:spcAft>
-              <a:buSzPts val="1400"/>
-              <a:buFont typeface="Georgia"/>
-              <a:buChar char="●"/>
+            <a:pPr indent="0" lvl="0" marL="0" rtl="0" algn="l">
+              <a:spcBef>
+                <a:spcPts val="0"/>
+              </a:spcBef>
+              <a:spcAft>
+                <a:spcPts val="0"/>
+              </a:spcAft>
+              <a:buNone/>
             </a:pPr>
             <a:r>
               <a:rPr b="1" lang="fr">
@@ -17392,14 +17908,9 @@
                 <a:cs typeface="Georgia"/>
                 <a:sym typeface="Georgia"/>
               </a:rPr>
-              <a:t>Segmentation</a:t>
-            </a:r>
-            <a:endParaRPr b="1">
-              <a:latin typeface="Georgia"/>
-              <a:ea typeface="Georgia"/>
-              <a:cs typeface="Georgia"/>
-              <a:sym typeface="Georgia"/>
-            </a:endParaRPr>
+              <a:t>Eta Squarred = 0.26</a:t>
+            </a:r>
+            <a:endParaRPr/>
           </a:p>
         </p:txBody>
       </p:sp>
@@ -17416,7 +17927,7 @@
   <p:cSld>
     <p:spTree>
       <p:nvGrpSpPr>
-        <p:cNvPr id="376" name="Shape 376"/>
+        <p:cNvPr id="381" name="Shape 381"/>
         <p:cNvGrpSpPr/>
         <p:nvPr/>
       </p:nvGrpSpPr>
@@ -17430,14 +17941,14 @@
       </p:grpSpPr>
       <p:sp>
         <p:nvSpPr>
-          <p:cNvPr id="377" name="Google Shape;377;p47"/>
+          <p:cNvPr id="382" name="Google Shape;382;p47"/>
           <p:cNvSpPr txBox="1"/>
           <p:nvPr/>
         </p:nvSpPr>
         <p:spPr>
           <a:xfrm>
-            <a:off x="1372800" y="186350"/>
-            <a:ext cx="6398400" cy="572700"/>
+            <a:off x="2657100" y="2285400"/>
+            <a:ext cx="3829800" cy="572700"/>
           </a:xfrm>
           <a:prstGeom prst="rect">
             <a:avLst/>
@@ -17472,7 +17983,7 @@
                 <a:cs typeface="Georgia"/>
                 <a:sym typeface="Georgia"/>
               </a:rPr>
-              <a:t>Analyse de Corrélation </a:t>
+              <a:t>Questions ?</a:t>
             </a:r>
             <a:endParaRPr sz="2800">
               <a:solidFill>
@@ -17488,7 +17999,7 @@
       </p:sp>
       <p:pic>
         <p:nvPicPr>
-          <p:cNvPr id="378" name="Google Shape;378;p47"/>
+          <p:cNvPr id="383" name="Google Shape;383;p47"/>
           <p:cNvPicPr preferRelativeResize="0"/>
           <p:nvPr/>
         </p:nvPicPr>
@@ -17514,192 +18025,6 @@
           </a:ln>
         </p:spPr>
       </p:pic>
-      <p:sp>
-        <p:nvSpPr>
-          <p:cNvPr id="379" name="Google Shape;379;p47"/>
-          <p:cNvSpPr txBox="1"/>
-          <p:nvPr/>
-        </p:nvSpPr>
-        <p:spPr>
-          <a:xfrm>
-            <a:off x="103775" y="1040525"/>
-            <a:ext cx="7054200" cy="361500"/>
-          </a:xfrm>
-          <a:prstGeom prst="rect">
-            <a:avLst/>
-          </a:prstGeom>
-          <a:noFill/>
-          <a:ln>
-            <a:noFill/>
-          </a:ln>
-        </p:spPr>
-        <p:txBody>
-          <a:bodyPr anchorCtr="0" anchor="t" bIns="91425" lIns="91425" spcFirstLastPara="1" rIns="91425" wrap="square" tIns="91425">
-            <a:noAutofit/>
-          </a:bodyPr>
-          <a:lstStyle/>
-          <a:p>
-            <a:pPr indent="0" lvl="0" marL="0" rtl="0" algn="l">
-              <a:spcBef>
-                <a:spcPts val="0"/>
-              </a:spcBef>
-              <a:spcAft>
-                <a:spcPts val="0"/>
-              </a:spcAft>
-              <a:buNone/>
-            </a:pPr>
-            <a:r>
-              <a:rPr b="1" lang="fr" sz="1200">
-                <a:latin typeface="Georgia"/>
-                <a:ea typeface="Georgia"/>
-                <a:cs typeface="Georgia"/>
-                <a:sym typeface="Georgia"/>
-              </a:rPr>
-              <a:t>Y a t-il une corrélation entre l'âge des clients et les </a:t>
-            </a:r>
-            <a:r>
-              <a:rPr b="1" lang="fr" sz="1200">
-                <a:latin typeface="Georgia"/>
-                <a:ea typeface="Georgia"/>
-                <a:cs typeface="Georgia"/>
-                <a:sym typeface="Georgia"/>
-              </a:rPr>
-              <a:t>catégories</a:t>
-            </a:r>
-            <a:r>
-              <a:rPr b="1" lang="fr" sz="1200">
-                <a:latin typeface="Georgia"/>
-                <a:ea typeface="Georgia"/>
-                <a:cs typeface="Georgia"/>
-                <a:sym typeface="Georgia"/>
-              </a:rPr>
-              <a:t> de produits </a:t>
-            </a:r>
-            <a:r>
-              <a:rPr b="1" lang="fr" sz="1200">
-                <a:latin typeface="Georgia"/>
-                <a:ea typeface="Georgia"/>
-                <a:cs typeface="Georgia"/>
-                <a:sym typeface="Georgia"/>
-              </a:rPr>
-              <a:t>achetés</a:t>
-            </a:r>
-            <a:r>
-              <a:rPr b="1" lang="fr" sz="1200">
-                <a:latin typeface="Georgia"/>
-                <a:ea typeface="Georgia"/>
-                <a:cs typeface="Georgia"/>
-                <a:sym typeface="Georgia"/>
-              </a:rPr>
-              <a:t> ?</a:t>
-            </a:r>
-            <a:endParaRPr b="1" sz="1200">
-              <a:latin typeface="Georgia"/>
-              <a:ea typeface="Georgia"/>
-              <a:cs typeface="Georgia"/>
-              <a:sym typeface="Georgia"/>
-            </a:endParaRPr>
-          </a:p>
-        </p:txBody>
-      </p:sp>
-      <p:pic>
-        <p:nvPicPr>
-          <p:cNvPr id="380" name="Google Shape;380;p47"/>
-          <p:cNvPicPr preferRelativeResize="0"/>
-          <p:nvPr/>
-        </p:nvPicPr>
-        <p:blipFill>
-          <a:blip r:embed="rId4">
-            <a:alphaModFix/>
-          </a:blip>
-          <a:stretch>
-            <a:fillRect/>
-          </a:stretch>
-        </p:blipFill>
-        <p:spPr>
-          <a:xfrm>
-            <a:off x="152400" y="1554425"/>
-            <a:ext cx="4400229" cy="3436675"/>
-          </a:xfrm>
-          <a:prstGeom prst="rect">
-            <a:avLst/>
-          </a:prstGeom>
-          <a:noFill/>
-          <a:ln>
-            <a:noFill/>
-          </a:ln>
-        </p:spPr>
-      </p:pic>
-      <p:sp>
-        <p:nvSpPr>
-          <p:cNvPr id="381" name="Google Shape;381;p47"/>
-          <p:cNvSpPr txBox="1"/>
-          <p:nvPr/>
-        </p:nvSpPr>
-        <p:spPr>
-          <a:xfrm>
-            <a:off x="4907350" y="3040263"/>
-            <a:ext cx="3416700" cy="465000"/>
-          </a:xfrm>
-          <a:prstGeom prst="rect">
-            <a:avLst/>
-          </a:prstGeom>
-          <a:noFill/>
-          <a:ln>
-            <a:noFill/>
-          </a:ln>
-        </p:spPr>
-        <p:txBody>
-          <a:bodyPr anchorCtr="0" anchor="t" bIns="91425" lIns="91425" spcFirstLastPara="1" rIns="91425" wrap="square" tIns="91425">
-            <a:noAutofit/>
-          </a:bodyPr>
-          <a:lstStyle/>
-          <a:p>
-            <a:pPr indent="0" lvl="0" marL="0" rtl="0" algn="l">
-              <a:spcBef>
-                <a:spcPts val="0"/>
-              </a:spcBef>
-              <a:spcAft>
-                <a:spcPts val="0"/>
-              </a:spcAft>
-              <a:buNone/>
-            </a:pPr>
-            <a:r>
-              <a:rPr b="1" lang="fr">
-                <a:latin typeface="Georgia"/>
-                <a:ea typeface="Georgia"/>
-                <a:cs typeface="Georgia"/>
-                <a:sym typeface="Georgia"/>
-              </a:rPr>
-              <a:t>Distribution </a:t>
-            </a:r>
-            <a:r>
-              <a:rPr b="1" lang="fr">
-                <a:latin typeface="Georgia"/>
-                <a:ea typeface="Georgia"/>
-                <a:cs typeface="Georgia"/>
-                <a:sym typeface="Georgia"/>
-              </a:rPr>
-              <a:t>dépendante</a:t>
-            </a:r>
-            <a:r>
-              <a:rPr b="1" lang="fr">
-                <a:latin typeface="Georgia"/>
-                <a:ea typeface="Georgia"/>
-                <a:cs typeface="Georgia"/>
-                <a:sym typeface="Georgia"/>
-              </a:rPr>
-              <a:t> de l’âge</a:t>
-            </a:r>
-            <a:endParaRPr b="1">
-              <a:latin typeface="Georgia"/>
-              <a:ea typeface="Georgia"/>
-              <a:cs typeface="Georgia"/>
-              <a:sym typeface="Georgia"/>
-            </a:endParaRPr>
-          </a:p>
-        </p:txBody>
-      </p:sp>
     </p:spTree>
   </p:cSld>
   <p:clrMapOvr>
@@ -18062,7 +18387,7 @@
             <a:tbl>
               <a:tblPr>
                 <a:noFill/>
-                <a:tableStyleId>{6D14CE44-F0E2-440E-A45F-8DAD497C3227}</a:tableStyleId>
+                <a:tableStyleId>{D2AAB2BA-8BE6-46A1-9F23-97ED9889CC92}</a:tableStyleId>
               </a:tblPr>
               <a:tblGrid>
                 <a:gridCol w="1447800"/>
@@ -18699,7 +19024,7 @@
             <a:tbl>
               <a:tblPr>
                 <a:noFill/>
-                <a:tableStyleId>{6D14CE44-F0E2-440E-A45F-8DAD497C3227}</a:tableStyleId>
+                <a:tableStyleId>{D2AAB2BA-8BE6-46A1-9F23-97ED9889CC92}</a:tableStyleId>
               </a:tblPr>
               <a:tblGrid>
                 <a:gridCol w="2413000"/>
@@ -20414,7 +20739,7 @@
             <a:tbl>
               <a:tblPr>
                 <a:noFill/>
-                <a:tableStyleId>{6D14CE44-F0E2-440E-A45F-8DAD497C3227}</a:tableStyleId>
+                <a:tableStyleId>{D2AAB2BA-8BE6-46A1-9F23-97ED9889CC92}</a:tableStyleId>
               </a:tblPr>
               <a:tblGrid>
                 <a:gridCol w="820100"/>
@@ -20645,6 +20970,285 @@
 </file>
 
 <file path=ppt/theme/theme1.xml><?xml version="1.0" encoding="utf-8"?>
+<a:theme xmlns:a="http://schemas.openxmlformats.org/drawingml/2006/main" xmlns:r="http://schemas.openxmlformats.org/officeDocument/2006/relationships" name="Simple Light">
+  <a:themeElements>
+    <a:clrScheme name="Simple Light">
+      <a:dk1>
+        <a:srgbClr val="000000"/>
+      </a:dk1>
+      <a:lt1>
+        <a:srgbClr val="FFFFFF"/>
+      </a:lt1>
+      <a:dk2>
+        <a:srgbClr val="595959"/>
+      </a:dk2>
+      <a:lt2>
+        <a:srgbClr val="EEEEEE"/>
+      </a:lt2>
+      <a:accent1>
+        <a:srgbClr val="FFAB40"/>
+      </a:accent1>
+      <a:accent2>
+        <a:srgbClr val="212121"/>
+      </a:accent2>
+      <a:accent3>
+        <a:srgbClr val="78909C"/>
+      </a:accent3>
+      <a:accent4>
+        <a:srgbClr val="FFAB40"/>
+      </a:accent4>
+      <a:accent5>
+        <a:srgbClr val="0097A7"/>
+      </a:accent5>
+      <a:accent6>
+        <a:srgbClr val="EEFF41"/>
+      </a:accent6>
+      <a:hlink>
+        <a:srgbClr val="0097A7"/>
+      </a:hlink>
+      <a:folHlink>
+        <a:srgbClr val="0097A7"/>
+      </a:folHlink>
+    </a:clrScheme>
+    <a:fontScheme name="Office">
+      <a:majorFont>
+        <a:latin typeface="Arial"/>
+        <a:ea typeface=""/>
+        <a:cs typeface=""/>
+        <a:font script="Jpan" typeface="ＭＳ Ｐゴシック"/>
+        <a:font script="Hang" typeface="맑은 고딕"/>
+        <a:font script="Hans" typeface="宋体"/>
+        <a:font script="Hant" typeface="新細明體"/>
+        <a:font script="Arab" typeface="Times New Roman"/>
+        <a:font script="Hebr" typeface="Times New Roman"/>
+        <a:font script="Thai" typeface="Angsana New"/>
+        <a:font script="Ethi" typeface="Nyala"/>
+        <a:font script="Beng" typeface="Vrinda"/>
+        <a:font script="Gujr" typeface="Shruti"/>
+        <a:font script="Khmr" typeface="MoolBoran"/>
+        <a:font script="Knda" typeface="Tunga"/>
+        <a:font script="Guru" typeface="Raavi"/>
+        <a:font script="Cans" typeface="Euphemia"/>
+        <a:font script="Cher" typeface="Plantagenet Cherokee"/>
+        <a:font script="Yiii" typeface="Microsoft Yi Baiti"/>
+        <a:font script="Tibt" typeface="Microsoft Himalaya"/>
+        <a:font script="Thaa" typeface="MV Boli"/>
+        <a:font script="Deva" typeface="Mangal"/>
+        <a:font script="Telu" typeface="Gautami"/>
+        <a:font script="Taml" typeface="Latha"/>
+        <a:font script="Syrc" typeface="Estrangelo Edessa"/>
+        <a:font script="Orya" typeface="Kalinga"/>
+        <a:font script="Mlym" typeface="Kartika"/>
+        <a:font script="Laoo" typeface="DokChampa"/>
+        <a:font script="Sinh" typeface="Iskoola Pota"/>
+        <a:font script="Mong" typeface="Mongolian Baiti"/>
+        <a:font script="Viet" typeface="Times New Roman"/>
+        <a:font script="Uigh" typeface="Microsoft Uighur"/>
+        <a:font script="Geor" typeface="Sylfaen"/>
+      </a:majorFont>
+      <a:minorFont>
+        <a:latin typeface="Arial"/>
+        <a:ea typeface=""/>
+        <a:cs typeface=""/>
+        <a:font script="Jpan" typeface="ＭＳ Ｐゴシック"/>
+        <a:font script="Hang" typeface="맑은 고딕"/>
+        <a:font script="Hans" typeface="宋体"/>
+        <a:font script="Hant" typeface="新細明體"/>
+        <a:font script="Arab" typeface="Arial"/>
+        <a:font script="Hebr" typeface="Arial"/>
+        <a:font script="Thai" typeface="Cordia New"/>
+        <a:font script="Ethi" typeface="Nyala"/>
+        <a:font script="Beng" typeface="Vrinda"/>
+        <a:font script="Gujr" typeface="Shruti"/>
+        <a:font script="Khmr" typeface="DaunPenh"/>
+        <a:font script="Knda" typeface="Tunga"/>
+        <a:font script="Guru" typeface="Raavi"/>
+        <a:font script="Cans" typeface="Euphemia"/>
+        <a:font script="Cher" typeface="Plantagenet Cherokee"/>
+        <a:font script="Yiii" typeface="Microsoft Yi Baiti"/>
+        <a:font script="Tibt" typeface="Microsoft Himalaya"/>
+        <a:font script="Thaa" typeface="MV Boli"/>
+        <a:font script="Deva" typeface="Mangal"/>
+        <a:font script="Telu" typeface="Gautami"/>
+        <a:font script="Taml" typeface="Latha"/>
+        <a:font script="Syrc" typeface="Estrangelo Edessa"/>
+        <a:font script="Orya" typeface="Kalinga"/>
+        <a:font script="Mlym" typeface="Kartika"/>
+        <a:font script="Laoo" typeface="DokChampa"/>
+        <a:font script="Sinh" typeface="Iskoola Pota"/>
+        <a:font script="Mong" typeface="Mongolian Baiti"/>
+        <a:font script="Viet" typeface="Arial"/>
+        <a:font script="Uigh" typeface="Microsoft Uighur"/>
+        <a:font script="Geor" typeface="Sylfaen"/>
+      </a:minorFont>
+    </a:fontScheme>
+    <a:fmtScheme name="Office">
+      <a:fillStyleLst>
+        <a:solidFill>
+          <a:schemeClr val="phClr"/>
+        </a:solidFill>
+        <a:gradFill rotWithShape="1">
+          <a:gsLst>
+            <a:gs pos="0">
+              <a:schemeClr val="phClr">
+                <a:tint val="50000"/>
+                <a:satMod val="300000"/>
+              </a:schemeClr>
+            </a:gs>
+            <a:gs pos="35000">
+              <a:schemeClr val="phClr">
+                <a:tint val="37000"/>
+                <a:satMod val="300000"/>
+              </a:schemeClr>
+            </a:gs>
+            <a:gs pos="100000">
+              <a:schemeClr val="phClr">
+                <a:tint val="15000"/>
+                <a:satMod val="350000"/>
+              </a:schemeClr>
+            </a:gs>
+          </a:gsLst>
+          <a:lin ang="16200000" scaled="1"/>
+        </a:gradFill>
+        <a:gradFill rotWithShape="1">
+          <a:gsLst>
+            <a:gs pos="0">
+              <a:schemeClr val="phClr">
+                <a:tint val="100000"/>
+                <a:shade val="100000"/>
+                <a:satMod val="130000"/>
+              </a:schemeClr>
+            </a:gs>
+            <a:gs pos="100000">
+              <a:schemeClr val="phClr">
+                <a:tint val="50000"/>
+                <a:shade val="100000"/>
+                <a:satMod val="350000"/>
+              </a:schemeClr>
+            </a:gs>
+          </a:gsLst>
+          <a:lin ang="16200000" scaled="0"/>
+        </a:gradFill>
+      </a:fillStyleLst>
+      <a:lnStyleLst>
+        <a:ln w="9525" cap="flat" cmpd="sng" algn="ctr">
+          <a:solidFill>
+            <a:schemeClr val="phClr">
+              <a:shade val="95000"/>
+              <a:satMod val="105000"/>
+            </a:schemeClr>
+          </a:solidFill>
+          <a:prstDash val="solid"/>
+        </a:ln>
+        <a:ln w="25400" cap="flat" cmpd="sng" algn="ctr">
+          <a:solidFill>
+            <a:schemeClr val="phClr"/>
+          </a:solidFill>
+          <a:prstDash val="solid"/>
+        </a:ln>
+        <a:ln w="38100" cap="flat" cmpd="sng" algn="ctr">
+          <a:solidFill>
+            <a:schemeClr val="phClr"/>
+          </a:solidFill>
+          <a:prstDash val="solid"/>
+        </a:ln>
+      </a:lnStyleLst>
+      <a:effectStyleLst>
+        <a:effectStyle>
+          <a:effectLst>
+            <a:outerShdw blurRad="40000" dist="20000" dir="5400000" rotWithShape="0">
+              <a:srgbClr val="000000">
+                <a:alpha val="38000"/>
+              </a:srgbClr>
+            </a:outerShdw>
+          </a:effectLst>
+        </a:effectStyle>
+        <a:effectStyle>
+          <a:effectLst>
+            <a:outerShdw blurRad="40000" dist="23000" dir="5400000" rotWithShape="0">
+              <a:srgbClr val="000000">
+                <a:alpha val="35000"/>
+              </a:srgbClr>
+            </a:outerShdw>
+          </a:effectLst>
+        </a:effectStyle>
+        <a:effectStyle>
+          <a:effectLst>
+            <a:outerShdw blurRad="40000" dist="23000" dir="5400000" rotWithShape="0">
+              <a:srgbClr val="000000">
+                <a:alpha val="35000"/>
+              </a:srgbClr>
+            </a:outerShdw>
+          </a:effectLst>
+          <a:scene3d>
+            <a:camera prst="orthographicFront">
+              <a:rot lat="0" lon="0" rev="0"/>
+            </a:camera>
+            <a:lightRig rig="threePt" dir="t">
+              <a:rot lat="0" lon="0" rev="1200000"/>
+            </a:lightRig>
+          </a:scene3d>
+          <a:sp3d>
+            <a:bevelT w="63500" h="25400"/>
+          </a:sp3d>
+        </a:effectStyle>
+      </a:effectStyleLst>
+      <a:bgFillStyleLst>
+        <a:solidFill>
+          <a:schemeClr val="phClr"/>
+        </a:solidFill>
+        <a:gradFill rotWithShape="1">
+          <a:gsLst>
+            <a:gs pos="0">
+              <a:schemeClr val="phClr">
+                <a:tint val="40000"/>
+                <a:satMod val="350000"/>
+              </a:schemeClr>
+            </a:gs>
+            <a:gs pos="40000">
+              <a:schemeClr val="phClr">
+                <a:tint val="45000"/>
+                <a:shade val="99000"/>
+                <a:satMod val="350000"/>
+              </a:schemeClr>
+            </a:gs>
+            <a:gs pos="100000">
+              <a:schemeClr val="phClr">
+                <a:shade val="20000"/>
+                <a:satMod val="255000"/>
+              </a:schemeClr>
+            </a:gs>
+          </a:gsLst>
+          <a:path path="circle">
+            <a:fillToRect l="50000" t="-80000" r="50000" b="180000"/>
+          </a:path>
+        </a:gradFill>
+        <a:gradFill rotWithShape="1">
+          <a:gsLst>
+            <a:gs pos="0">
+              <a:schemeClr val="phClr">
+                <a:tint val="80000"/>
+                <a:satMod val="300000"/>
+              </a:schemeClr>
+            </a:gs>
+            <a:gs pos="100000">
+              <a:schemeClr val="phClr">
+                <a:shade val="30000"/>
+                <a:satMod val="200000"/>
+              </a:schemeClr>
+            </a:gs>
+          </a:gsLst>
+          <a:path path="circle">
+            <a:fillToRect l="50000" t="50000" r="50000" b="50000"/>
+          </a:path>
+        </a:gradFill>
+      </a:bgFillStyleLst>
+    </a:fmtScheme>
+  </a:themeElements>
+</a:theme>
+</file>
+
+<file path=ppt/theme/theme2.xml><?xml version="1.0" encoding="utf-8"?>
 <a:theme xmlns:a="http://schemas.openxmlformats.org/drawingml/2006/main" xmlns:r="http://schemas.openxmlformats.org/officeDocument/2006/relationships">
   <a:themeElements>
     <a:clrScheme name="Default">
@@ -20921,283 +21525,4 @@
     </a:fmtScheme>
   </a:themeElements>
 </a:theme>
-</file>
-
-<file path=ppt/theme/theme2.xml><?xml version="1.0" encoding="utf-8"?>
-<a:theme xmlns:a="http://schemas.openxmlformats.org/drawingml/2006/main" xmlns:r="http://schemas.openxmlformats.org/officeDocument/2006/relationships" name="Simple Light">
-  <a:themeElements>
-    <a:clrScheme name="Simple Light">
-      <a:dk1>
-        <a:srgbClr val="000000"/>
-      </a:dk1>
-      <a:lt1>
-        <a:srgbClr val="FFFFFF"/>
-      </a:lt1>
-      <a:dk2>
-        <a:srgbClr val="595959"/>
-      </a:dk2>
-      <a:lt2>
-        <a:srgbClr val="EEEEEE"/>
-      </a:lt2>
-      <a:accent1>
-        <a:srgbClr val="FFAB40"/>
-      </a:accent1>
-      <a:accent2>
-        <a:srgbClr val="212121"/>
-      </a:accent2>
-      <a:accent3>
-        <a:srgbClr val="78909C"/>
-      </a:accent3>
-      <a:accent4>
-        <a:srgbClr val="FFAB40"/>
-      </a:accent4>
-      <a:accent5>
-        <a:srgbClr val="0097A7"/>
-      </a:accent5>
-      <a:accent6>
-        <a:srgbClr val="EEFF41"/>
-      </a:accent6>
-      <a:hlink>
-        <a:srgbClr val="0097A7"/>
-      </a:hlink>
-      <a:folHlink>
-        <a:srgbClr val="0097A7"/>
-      </a:folHlink>
-    </a:clrScheme>
-    <a:fontScheme name="Office">
-      <a:majorFont>
-        <a:latin typeface="Arial"/>
-        <a:ea typeface=""/>
-        <a:cs typeface=""/>
-        <a:font script="Jpan" typeface="ＭＳ Ｐゴシック"/>
-        <a:font script="Hang" typeface="맑은 고딕"/>
-        <a:font script="Hans" typeface="宋体"/>
-        <a:font script="Hant" typeface="新細明體"/>
-        <a:font script="Arab" typeface="Times New Roman"/>
-        <a:font script="Hebr" typeface="Times New Roman"/>
-        <a:font script="Thai" typeface="Angsana New"/>
-        <a:font script="Ethi" typeface="Nyala"/>
-        <a:font script="Beng" typeface="Vrinda"/>
-        <a:font script="Gujr" typeface="Shruti"/>
-        <a:font script="Khmr" typeface="MoolBoran"/>
-        <a:font script="Knda" typeface="Tunga"/>
-        <a:font script="Guru" typeface="Raavi"/>
-        <a:font script="Cans" typeface="Euphemia"/>
-        <a:font script="Cher" typeface="Plantagenet Cherokee"/>
-        <a:font script="Yiii" typeface="Microsoft Yi Baiti"/>
-        <a:font script="Tibt" typeface="Microsoft Himalaya"/>
-        <a:font script="Thaa" typeface="MV Boli"/>
-        <a:font script="Deva" typeface="Mangal"/>
-        <a:font script="Telu" typeface="Gautami"/>
-        <a:font script="Taml" typeface="Latha"/>
-        <a:font script="Syrc" typeface="Estrangelo Edessa"/>
-        <a:font script="Orya" typeface="Kalinga"/>
-        <a:font script="Mlym" typeface="Kartika"/>
-        <a:font script="Laoo" typeface="DokChampa"/>
-        <a:font script="Sinh" typeface="Iskoola Pota"/>
-        <a:font script="Mong" typeface="Mongolian Baiti"/>
-        <a:font script="Viet" typeface="Times New Roman"/>
-        <a:font script="Uigh" typeface="Microsoft Uighur"/>
-        <a:font script="Geor" typeface="Sylfaen"/>
-      </a:majorFont>
-      <a:minorFont>
-        <a:latin typeface="Arial"/>
-        <a:ea typeface=""/>
-        <a:cs typeface=""/>
-        <a:font script="Jpan" typeface="ＭＳ Ｐゴシック"/>
-        <a:font script="Hang" typeface="맑은 고딕"/>
-        <a:font script="Hans" typeface="宋体"/>
-        <a:font script="Hant" typeface="新細明體"/>
-        <a:font script="Arab" typeface="Arial"/>
-        <a:font script="Hebr" typeface="Arial"/>
-        <a:font script="Thai" typeface="Cordia New"/>
-        <a:font script="Ethi" typeface="Nyala"/>
-        <a:font script="Beng" typeface="Vrinda"/>
-        <a:font script="Gujr" typeface="Shruti"/>
-        <a:font script="Khmr" typeface="DaunPenh"/>
-        <a:font script="Knda" typeface="Tunga"/>
-        <a:font script="Guru" typeface="Raavi"/>
-        <a:font script="Cans" typeface="Euphemia"/>
-        <a:font script="Cher" typeface="Plantagenet Cherokee"/>
-        <a:font script="Yiii" typeface="Microsoft Yi Baiti"/>
-        <a:font script="Tibt" typeface="Microsoft Himalaya"/>
-        <a:font script="Thaa" typeface="MV Boli"/>
-        <a:font script="Deva" typeface="Mangal"/>
-        <a:font script="Telu" typeface="Gautami"/>
-        <a:font script="Taml" typeface="Latha"/>
-        <a:font script="Syrc" typeface="Estrangelo Edessa"/>
-        <a:font script="Orya" typeface="Kalinga"/>
-        <a:font script="Mlym" typeface="Kartika"/>
-        <a:font script="Laoo" typeface="DokChampa"/>
-        <a:font script="Sinh" typeface="Iskoola Pota"/>
-        <a:font script="Mong" typeface="Mongolian Baiti"/>
-        <a:font script="Viet" typeface="Arial"/>
-        <a:font script="Uigh" typeface="Microsoft Uighur"/>
-        <a:font script="Geor" typeface="Sylfaen"/>
-      </a:minorFont>
-    </a:fontScheme>
-    <a:fmtScheme name="Office">
-      <a:fillStyleLst>
-        <a:solidFill>
-          <a:schemeClr val="phClr"/>
-        </a:solidFill>
-        <a:gradFill rotWithShape="1">
-          <a:gsLst>
-            <a:gs pos="0">
-              <a:schemeClr val="phClr">
-                <a:tint val="50000"/>
-                <a:satMod val="300000"/>
-              </a:schemeClr>
-            </a:gs>
-            <a:gs pos="35000">
-              <a:schemeClr val="phClr">
-                <a:tint val="37000"/>
-                <a:satMod val="300000"/>
-              </a:schemeClr>
-            </a:gs>
-            <a:gs pos="100000">
-              <a:schemeClr val="phClr">
-                <a:tint val="15000"/>
-                <a:satMod val="350000"/>
-              </a:schemeClr>
-            </a:gs>
-          </a:gsLst>
-          <a:lin ang="16200000" scaled="1"/>
-        </a:gradFill>
-        <a:gradFill rotWithShape="1">
-          <a:gsLst>
-            <a:gs pos="0">
-              <a:schemeClr val="phClr">
-                <a:tint val="100000"/>
-                <a:shade val="100000"/>
-                <a:satMod val="130000"/>
-              </a:schemeClr>
-            </a:gs>
-            <a:gs pos="100000">
-              <a:schemeClr val="phClr">
-                <a:tint val="50000"/>
-                <a:shade val="100000"/>
-                <a:satMod val="350000"/>
-              </a:schemeClr>
-            </a:gs>
-          </a:gsLst>
-          <a:lin ang="16200000" scaled="0"/>
-        </a:gradFill>
-      </a:fillStyleLst>
-      <a:lnStyleLst>
-        <a:ln w="9525" cap="flat" cmpd="sng" algn="ctr">
-          <a:solidFill>
-            <a:schemeClr val="phClr">
-              <a:shade val="95000"/>
-              <a:satMod val="105000"/>
-            </a:schemeClr>
-          </a:solidFill>
-          <a:prstDash val="solid"/>
-        </a:ln>
-        <a:ln w="25400" cap="flat" cmpd="sng" algn="ctr">
-          <a:solidFill>
-            <a:schemeClr val="phClr"/>
-          </a:solidFill>
-          <a:prstDash val="solid"/>
-        </a:ln>
-        <a:ln w="38100" cap="flat" cmpd="sng" algn="ctr">
-          <a:solidFill>
-            <a:schemeClr val="phClr"/>
-          </a:solidFill>
-          <a:prstDash val="solid"/>
-        </a:ln>
-      </a:lnStyleLst>
-      <a:effectStyleLst>
-        <a:effectStyle>
-          <a:effectLst>
-            <a:outerShdw blurRad="40000" dist="20000" dir="5400000" rotWithShape="0">
-              <a:srgbClr val="000000">
-                <a:alpha val="38000"/>
-              </a:srgbClr>
-            </a:outerShdw>
-          </a:effectLst>
-        </a:effectStyle>
-        <a:effectStyle>
-          <a:effectLst>
-            <a:outerShdw blurRad="40000" dist="23000" dir="5400000" rotWithShape="0">
-              <a:srgbClr val="000000">
-                <a:alpha val="35000"/>
-              </a:srgbClr>
-            </a:outerShdw>
-          </a:effectLst>
-        </a:effectStyle>
-        <a:effectStyle>
-          <a:effectLst>
-            <a:outerShdw blurRad="40000" dist="23000" dir="5400000" rotWithShape="0">
-              <a:srgbClr val="000000">
-                <a:alpha val="35000"/>
-              </a:srgbClr>
-            </a:outerShdw>
-          </a:effectLst>
-          <a:scene3d>
-            <a:camera prst="orthographicFront">
-              <a:rot lat="0" lon="0" rev="0"/>
-            </a:camera>
-            <a:lightRig rig="threePt" dir="t">
-              <a:rot lat="0" lon="0" rev="1200000"/>
-            </a:lightRig>
-          </a:scene3d>
-          <a:sp3d>
-            <a:bevelT w="63500" h="25400"/>
-          </a:sp3d>
-        </a:effectStyle>
-      </a:effectStyleLst>
-      <a:bgFillStyleLst>
-        <a:solidFill>
-          <a:schemeClr val="phClr"/>
-        </a:solidFill>
-        <a:gradFill rotWithShape="1">
-          <a:gsLst>
-            <a:gs pos="0">
-              <a:schemeClr val="phClr">
-                <a:tint val="40000"/>
-                <a:satMod val="350000"/>
-              </a:schemeClr>
-            </a:gs>
-            <a:gs pos="40000">
-              <a:schemeClr val="phClr">
-                <a:tint val="45000"/>
-                <a:shade val="99000"/>
-                <a:satMod val="350000"/>
-              </a:schemeClr>
-            </a:gs>
-            <a:gs pos="100000">
-              <a:schemeClr val="phClr">
-                <a:shade val="20000"/>
-                <a:satMod val="255000"/>
-              </a:schemeClr>
-            </a:gs>
-          </a:gsLst>
-          <a:path path="circle">
-            <a:fillToRect l="50000" t="-80000" r="50000" b="180000"/>
-          </a:path>
-        </a:gradFill>
-        <a:gradFill rotWithShape="1">
-          <a:gsLst>
-            <a:gs pos="0">
-              <a:schemeClr val="phClr">
-                <a:tint val="80000"/>
-                <a:satMod val="300000"/>
-              </a:schemeClr>
-            </a:gs>
-            <a:gs pos="100000">
-              <a:schemeClr val="phClr">
-                <a:shade val="30000"/>
-                <a:satMod val="200000"/>
-              </a:schemeClr>
-            </a:gs>
-          </a:gsLst>
-          <a:path path="circle">
-            <a:fillToRect l="50000" t="50000" r="50000" b="50000"/>
-          </a:path>
-        </a:gradFill>
-      </a:bgFillStyleLst>
-    </a:fmtScheme>
-  </a:themeElements>
-</a:theme>
 </file>